--- a/21.10/SORTS.pptx
+++ b/21.10/SORTS.pptx
@@ -2,7 +2,7 @@
 <file path=ppt/presentation.xml><?xml version="1.0" encoding="utf-8"?>
 <p:presentation xmlns:a="http://schemas.openxmlformats.org/drawingml/2006/main" xmlns:r="http://schemas.openxmlformats.org/officeDocument/2006/relationships" xmlns:p="http://schemas.openxmlformats.org/presentationml/2006/main" saveSubsetFonts="1">
   <p:sldMasterIdLst>
-    <p:sldMasterId id="2147483648" r:id="rId1"/>
+    <p:sldMasterId id="2147483660" r:id="rId1"/>
   </p:sldMasterIdLst>
   <p:sldIdLst>
     <p:sldId id="256" r:id="rId2"/>
@@ -12,6 +12,7 @@
     <p:sldId id="260" r:id="rId6"/>
     <p:sldId id="261" r:id="rId7"/>
     <p:sldId id="262" r:id="rId8"/>
+    <p:sldId id="263" r:id="rId9"/>
   </p:sldIdLst>
   <p:sldSz cx="12192000" cy="6858000"/>
   <p:notesSz cx="6858000" cy="9144000"/>
@@ -110,6 +111,11 @@
       </a:defRPr>
     </a:lvl9pPr>
   </p:defaultTextStyle>
+  <p:extLst>
+    <p:ext uri="{EFAFB233-063F-42B5-8137-9DF3F51BA10A}">
+      <p15:sldGuideLst xmlns:p15="http://schemas.microsoft.com/office/powerpoint/2012/main"/>
+    </p:ext>
+  </p:extLst>
 </p:presentation>
 </file>
 
@@ -132,7 +138,7 @@
       </p:grpSpPr>
       <p:sp>
         <p:nvSpPr>
-          <p:cNvPr id="2" name="Título 1"/>
+          <p:cNvPr id="2" name="Title 1"/>
           <p:cNvSpPr>
             <a:spLocks noGrp="1"/>
           </p:cNvSpPr>
@@ -142,15 +148,17 @@
         </p:nvSpPr>
         <p:spPr>
           <a:xfrm>
-            <a:off x="1524000" y="1122363"/>
-            <a:ext cx="9144000" cy="2387600"/>
+            <a:off x="2589213" y="2514600"/>
+            <a:ext cx="8915399" cy="2262781"/>
           </a:xfrm>
         </p:spPr>
         <p:txBody>
-          <a:bodyPr anchor="b"/>
+          <a:bodyPr anchor="b">
+            <a:normAutofit/>
+          </a:bodyPr>
           <a:lstStyle>
-            <a:lvl1pPr algn="ctr">
-              <a:defRPr sz="6000"/>
+            <a:lvl1pPr>
+              <a:defRPr sz="5400"/>
             </a:lvl1pPr>
           </a:lstStyle>
           <a:p>
@@ -158,13 +166,13 @@
               <a:rPr lang="es-ES" smtClean="0"/>
               <a:t>Haga clic para modificar el estilo de título del patrón</a:t>
             </a:r>
-            <a:endParaRPr lang="en-US"/>
-          </a:p>
-        </p:txBody>
-      </p:sp>
-      <p:sp>
-        <p:nvSpPr>
-          <p:cNvPr id="3" name="Subtítulo 2"/>
+            <a:endParaRPr lang="en-US" dirty="0"/>
+          </a:p>
+        </p:txBody>
+      </p:sp>
+      <p:sp>
+        <p:nvSpPr>
+          <p:cNvPr id="3" name="Subtitle 2"/>
           <p:cNvSpPr>
             <a:spLocks noGrp="1"/>
           </p:cNvSpPr>
@@ -174,48 +182,103 @@
         </p:nvSpPr>
         <p:spPr>
           <a:xfrm>
-            <a:off x="1524000" y="3602038"/>
-            <a:ext cx="9144000" cy="1655762"/>
+            <a:off x="2589213" y="4777379"/>
+            <a:ext cx="8915399" cy="1126283"/>
           </a:xfrm>
         </p:spPr>
         <p:txBody>
-          <a:bodyPr/>
+          <a:bodyPr anchor="t"/>
           <a:lstStyle>
-            <a:lvl1pPr marL="0" indent="0" algn="ctr">
-              <a:buNone/>
-              <a:defRPr sz="2400"/>
+            <a:lvl1pPr marL="0" indent="0" algn="l">
+              <a:buNone/>
+              <a:defRPr>
+                <a:solidFill>
+                  <a:schemeClr val="tx1">
+                    <a:lumMod val="65000"/>
+                    <a:lumOff val="35000"/>
+                  </a:schemeClr>
+                </a:solidFill>
+              </a:defRPr>
             </a:lvl1pPr>
             <a:lvl2pPr marL="457200" indent="0" algn="ctr">
               <a:buNone/>
-              <a:defRPr sz="2000"/>
+              <a:defRPr>
+                <a:solidFill>
+                  <a:schemeClr val="tx1">
+                    <a:tint val="75000"/>
+                  </a:schemeClr>
+                </a:solidFill>
+              </a:defRPr>
             </a:lvl2pPr>
             <a:lvl3pPr marL="914400" indent="0" algn="ctr">
               <a:buNone/>
-              <a:defRPr sz="1800"/>
+              <a:defRPr>
+                <a:solidFill>
+                  <a:schemeClr val="tx1">
+                    <a:tint val="75000"/>
+                  </a:schemeClr>
+                </a:solidFill>
+              </a:defRPr>
             </a:lvl3pPr>
             <a:lvl4pPr marL="1371600" indent="0" algn="ctr">
               <a:buNone/>
-              <a:defRPr sz="1600"/>
+              <a:defRPr>
+                <a:solidFill>
+                  <a:schemeClr val="tx1">
+                    <a:tint val="75000"/>
+                  </a:schemeClr>
+                </a:solidFill>
+              </a:defRPr>
             </a:lvl4pPr>
             <a:lvl5pPr marL="1828800" indent="0" algn="ctr">
               <a:buNone/>
-              <a:defRPr sz="1600"/>
+              <a:defRPr>
+                <a:solidFill>
+                  <a:schemeClr val="tx1">
+                    <a:tint val="75000"/>
+                  </a:schemeClr>
+                </a:solidFill>
+              </a:defRPr>
             </a:lvl5pPr>
             <a:lvl6pPr marL="2286000" indent="0" algn="ctr">
               <a:buNone/>
-              <a:defRPr sz="1600"/>
+              <a:defRPr>
+                <a:solidFill>
+                  <a:schemeClr val="tx1">
+                    <a:tint val="75000"/>
+                  </a:schemeClr>
+                </a:solidFill>
+              </a:defRPr>
             </a:lvl6pPr>
             <a:lvl7pPr marL="2743200" indent="0" algn="ctr">
               <a:buNone/>
-              <a:defRPr sz="1600"/>
+              <a:defRPr>
+                <a:solidFill>
+                  <a:schemeClr val="tx1">
+                    <a:tint val="75000"/>
+                  </a:schemeClr>
+                </a:solidFill>
+              </a:defRPr>
             </a:lvl7pPr>
             <a:lvl8pPr marL="3200400" indent="0" algn="ctr">
               <a:buNone/>
-              <a:defRPr sz="1600"/>
+              <a:defRPr>
+                <a:solidFill>
+                  <a:schemeClr val="tx1">
+                    <a:tint val="75000"/>
+                  </a:schemeClr>
+                </a:solidFill>
+              </a:defRPr>
             </a:lvl8pPr>
             <a:lvl9pPr marL="3657600" indent="0" algn="ctr">
               <a:buNone/>
-              <a:defRPr sz="1600"/>
+              <a:defRPr>
+                <a:solidFill>
+                  <a:schemeClr val="tx1">
+                    <a:tint val="75000"/>
+                  </a:schemeClr>
+                </a:solidFill>
+              </a:defRPr>
             </a:lvl9pPr>
           </a:lstStyle>
           <a:p>
@@ -223,13 +286,13 @@
               <a:rPr lang="es-ES" smtClean="0"/>
               <a:t>Haga clic para editar el estilo de subtítulo del patrón</a:t>
             </a:r>
-            <a:endParaRPr lang="en-US"/>
-          </a:p>
-        </p:txBody>
-      </p:sp>
-      <p:sp>
-        <p:nvSpPr>
-          <p:cNvPr id="4" name="Marcador de fecha 3"/>
+            <a:endParaRPr lang="en-US" dirty="0"/>
+          </a:p>
+        </p:txBody>
+      </p:sp>
+      <p:sp>
+        <p:nvSpPr>
+          <p:cNvPr id="4" name="Date Placeholder 3"/>
           <p:cNvSpPr>
             <a:spLocks noGrp="1"/>
           </p:cNvSpPr>
@@ -244,7 +307,7 @@
           <a:p>
             <a:fld id="{CA4F40FF-563B-4111-A958-728949FF0409}" type="datetimeFigureOut">
               <a:rPr lang="en-US" smtClean="0"/>
-              <a:t>10/20/2020</a:t>
+              <a:t>10/21/2020</a:t>
             </a:fld>
             <a:endParaRPr lang="en-US"/>
           </a:p>
@@ -252,7 +315,7 @@
       </p:sp>
       <p:sp>
         <p:nvSpPr>
-          <p:cNvPr id="5" name="Marcador de pie de página 4"/>
+          <p:cNvPr id="5" name="Footer Placeholder 4"/>
           <p:cNvSpPr>
             <a:spLocks noGrp="1"/>
           </p:cNvSpPr>
@@ -271,7 +334,89 @@
       </p:sp>
       <p:sp>
         <p:nvSpPr>
-          <p:cNvPr id="6" name="Marcador de número de diapositiva 5"/>
+          <p:cNvPr id="7" name="Freeform 6"/>
+          <p:cNvSpPr/>
+          <p:nvPr/>
+        </p:nvSpPr>
+        <p:spPr bwMode="auto">
+          <a:xfrm>
+            <a:off x="0" y="4323810"/>
+            <a:ext cx="1744652" cy="778589"/>
+          </a:xfrm>
+          <a:custGeom>
+            <a:avLst/>
+            <a:gdLst/>
+            <a:ahLst/>
+            <a:cxnLst/>
+            <a:rect l="0" t="0" r="r" b="b"/>
+            <a:pathLst>
+              <a:path w="372" h="166">
+                <a:moveTo>
+                  <a:pt x="287" y="166"/>
+                </a:moveTo>
+                <a:cubicBezTo>
+                  <a:pt x="290" y="166"/>
+                  <a:pt x="292" y="165"/>
+                  <a:pt x="293" y="164"/>
+                </a:cubicBezTo>
+                <a:cubicBezTo>
+                  <a:pt x="293" y="163"/>
+                  <a:pt x="294" y="163"/>
+                  <a:pt x="294" y="163"/>
+                </a:cubicBezTo>
+                <a:cubicBezTo>
+                  <a:pt x="370" y="87"/>
+                  <a:pt x="370" y="87"/>
+                  <a:pt x="370" y="87"/>
+                </a:cubicBezTo>
+                <a:cubicBezTo>
+                  <a:pt x="372" y="85"/>
+                  <a:pt x="372" y="81"/>
+                  <a:pt x="370" y="78"/>
+                </a:cubicBezTo>
+                <a:cubicBezTo>
+                  <a:pt x="294" y="3"/>
+                  <a:pt x="294" y="3"/>
+                  <a:pt x="294" y="3"/>
+                </a:cubicBezTo>
+                <a:cubicBezTo>
+                  <a:pt x="294" y="2"/>
+                  <a:pt x="293" y="2"/>
+                  <a:pt x="293" y="2"/>
+                </a:cubicBezTo>
+                <a:cubicBezTo>
+                  <a:pt x="292" y="1"/>
+                  <a:pt x="290" y="0"/>
+                  <a:pt x="287" y="0"/>
+                </a:cubicBezTo>
+                <a:cubicBezTo>
+                  <a:pt x="0" y="0"/>
+                  <a:pt x="0" y="0"/>
+                  <a:pt x="0" y="0"/>
+                </a:cubicBezTo>
+                <a:cubicBezTo>
+                  <a:pt x="0" y="166"/>
+                  <a:pt x="0" y="166"/>
+                  <a:pt x="0" y="166"/>
+                </a:cubicBezTo>
+                <a:lnTo>
+                  <a:pt x="287" y="166"/>
+                </a:lnTo>
+                <a:close/>
+              </a:path>
+            </a:pathLst>
+          </a:custGeom>
+          <a:solidFill>
+            <a:schemeClr val="accent1"/>
+          </a:solidFill>
+          <a:ln>
+            <a:noFill/>
+          </a:ln>
+        </p:spPr>
+      </p:sp>
+      <p:sp>
+        <p:nvSpPr>
+          <p:cNvPr id="6" name="Slide Number Placeholder 5"/>
           <p:cNvSpPr>
             <a:spLocks noGrp="1"/>
           </p:cNvSpPr>
@@ -279,7 +424,12 @@
             <p:ph type="sldNum" sz="quarter" idx="12"/>
           </p:nvPr>
         </p:nvSpPr>
-        <p:spPr/>
+        <p:spPr>
+          <a:xfrm>
+            <a:off x="531812" y="4529540"/>
+            <a:ext cx="779767" cy="365125"/>
+          </a:xfrm>
+        </p:spPr>
         <p:txBody>
           <a:bodyPr/>
           <a:lstStyle/>
@@ -295,7 +445,7 @@
     </p:spTree>
     <p:extLst>
       <p:ext uri="{BB962C8B-B14F-4D97-AF65-F5344CB8AC3E}">
-        <p14:creationId xmlns:p14="http://schemas.microsoft.com/office/powerpoint/2010/main" val="97380362"/>
+        <p14:creationId xmlns:p14="http://schemas.microsoft.com/office/powerpoint/2010/main" val="2458129270"/>
       </p:ext>
     </p:extLst>
   </p:cSld>
@@ -306,6 +456,1797 @@
 </file>
 
 <file path=ppt/slideLayouts/slideLayout10.xml><?xml version="1.0" encoding="utf-8"?>
+<p:sldLayout xmlns:a="http://schemas.openxmlformats.org/drawingml/2006/main" xmlns:r="http://schemas.openxmlformats.org/officeDocument/2006/relationships" xmlns:p="http://schemas.openxmlformats.org/presentationml/2006/main" preserve="1">
+  <p:cSld name="Título y descripción">
+    <p:spTree>
+      <p:nvGrpSpPr>
+        <p:cNvPr id="1" name=""/>
+        <p:cNvGrpSpPr/>
+        <p:nvPr/>
+      </p:nvGrpSpPr>
+      <p:grpSpPr>
+        <a:xfrm>
+          <a:off x="0" y="0"/>
+          <a:ext cx="0" cy="0"/>
+          <a:chOff x="0" y="0"/>
+          <a:chExt cx="0" cy="0"/>
+        </a:xfrm>
+      </p:grpSpPr>
+      <p:sp>
+        <p:nvSpPr>
+          <p:cNvPr id="2" name="Title 1"/>
+          <p:cNvSpPr>
+            <a:spLocks noGrp="1"/>
+          </p:cNvSpPr>
+          <p:nvPr>
+            <p:ph type="title"/>
+          </p:nvPr>
+        </p:nvSpPr>
+        <p:spPr>
+          <a:xfrm>
+            <a:off x="2589212" y="609600"/>
+            <a:ext cx="8915399" cy="3117040"/>
+          </a:xfrm>
+        </p:spPr>
+        <p:txBody>
+          <a:bodyPr anchor="ctr">
+            <a:normAutofit/>
+          </a:bodyPr>
+          <a:lstStyle>
+            <a:lvl1pPr algn="l">
+              <a:defRPr sz="4800" b="0" cap="none"/>
+            </a:lvl1pPr>
+          </a:lstStyle>
+          <a:p>
+            <a:r>
+              <a:rPr lang="es-ES" smtClean="0"/>
+              <a:t>Haga clic para modificar el estilo de título del patrón</a:t>
+            </a:r>
+            <a:endParaRPr lang="en-US" dirty="0"/>
+          </a:p>
+        </p:txBody>
+      </p:sp>
+      <p:sp>
+        <p:nvSpPr>
+          <p:cNvPr id="3" name="Text Placeholder 2"/>
+          <p:cNvSpPr>
+            <a:spLocks noGrp="1"/>
+          </p:cNvSpPr>
+          <p:nvPr>
+            <p:ph type="body" idx="1"/>
+          </p:nvPr>
+        </p:nvSpPr>
+        <p:spPr>
+          <a:xfrm>
+            <a:off x="2589212" y="4354046"/>
+            <a:ext cx="8915399" cy="1555864"/>
+          </a:xfrm>
+        </p:spPr>
+        <p:txBody>
+          <a:bodyPr anchor="ctr">
+            <a:normAutofit/>
+          </a:bodyPr>
+          <a:lstStyle>
+            <a:lvl1pPr marL="0" indent="0" algn="l">
+              <a:buNone/>
+              <a:defRPr sz="1800">
+                <a:solidFill>
+                  <a:schemeClr val="tx1">
+                    <a:lumMod val="65000"/>
+                    <a:lumOff val="35000"/>
+                  </a:schemeClr>
+                </a:solidFill>
+              </a:defRPr>
+            </a:lvl1pPr>
+            <a:lvl2pPr marL="457200" indent="0">
+              <a:buNone/>
+              <a:defRPr sz="1800">
+                <a:solidFill>
+                  <a:schemeClr val="tx1">
+                    <a:tint val="75000"/>
+                  </a:schemeClr>
+                </a:solidFill>
+              </a:defRPr>
+            </a:lvl2pPr>
+            <a:lvl3pPr marL="914400" indent="0">
+              <a:buNone/>
+              <a:defRPr sz="1600">
+                <a:solidFill>
+                  <a:schemeClr val="tx1">
+                    <a:tint val="75000"/>
+                  </a:schemeClr>
+                </a:solidFill>
+              </a:defRPr>
+            </a:lvl3pPr>
+            <a:lvl4pPr marL="1371600" indent="0">
+              <a:buNone/>
+              <a:defRPr sz="1400">
+                <a:solidFill>
+                  <a:schemeClr val="tx1">
+                    <a:tint val="75000"/>
+                  </a:schemeClr>
+                </a:solidFill>
+              </a:defRPr>
+            </a:lvl4pPr>
+            <a:lvl5pPr marL="1828800" indent="0">
+              <a:buNone/>
+              <a:defRPr sz="1400">
+                <a:solidFill>
+                  <a:schemeClr val="tx1">
+                    <a:tint val="75000"/>
+                  </a:schemeClr>
+                </a:solidFill>
+              </a:defRPr>
+            </a:lvl5pPr>
+            <a:lvl6pPr marL="2286000" indent="0">
+              <a:buNone/>
+              <a:defRPr sz="1400">
+                <a:solidFill>
+                  <a:schemeClr val="tx1">
+                    <a:tint val="75000"/>
+                  </a:schemeClr>
+                </a:solidFill>
+              </a:defRPr>
+            </a:lvl6pPr>
+            <a:lvl7pPr marL="2743200" indent="0">
+              <a:buNone/>
+              <a:defRPr sz="1400">
+                <a:solidFill>
+                  <a:schemeClr val="tx1">
+                    <a:tint val="75000"/>
+                  </a:schemeClr>
+                </a:solidFill>
+              </a:defRPr>
+            </a:lvl7pPr>
+            <a:lvl8pPr marL="3200400" indent="0">
+              <a:buNone/>
+              <a:defRPr sz="1400">
+                <a:solidFill>
+                  <a:schemeClr val="tx1">
+                    <a:tint val="75000"/>
+                  </a:schemeClr>
+                </a:solidFill>
+              </a:defRPr>
+            </a:lvl8pPr>
+            <a:lvl9pPr marL="3657600" indent="0">
+              <a:buNone/>
+              <a:defRPr sz="1400">
+                <a:solidFill>
+                  <a:schemeClr val="tx1">
+                    <a:tint val="75000"/>
+                  </a:schemeClr>
+                </a:solidFill>
+              </a:defRPr>
+            </a:lvl9pPr>
+          </a:lstStyle>
+          <a:p>
+            <a:pPr lvl="0"/>
+            <a:r>
+              <a:rPr lang="es-ES" smtClean="0"/>
+              <a:t>Editar el estilo de texto del patrón</a:t>
+            </a:r>
+          </a:p>
+        </p:txBody>
+      </p:sp>
+      <p:sp>
+        <p:nvSpPr>
+          <p:cNvPr id="4" name="Date Placeholder 3"/>
+          <p:cNvSpPr>
+            <a:spLocks noGrp="1"/>
+          </p:cNvSpPr>
+          <p:nvPr>
+            <p:ph type="dt" sz="half" idx="10"/>
+          </p:nvPr>
+        </p:nvSpPr>
+        <p:spPr/>
+        <p:txBody>
+          <a:bodyPr/>
+          <a:lstStyle/>
+          <a:p>
+            <a:fld id="{CA4F40FF-563B-4111-A958-728949FF0409}" type="datetimeFigureOut">
+              <a:rPr lang="en-US" smtClean="0"/>
+              <a:t>10/21/2020</a:t>
+            </a:fld>
+            <a:endParaRPr lang="en-US"/>
+          </a:p>
+        </p:txBody>
+      </p:sp>
+      <p:sp>
+        <p:nvSpPr>
+          <p:cNvPr id="5" name="Footer Placeholder 4"/>
+          <p:cNvSpPr>
+            <a:spLocks noGrp="1"/>
+          </p:cNvSpPr>
+          <p:nvPr>
+            <p:ph type="ftr" sz="quarter" idx="11"/>
+          </p:nvPr>
+        </p:nvSpPr>
+        <p:spPr/>
+        <p:txBody>
+          <a:bodyPr/>
+          <a:lstStyle/>
+          <a:p>
+            <a:endParaRPr lang="en-US"/>
+          </a:p>
+        </p:txBody>
+      </p:sp>
+      <p:sp>
+        <p:nvSpPr>
+          <p:cNvPr id="9" name="Freeform 11"/>
+          <p:cNvSpPr/>
+          <p:nvPr/>
+        </p:nvSpPr>
+        <p:spPr bwMode="auto">
+          <a:xfrm flipV="1">
+            <a:off x="-4189" y="3178175"/>
+            <a:ext cx="1588527" cy="507297"/>
+          </a:xfrm>
+          <a:custGeom>
+            <a:avLst/>
+            <a:gdLst/>
+            <a:ahLst/>
+            <a:cxnLst/>
+            <a:rect l="l" t="t" r="r" b="b"/>
+            <a:pathLst>
+              <a:path w="9248" h="10000">
+                <a:moveTo>
+                  <a:pt x="9248" y="4701"/>
+                </a:moveTo>
+                <a:lnTo>
+                  <a:pt x="7915" y="188"/>
+                </a:lnTo>
+                <a:cubicBezTo>
+                  <a:pt x="7906" y="156"/>
+                  <a:pt x="7895" y="126"/>
+                  <a:pt x="7886" y="94"/>
+                </a:cubicBezTo>
+                <a:cubicBezTo>
+                  <a:pt x="7859" y="0"/>
+                  <a:pt x="7831" y="0"/>
+                  <a:pt x="7803" y="0"/>
+                </a:cubicBezTo>
+                <a:lnTo>
+                  <a:pt x="7275" y="0"/>
+                </a:lnTo>
+                <a:lnTo>
+                  <a:pt x="0" y="70"/>
+                </a:lnTo>
+                <a:cubicBezTo>
+                  <a:pt x="8" y="3380"/>
+                  <a:pt x="17" y="6690"/>
+                  <a:pt x="25" y="10000"/>
+                </a:cubicBezTo>
+                <a:lnTo>
+                  <a:pt x="7275" y="9966"/>
+                </a:lnTo>
+                <a:lnTo>
+                  <a:pt x="7803" y="9966"/>
+                </a:lnTo>
+                <a:cubicBezTo>
+                  <a:pt x="7831" y="9966"/>
+                  <a:pt x="7859" y="9872"/>
+                  <a:pt x="7886" y="9872"/>
+                </a:cubicBezTo>
+                <a:cubicBezTo>
+                  <a:pt x="7886" y="9778"/>
+                  <a:pt x="7915" y="9778"/>
+                  <a:pt x="7915" y="9778"/>
+                </a:cubicBezTo>
+                <a:lnTo>
+                  <a:pt x="9248" y="5265"/>
+                </a:lnTo>
+                <a:cubicBezTo>
+                  <a:pt x="9303" y="5077"/>
+                  <a:pt x="9303" y="4889"/>
+                  <a:pt x="9248" y="4701"/>
+                </a:cubicBezTo>
+                <a:close/>
+              </a:path>
+            </a:pathLst>
+          </a:custGeom>
+          <a:solidFill>
+            <a:schemeClr val="accent1"/>
+          </a:solidFill>
+          <a:ln>
+            <a:noFill/>
+          </a:ln>
+        </p:spPr>
+      </p:sp>
+      <p:sp>
+        <p:nvSpPr>
+          <p:cNvPr id="6" name="Slide Number Placeholder 5"/>
+          <p:cNvSpPr>
+            <a:spLocks noGrp="1"/>
+          </p:cNvSpPr>
+          <p:nvPr>
+            <p:ph type="sldNum" sz="quarter" idx="12"/>
+          </p:nvPr>
+        </p:nvSpPr>
+        <p:spPr>
+          <a:xfrm>
+            <a:off x="531812" y="3244139"/>
+            <a:ext cx="779767" cy="365125"/>
+          </a:xfrm>
+        </p:spPr>
+        <p:txBody>
+          <a:bodyPr/>
+          <a:lstStyle/>
+          <a:p>
+            <a:fld id="{565043A8-36CD-4DAB-8CE5-C6B4AE53E314}" type="slidenum">
+              <a:rPr lang="en-US" smtClean="0"/>
+              <a:t>‹Nº›</a:t>
+            </a:fld>
+            <a:endParaRPr lang="en-US"/>
+          </a:p>
+        </p:txBody>
+      </p:sp>
+    </p:spTree>
+    <p:extLst>
+      <p:ext uri="{BB962C8B-B14F-4D97-AF65-F5344CB8AC3E}">
+        <p14:creationId xmlns:p14="http://schemas.microsoft.com/office/powerpoint/2010/main" val="743368798"/>
+      </p:ext>
+    </p:extLst>
+  </p:cSld>
+  <p:clrMapOvr>
+    <a:masterClrMapping/>
+  </p:clrMapOvr>
+</p:sldLayout>
+</file>
+
+<file path=ppt/slideLayouts/slideLayout11.xml><?xml version="1.0" encoding="utf-8"?>
+<p:sldLayout xmlns:a="http://schemas.openxmlformats.org/drawingml/2006/main" xmlns:r="http://schemas.openxmlformats.org/officeDocument/2006/relationships" xmlns:p="http://schemas.openxmlformats.org/presentationml/2006/main" preserve="1">
+  <p:cSld name="Cita con descripción">
+    <p:spTree>
+      <p:nvGrpSpPr>
+        <p:cNvPr id="1" name=""/>
+        <p:cNvGrpSpPr/>
+        <p:nvPr/>
+      </p:nvGrpSpPr>
+      <p:grpSpPr>
+        <a:xfrm>
+          <a:off x="0" y="0"/>
+          <a:ext cx="0" cy="0"/>
+          <a:chOff x="0" y="0"/>
+          <a:chExt cx="0" cy="0"/>
+        </a:xfrm>
+      </p:grpSpPr>
+      <p:sp>
+        <p:nvSpPr>
+          <p:cNvPr id="2" name="Title 1"/>
+          <p:cNvSpPr>
+            <a:spLocks noGrp="1"/>
+          </p:cNvSpPr>
+          <p:nvPr>
+            <p:ph type="title"/>
+          </p:nvPr>
+        </p:nvSpPr>
+        <p:spPr>
+          <a:xfrm>
+            <a:off x="2849949" y="609600"/>
+            <a:ext cx="8393926" cy="2895600"/>
+          </a:xfrm>
+        </p:spPr>
+        <p:txBody>
+          <a:bodyPr anchor="ctr">
+            <a:normAutofit/>
+          </a:bodyPr>
+          <a:lstStyle>
+            <a:lvl1pPr algn="l">
+              <a:defRPr sz="4800" b="0" cap="none"/>
+            </a:lvl1pPr>
+          </a:lstStyle>
+          <a:p>
+            <a:r>
+              <a:rPr lang="es-ES" smtClean="0"/>
+              <a:t>Haga clic para modificar el estilo de título del patrón</a:t>
+            </a:r>
+            <a:endParaRPr lang="en-US" dirty="0"/>
+          </a:p>
+        </p:txBody>
+      </p:sp>
+      <p:sp>
+        <p:nvSpPr>
+          <p:cNvPr id="13" name="Text Placeholder 9"/>
+          <p:cNvSpPr>
+            <a:spLocks noGrp="1"/>
+          </p:cNvSpPr>
+          <p:nvPr>
+            <p:ph type="body" sz="quarter" idx="13"/>
+          </p:nvPr>
+        </p:nvSpPr>
+        <p:spPr>
+          <a:xfrm>
+            <a:off x="3275012" y="3505200"/>
+            <a:ext cx="7536554" cy="381000"/>
+          </a:xfrm>
+        </p:spPr>
+        <p:txBody>
+          <a:bodyPr anchor="ctr">
+            <a:noAutofit/>
+          </a:bodyPr>
+          <a:lstStyle>
+            <a:lvl1pPr marL="0" indent="0">
+              <a:buFontTx/>
+              <a:buNone/>
+              <a:defRPr sz="1600">
+                <a:solidFill>
+                  <a:schemeClr val="tx1">
+                    <a:lumMod val="50000"/>
+                    <a:lumOff val="50000"/>
+                  </a:schemeClr>
+                </a:solidFill>
+              </a:defRPr>
+            </a:lvl1pPr>
+            <a:lvl2pPr marL="457200" indent="0">
+              <a:buFontTx/>
+              <a:buNone/>
+              <a:defRPr/>
+            </a:lvl2pPr>
+            <a:lvl3pPr marL="914400" indent="0">
+              <a:buFontTx/>
+              <a:buNone/>
+              <a:defRPr/>
+            </a:lvl3pPr>
+            <a:lvl4pPr marL="1371600" indent="0">
+              <a:buFontTx/>
+              <a:buNone/>
+              <a:defRPr/>
+            </a:lvl4pPr>
+            <a:lvl5pPr marL="1828800" indent="0">
+              <a:buFontTx/>
+              <a:buNone/>
+              <a:defRPr/>
+            </a:lvl5pPr>
+          </a:lstStyle>
+          <a:p>
+            <a:pPr lvl="0"/>
+            <a:r>
+              <a:rPr lang="es-ES" smtClean="0"/>
+              <a:t>Editar el estilo de texto del patrón</a:t>
+            </a:r>
+          </a:p>
+        </p:txBody>
+      </p:sp>
+      <p:sp>
+        <p:nvSpPr>
+          <p:cNvPr id="3" name="Text Placeholder 2"/>
+          <p:cNvSpPr>
+            <a:spLocks noGrp="1"/>
+          </p:cNvSpPr>
+          <p:nvPr>
+            <p:ph type="body" idx="1"/>
+          </p:nvPr>
+        </p:nvSpPr>
+        <p:spPr>
+          <a:xfrm>
+            <a:off x="2589212" y="4354046"/>
+            <a:ext cx="8915399" cy="1555864"/>
+          </a:xfrm>
+        </p:spPr>
+        <p:txBody>
+          <a:bodyPr anchor="ctr">
+            <a:normAutofit/>
+          </a:bodyPr>
+          <a:lstStyle>
+            <a:lvl1pPr marL="0" indent="0" algn="l">
+              <a:buNone/>
+              <a:defRPr sz="1800">
+                <a:solidFill>
+                  <a:schemeClr val="tx1">
+                    <a:lumMod val="65000"/>
+                    <a:lumOff val="35000"/>
+                  </a:schemeClr>
+                </a:solidFill>
+              </a:defRPr>
+            </a:lvl1pPr>
+            <a:lvl2pPr marL="457200" indent="0">
+              <a:buNone/>
+              <a:defRPr sz="1800">
+                <a:solidFill>
+                  <a:schemeClr val="tx1">
+                    <a:tint val="75000"/>
+                  </a:schemeClr>
+                </a:solidFill>
+              </a:defRPr>
+            </a:lvl2pPr>
+            <a:lvl3pPr marL="914400" indent="0">
+              <a:buNone/>
+              <a:defRPr sz="1600">
+                <a:solidFill>
+                  <a:schemeClr val="tx1">
+                    <a:tint val="75000"/>
+                  </a:schemeClr>
+                </a:solidFill>
+              </a:defRPr>
+            </a:lvl3pPr>
+            <a:lvl4pPr marL="1371600" indent="0">
+              <a:buNone/>
+              <a:defRPr sz="1400">
+                <a:solidFill>
+                  <a:schemeClr val="tx1">
+                    <a:tint val="75000"/>
+                  </a:schemeClr>
+                </a:solidFill>
+              </a:defRPr>
+            </a:lvl4pPr>
+            <a:lvl5pPr marL="1828800" indent="0">
+              <a:buNone/>
+              <a:defRPr sz="1400">
+                <a:solidFill>
+                  <a:schemeClr val="tx1">
+                    <a:tint val="75000"/>
+                  </a:schemeClr>
+                </a:solidFill>
+              </a:defRPr>
+            </a:lvl5pPr>
+            <a:lvl6pPr marL="2286000" indent="0">
+              <a:buNone/>
+              <a:defRPr sz="1400">
+                <a:solidFill>
+                  <a:schemeClr val="tx1">
+                    <a:tint val="75000"/>
+                  </a:schemeClr>
+                </a:solidFill>
+              </a:defRPr>
+            </a:lvl6pPr>
+            <a:lvl7pPr marL="2743200" indent="0">
+              <a:buNone/>
+              <a:defRPr sz="1400">
+                <a:solidFill>
+                  <a:schemeClr val="tx1">
+                    <a:tint val="75000"/>
+                  </a:schemeClr>
+                </a:solidFill>
+              </a:defRPr>
+            </a:lvl7pPr>
+            <a:lvl8pPr marL="3200400" indent="0">
+              <a:buNone/>
+              <a:defRPr sz="1400">
+                <a:solidFill>
+                  <a:schemeClr val="tx1">
+                    <a:tint val="75000"/>
+                  </a:schemeClr>
+                </a:solidFill>
+              </a:defRPr>
+            </a:lvl8pPr>
+            <a:lvl9pPr marL="3657600" indent="0">
+              <a:buNone/>
+              <a:defRPr sz="1400">
+                <a:solidFill>
+                  <a:schemeClr val="tx1">
+                    <a:tint val="75000"/>
+                  </a:schemeClr>
+                </a:solidFill>
+              </a:defRPr>
+            </a:lvl9pPr>
+          </a:lstStyle>
+          <a:p>
+            <a:pPr lvl="0"/>
+            <a:r>
+              <a:rPr lang="es-ES" smtClean="0"/>
+              <a:t>Editar el estilo de texto del patrón</a:t>
+            </a:r>
+          </a:p>
+        </p:txBody>
+      </p:sp>
+      <p:sp>
+        <p:nvSpPr>
+          <p:cNvPr id="4" name="Date Placeholder 3"/>
+          <p:cNvSpPr>
+            <a:spLocks noGrp="1"/>
+          </p:cNvSpPr>
+          <p:nvPr>
+            <p:ph type="dt" sz="half" idx="10"/>
+          </p:nvPr>
+        </p:nvSpPr>
+        <p:spPr/>
+        <p:txBody>
+          <a:bodyPr/>
+          <a:lstStyle/>
+          <a:p>
+            <a:fld id="{CA4F40FF-563B-4111-A958-728949FF0409}" type="datetimeFigureOut">
+              <a:rPr lang="en-US" smtClean="0"/>
+              <a:t>10/21/2020</a:t>
+            </a:fld>
+            <a:endParaRPr lang="en-US"/>
+          </a:p>
+        </p:txBody>
+      </p:sp>
+      <p:sp>
+        <p:nvSpPr>
+          <p:cNvPr id="5" name="Footer Placeholder 4"/>
+          <p:cNvSpPr>
+            <a:spLocks noGrp="1"/>
+          </p:cNvSpPr>
+          <p:nvPr>
+            <p:ph type="ftr" sz="quarter" idx="11"/>
+          </p:nvPr>
+        </p:nvSpPr>
+        <p:spPr/>
+        <p:txBody>
+          <a:bodyPr/>
+          <a:lstStyle/>
+          <a:p>
+            <a:endParaRPr lang="en-US"/>
+          </a:p>
+        </p:txBody>
+      </p:sp>
+      <p:sp>
+        <p:nvSpPr>
+          <p:cNvPr id="11" name="Freeform 11"/>
+          <p:cNvSpPr/>
+          <p:nvPr/>
+        </p:nvSpPr>
+        <p:spPr bwMode="auto">
+          <a:xfrm flipV="1">
+            <a:off x="-4189" y="3178175"/>
+            <a:ext cx="1588527" cy="507297"/>
+          </a:xfrm>
+          <a:custGeom>
+            <a:avLst/>
+            <a:gdLst/>
+            <a:ahLst/>
+            <a:cxnLst/>
+            <a:rect l="l" t="t" r="r" b="b"/>
+            <a:pathLst>
+              <a:path w="9248" h="10000">
+                <a:moveTo>
+                  <a:pt x="9248" y="4701"/>
+                </a:moveTo>
+                <a:lnTo>
+                  <a:pt x="7915" y="188"/>
+                </a:lnTo>
+                <a:cubicBezTo>
+                  <a:pt x="7906" y="156"/>
+                  <a:pt x="7895" y="126"/>
+                  <a:pt x="7886" y="94"/>
+                </a:cubicBezTo>
+                <a:cubicBezTo>
+                  <a:pt x="7859" y="0"/>
+                  <a:pt x="7831" y="0"/>
+                  <a:pt x="7803" y="0"/>
+                </a:cubicBezTo>
+                <a:lnTo>
+                  <a:pt x="7275" y="0"/>
+                </a:lnTo>
+                <a:lnTo>
+                  <a:pt x="0" y="70"/>
+                </a:lnTo>
+                <a:cubicBezTo>
+                  <a:pt x="8" y="3380"/>
+                  <a:pt x="17" y="6690"/>
+                  <a:pt x="25" y="10000"/>
+                </a:cubicBezTo>
+                <a:lnTo>
+                  <a:pt x="7275" y="9966"/>
+                </a:lnTo>
+                <a:lnTo>
+                  <a:pt x="7803" y="9966"/>
+                </a:lnTo>
+                <a:cubicBezTo>
+                  <a:pt x="7831" y="9966"/>
+                  <a:pt x="7859" y="9872"/>
+                  <a:pt x="7886" y="9872"/>
+                </a:cubicBezTo>
+                <a:cubicBezTo>
+                  <a:pt x="7886" y="9778"/>
+                  <a:pt x="7915" y="9778"/>
+                  <a:pt x="7915" y="9778"/>
+                </a:cubicBezTo>
+                <a:lnTo>
+                  <a:pt x="9248" y="5265"/>
+                </a:lnTo>
+                <a:cubicBezTo>
+                  <a:pt x="9303" y="5077"/>
+                  <a:pt x="9303" y="4889"/>
+                  <a:pt x="9248" y="4701"/>
+                </a:cubicBezTo>
+                <a:close/>
+              </a:path>
+            </a:pathLst>
+          </a:custGeom>
+          <a:solidFill>
+            <a:schemeClr val="accent1"/>
+          </a:solidFill>
+          <a:ln>
+            <a:noFill/>
+          </a:ln>
+        </p:spPr>
+      </p:sp>
+      <p:sp>
+        <p:nvSpPr>
+          <p:cNvPr id="6" name="Slide Number Placeholder 5"/>
+          <p:cNvSpPr>
+            <a:spLocks noGrp="1"/>
+          </p:cNvSpPr>
+          <p:nvPr>
+            <p:ph type="sldNum" sz="quarter" idx="12"/>
+          </p:nvPr>
+        </p:nvSpPr>
+        <p:spPr>
+          <a:xfrm>
+            <a:off x="531812" y="3244139"/>
+            <a:ext cx="779767" cy="365125"/>
+          </a:xfrm>
+        </p:spPr>
+        <p:txBody>
+          <a:bodyPr/>
+          <a:lstStyle/>
+          <a:p>
+            <a:fld id="{565043A8-36CD-4DAB-8CE5-C6B4AE53E314}" type="slidenum">
+              <a:rPr lang="en-US" smtClean="0"/>
+              <a:t>‹Nº›</a:t>
+            </a:fld>
+            <a:endParaRPr lang="en-US"/>
+          </a:p>
+        </p:txBody>
+      </p:sp>
+      <p:sp>
+        <p:nvSpPr>
+          <p:cNvPr id="14" name="TextBox 13"/>
+          <p:cNvSpPr txBox="1"/>
+          <p:nvPr/>
+        </p:nvSpPr>
+        <p:spPr>
+          <a:xfrm>
+            <a:off x="2467652" y="648005"/>
+            <a:ext cx="609600" cy="584776"/>
+          </a:xfrm>
+          <a:prstGeom prst="rect">
+            <a:avLst/>
+          </a:prstGeom>
+        </p:spPr>
+        <p:txBody>
+          <a:bodyPr vert="horz" lIns="91440" tIns="45720" rIns="91440" bIns="45720" rtlCol="0" anchor="ctr">
+            <a:noAutofit/>
+          </a:bodyPr>
+          <a:lstStyle/>
+          <a:p>
+            <a:pPr lvl="0"/>
+            <a:r>
+              <a:rPr lang="en-US" sz="8000" baseline="0" dirty="0">
+                <a:ln w="3175" cmpd="sng">
+                  <a:noFill/>
+                </a:ln>
+                <a:solidFill>
+                  <a:schemeClr val="accent1"/>
+                </a:solidFill>
+                <a:effectLst/>
+                <a:latin typeface="Arial"/>
+              </a:rPr>
+              <a:t>“</a:t>
+            </a:r>
+          </a:p>
+        </p:txBody>
+      </p:sp>
+      <p:sp>
+        <p:nvSpPr>
+          <p:cNvPr id="15" name="TextBox 14"/>
+          <p:cNvSpPr txBox="1"/>
+          <p:nvPr/>
+        </p:nvSpPr>
+        <p:spPr>
+          <a:xfrm>
+            <a:off x="11114852" y="2905306"/>
+            <a:ext cx="609600" cy="584776"/>
+          </a:xfrm>
+          <a:prstGeom prst="rect">
+            <a:avLst/>
+          </a:prstGeom>
+        </p:spPr>
+        <p:txBody>
+          <a:bodyPr vert="horz" lIns="91440" tIns="45720" rIns="91440" bIns="45720" rtlCol="0" anchor="ctr">
+            <a:noAutofit/>
+          </a:bodyPr>
+          <a:lstStyle/>
+          <a:p>
+            <a:pPr lvl="0"/>
+            <a:r>
+              <a:rPr lang="en-US" sz="8000" baseline="0" dirty="0">
+                <a:ln w="3175" cmpd="sng">
+                  <a:noFill/>
+                </a:ln>
+                <a:solidFill>
+                  <a:schemeClr val="accent1"/>
+                </a:solidFill>
+                <a:effectLst/>
+                <a:latin typeface="Arial"/>
+              </a:rPr>
+              <a:t>”</a:t>
+            </a:r>
+          </a:p>
+        </p:txBody>
+      </p:sp>
+    </p:spTree>
+    <p:extLst>
+      <p:ext uri="{BB962C8B-B14F-4D97-AF65-F5344CB8AC3E}">
+        <p14:creationId xmlns:p14="http://schemas.microsoft.com/office/powerpoint/2010/main" val="4278038342"/>
+      </p:ext>
+    </p:extLst>
+  </p:cSld>
+  <p:clrMapOvr>
+    <a:masterClrMapping/>
+  </p:clrMapOvr>
+</p:sldLayout>
+</file>
+
+<file path=ppt/slideLayouts/slideLayout12.xml><?xml version="1.0" encoding="utf-8"?>
+<p:sldLayout xmlns:a="http://schemas.openxmlformats.org/drawingml/2006/main" xmlns:r="http://schemas.openxmlformats.org/officeDocument/2006/relationships" xmlns:p="http://schemas.openxmlformats.org/presentationml/2006/main" preserve="1">
+  <p:cSld name="Tarjeta de nombre">
+    <p:spTree>
+      <p:nvGrpSpPr>
+        <p:cNvPr id="1" name=""/>
+        <p:cNvGrpSpPr/>
+        <p:nvPr/>
+      </p:nvGrpSpPr>
+      <p:grpSpPr>
+        <a:xfrm>
+          <a:off x="0" y="0"/>
+          <a:ext cx="0" cy="0"/>
+          <a:chOff x="0" y="0"/>
+          <a:chExt cx="0" cy="0"/>
+        </a:xfrm>
+      </p:grpSpPr>
+      <p:sp>
+        <p:nvSpPr>
+          <p:cNvPr id="2" name="Title 1"/>
+          <p:cNvSpPr>
+            <a:spLocks noGrp="1"/>
+          </p:cNvSpPr>
+          <p:nvPr>
+            <p:ph type="title"/>
+          </p:nvPr>
+        </p:nvSpPr>
+        <p:spPr>
+          <a:xfrm>
+            <a:off x="2589213" y="2438400"/>
+            <a:ext cx="8915400" cy="2724845"/>
+          </a:xfrm>
+        </p:spPr>
+        <p:txBody>
+          <a:bodyPr anchor="b">
+            <a:normAutofit/>
+          </a:bodyPr>
+          <a:lstStyle>
+            <a:lvl1pPr algn="l">
+              <a:defRPr sz="4800" b="0"/>
+            </a:lvl1pPr>
+          </a:lstStyle>
+          <a:p>
+            <a:r>
+              <a:rPr lang="es-ES" smtClean="0"/>
+              <a:t>Haga clic para modificar el estilo de título del patrón</a:t>
+            </a:r>
+            <a:endParaRPr lang="en-US" dirty="0"/>
+          </a:p>
+        </p:txBody>
+      </p:sp>
+      <p:sp>
+        <p:nvSpPr>
+          <p:cNvPr id="4" name="Text Placeholder 3"/>
+          <p:cNvSpPr>
+            <a:spLocks noGrp="1"/>
+          </p:cNvSpPr>
+          <p:nvPr>
+            <p:ph type="body" sz="half" idx="2"/>
+          </p:nvPr>
+        </p:nvSpPr>
+        <p:spPr>
+          <a:xfrm>
+            <a:off x="2589213" y="5181600"/>
+            <a:ext cx="8915400" cy="729622"/>
+          </a:xfrm>
+        </p:spPr>
+        <p:txBody>
+          <a:bodyPr vert="horz" lIns="91440" tIns="45720" rIns="91440" bIns="45720" rtlCol="0" anchor="t">
+            <a:normAutofit/>
+          </a:bodyPr>
+          <a:lstStyle>
+            <a:lvl1pPr>
+              <a:buNone/>
+              <a:defRPr lang="en-US">
+                <a:solidFill>
+                  <a:schemeClr val="tx1">
+                    <a:lumMod val="65000"/>
+                    <a:lumOff val="35000"/>
+                  </a:schemeClr>
+                </a:solidFill>
+              </a:defRPr>
+            </a:lvl1pPr>
+          </a:lstStyle>
+          <a:p>
+            <a:pPr marL="0" lvl="0" indent="0">
+              <a:buNone/>
+            </a:pPr>
+            <a:r>
+              <a:rPr lang="es-ES" smtClean="0"/>
+              <a:t>Editar el estilo de texto del patrón</a:t>
+            </a:r>
+          </a:p>
+        </p:txBody>
+      </p:sp>
+      <p:sp>
+        <p:nvSpPr>
+          <p:cNvPr id="5" name="Date Placeholder 4"/>
+          <p:cNvSpPr>
+            <a:spLocks noGrp="1"/>
+          </p:cNvSpPr>
+          <p:nvPr>
+            <p:ph type="dt" sz="half" idx="10"/>
+          </p:nvPr>
+        </p:nvSpPr>
+        <p:spPr/>
+        <p:txBody>
+          <a:bodyPr/>
+          <a:lstStyle/>
+          <a:p>
+            <a:fld id="{CA4F40FF-563B-4111-A958-728949FF0409}" type="datetimeFigureOut">
+              <a:rPr lang="en-US" smtClean="0"/>
+              <a:t>10/21/2020</a:t>
+            </a:fld>
+            <a:endParaRPr lang="en-US"/>
+          </a:p>
+        </p:txBody>
+      </p:sp>
+      <p:sp>
+        <p:nvSpPr>
+          <p:cNvPr id="6" name="Footer Placeholder 5"/>
+          <p:cNvSpPr>
+            <a:spLocks noGrp="1"/>
+          </p:cNvSpPr>
+          <p:nvPr>
+            <p:ph type="ftr" sz="quarter" idx="11"/>
+          </p:nvPr>
+        </p:nvSpPr>
+        <p:spPr/>
+        <p:txBody>
+          <a:bodyPr/>
+          <a:lstStyle/>
+          <a:p>
+            <a:endParaRPr lang="en-US"/>
+          </a:p>
+        </p:txBody>
+      </p:sp>
+      <p:sp>
+        <p:nvSpPr>
+          <p:cNvPr id="9" name="Freeform 11"/>
+          <p:cNvSpPr/>
+          <p:nvPr/>
+        </p:nvSpPr>
+        <p:spPr bwMode="auto">
+          <a:xfrm flipV="1">
+            <a:off x="-4189" y="4911725"/>
+            <a:ext cx="1588527" cy="507297"/>
+          </a:xfrm>
+          <a:custGeom>
+            <a:avLst/>
+            <a:gdLst/>
+            <a:ahLst/>
+            <a:cxnLst/>
+            <a:rect l="l" t="t" r="r" b="b"/>
+            <a:pathLst>
+              <a:path w="9248" h="10000">
+                <a:moveTo>
+                  <a:pt x="9248" y="4701"/>
+                </a:moveTo>
+                <a:lnTo>
+                  <a:pt x="7915" y="188"/>
+                </a:lnTo>
+                <a:cubicBezTo>
+                  <a:pt x="7906" y="156"/>
+                  <a:pt x="7895" y="126"/>
+                  <a:pt x="7886" y="94"/>
+                </a:cubicBezTo>
+                <a:cubicBezTo>
+                  <a:pt x="7859" y="0"/>
+                  <a:pt x="7831" y="0"/>
+                  <a:pt x="7803" y="0"/>
+                </a:cubicBezTo>
+                <a:lnTo>
+                  <a:pt x="7275" y="0"/>
+                </a:lnTo>
+                <a:lnTo>
+                  <a:pt x="0" y="70"/>
+                </a:lnTo>
+                <a:cubicBezTo>
+                  <a:pt x="8" y="3380"/>
+                  <a:pt x="17" y="6690"/>
+                  <a:pt x="25" y="10000"/>
+                </a:cubicBezTo>
+                <a:lnTo>
+                  <a:pt x="7275" y="9966"/>
+                </a:lnTo>
+                <a:lnTo>
+                  <a:pt x="7803" y="9966"/>
+                </a:lnTo>
+                <a:cubicBezTo>
+                  <a:pt x="7831" y="9966"/>
+                  <a:pt x="7859" y="9872"/>
+                  <a:pt x="7886" y="9872"/>
+                </a:cubicBezTo>
+                <a:cubicBezTo>
+                  <a:pt x="7886" y="9778"/>
+                  <a:pt x="7915" y="9778"/>
+                  <a:pt x="7915" y="9778"/>
+                </a:cubicBezTo>
+                <a:lnTo>
+                  <a:pt x="9248" y="5265"/>
+                </a:lnTo>
+                <a:cubicBezTo>
+                  <a:pt x="9303" y="5077"/>
+                  <a:pt x="9303" y="4889"/>
+                  <a:pt x="9248" y="4701"/>
+                </a:cubicBezTo>
+                <a:close/>
+              </a:path>
+            </a:pathLst>
+          </a:custGeom>
+          <a:solidFill>
+            <a:schemeClr val="accent1"/>
+          </a:solidFill>
+          <a:ln>
+            <a:noFill/>
+          </a:ln>
+        </p:spPr>
+      </p:sp>
+      <p:sp>
+        <p:nvSpPr>
+          <p:cNvPr id="7" name="Slide Number Placeholder 6"/>
+          <p:cNvSpPr>
+            <a:spLocks noGrp="1"/>
+          </p:cNvSpPr>
+          <p:nvPr>
+            <p:ph type="sldNum" sz="quarter" idx="12"/>
+          </p:nvPr>
+        </p:nvSpPr>
+        <p:spPr>
+          <a:xfrm>
+            <a:off x="531812" y="4983087"/>
+            <a:ext cx="779767" cy="365125"/>
+          </a:xfrm>
+        </p:spPr>
+        <p:txBody>
+          <a:bodyPr/>
+          <a:lstStyle/>
+          <a:p>
+            <a:fld id="{565043A8-36CD-4DAB-8CE5-C6B4AE53E314}" type="slidenum">
+              <a:rPr lang="en-US" smtClean="0"/>
+              <a:t>‹Nº›</a:t>
+            </a:fld>
+            <a:endParaRPr lang="en-US"/>
+          </a:p>
+        </p:txBody>
+      </p:sp>
+    </p:spTree>
+    <p:extLst>
+      <p:ext uri="{BB962C8B-B14F-4D97-AF65-F5344CB8AC3E}">
+        <p14:creationId xmlns:p14="http://schemas.microsoft.com/office/powerpoint/2010/main" val="686733908"/>
+      </p:ext>
+    </p:extLst>
+  </p:cSld>
+  <p:clrMapOvr>
+    <a:masterClrMapping/>
+  </p:clrMapOvr>
+</p:sldLayout>
+</file>
+
+<file path=ppt/slideLayouts/slideLayout13.xml><?xml version="1.0" encoding="utf-8"?>
+<p:sldLayout xmlns:a="http://schemas.openxmlformats.org/drawingml/2006/main" xmlns:r="http://schemas.openxmlformats.org/officeDocument/2006/relationships" xmlns:p="http://schemas.openxmlformats.org/presentationml/2006/main" preserve="1">
+  <p:cSld name="Citar la tarjeta de nombre">
+    <p:spTree>
+      <p:nvGrpSpPr>
+        <p:cNvPr id="1" name=""/>
+        <p:cNvGrpSpPr/>
+        <p:nvPr/>
+      </p:nvGrpSpPr>
+      <p:grpSpPr>
+        <a:xfrm>
+          <a:off x="0" y="0"/>
+          <a:ext cx="0" cy="0"/>
+          <a:chOff x="0" y="0"/>
+          <a:chExt cx="0" cy="0"/>
+        </a:xfrm>
+      </p:grpSpPr>
+      <p:sp>
+        <p:nvSpPr>
+          <p:cNvPr id="12" name="Title 1"/>
+          <p:cNvSpPr>
+            <a:spLocks noGrp="1"/>
+          </p:cNvSpPr>
+          <p:nvPr>
+            <p:ph type="title"/>
+          </p:nvPr>
+        </p:nvSpPr>
+        <p:spPr>
+          <a:xfrm>
+            <a:off x="2849949" y="609600"/>
+            <a:ext cx="8393926" cy="2895600"/>
+          </a:xfrm>
+        </p:spPr>
+        <p:txBody>
+          <a:bodyPr anchor="ctr">
+            <a:normAutofit/>
+          </a:bodyPr>
+          <a:lstStyle>
+            <a:lvl1pPr algn="l">
+              <a:defRPr sz="4800" b="0" cap="none"/>
+            </a:lvl1pPr>
+          </a:lstStyle>
+          <a:p>
+            <a:r>
+              <a:rPr lang="es-ES" smtClean="0"/>
+              <a:t>Haga clic para modificar el estilo de título del patrón</a:t>
+            </a:r>
+            <a:endParaRPr lang="en-US" dirty="0"/>
+          </a:p>
+        </p:txBody>
+      </p:sp>
+      <p:sp>
+        <p:nvSpPr>
+          <p:cNvPr id="21" name="Text Placeholder 9"/>
+          <p:cNvSpPr>
+            <a:spLocks noGrp="1"/>
+          </p:cNvSpPr>
+          <p:nvPr>
+            <p:ph type="body" sz="quarter" idx="13"/>
+          </p:nvPr>
+        </p:nvSpPr>
+        <p:spPr>
+          <a:xfrm>
+            <a:off x="2589212" y="4343400"/>
+            <a:ext cx="8915400" cy="838200"/>
+          </a:xfrm>
+        </p:spPr>
+        <p:txBody>
+          <a:bodyPr anchor="b">
+            <a:noAutofit/>
+          </a:bodyPr>
+          <a:lstStyle>
+            <a:lvl1pPr marL="0" indent="0">
+              <a:buFontTx/>
+              <a:buNone/>
+              <a:defRPr sz="2400">
+                <a:solidFill>
+                  <a:schemeClr val="accent1"/>
+                </a:solidFill>
+              </a:defRPr>
+            </a:lvl1pPr>
+            <a:lvl2pPr marL="457200" indent="0">
+              <a:buFontTx/>
+              <a:buNone/>
+              <a:defRPr/>
+            </a:lvl2pPr>
+            <a:lvl3pPr marL="914400" indent="0">
+              <a:buFontTx/>
+              <a:buNone/>
+              <a:defRPr/>
+            </a:lvl3pPr>
+            <a:lvl4pPr marL="1371600" indent="0">
+              <a:buFontTx/>
+              <a:buNone/>
+              <a:defRPr/>
+            </a:lvl4pPr>
+            <a:lvl5pPr marL="1828800" indent="0">
+              <a:buFontTx/>
+              <a:buNone/>
+              <a:defRPr/>
+            </a:lvl5pPr>
+          </a:lstStyle>
+          <a:p>
+            <a:pPr lvl="0"/>
+            <a:r>
+              <a:rPr lang="es-ES" smtClean="0"/>
+              <a:t>Editar el estilo de texto del patrón</a:t>
+            </a:r>
+          </a:p>
+        </p:txBody>
+      </p:sp>
+      <p:sp>
+        <p:nvSpPr>
+          <p:cNvPr id="4" name="Text Placeholder 3"/>
+          <p:cNvSpPr>
+            <a:spLocks noGrp="1"/>
+          </p:cNvSpPr>
+          <p:nvPr>
+            <p:ph type="body" sz="half" idx="2"/>
+          </p:nvPr>
+        </p:nvSpPr>
+        <p:spPr>
+          <a:xfrm>
+            <a:off x="2589213" y="5181600"/>
+            <a:ext cx="8915400" cy="729622"/>
+          </a:xfrm>
+        </p:spPr>
+        <p:txBody>
+          <a:bodyPr vert="horz" lIns="91440" tIns="45720" rIns="91440" bIns="45720" rtlCol="0" anchor="t">
+            <a:normAutofit/>
+          </a:bodyPr>
+          <a:lstStyle>
+            <a:lvl1pPr>
+              <a:buNone/>
+              <a:defRPr lang="en-US">
+                <a:solidFill>
+                  <a:schemeClr val="tx1">
+                    <a:lumMod val="65000"/>
+                    <a:lumOff val="35000"/>
+                  </a:schemeClr>
+                </a:solidFill>
+              </a:defRPr>
+            </a:lvl1pPr>
+          </a:lstStyle>
+          <a:p>
+            <a:pPr marL="0" lvl="0" indent="0">
+              <a:buNone/>
+            </a:pPr>
+            <a:r>
+              <a:rPr lang="es-ES" smtClean="0"/>
+              <a:t>Editar el estilo de texto del patrón</a:t>
+            </a:r>
+          </a:p>
+        </p:txBody>
+      </p:sp>
+      <p:sp>
+        <p:nvSpPr>
+          <p:cNvPr id="5" name="Date Placeholder 4"/>
+          <p:cNvSpPr>
+            <a:spLocks noGrp="1"/>
+          </p:cNvSpPr>
+          <p:nvPr>
+            <p:ph type="dt" sz="half" idx="10"/>
+          </p:nvPr>
+        </p:nvSpPr>
+        <p:spPr/>
+        <p:txBody>
+          <a:bodyPr/>
+          <a:lstStyle/>
+          <a:p>
+            <a:fld id="{CA4F40FF-563B-4111-A958-728949FF0409}" type="datetimeFigureOut">
+              <a:rPr lang="en-US" smtClean="0"/>
+              <a:t>10/21/2020</a:t>
+            </a:fld>
+            <a:endParaRPr lang="en-US"/>
+          </a:p>
+        </p:txBody>
+      </p:sp>
+      <p:sp>
+        <p:nvSpPr>
+          <p:cNvPr id="6" name="Footer Placeholder 5"/>
+          <p:cNvSpPr>
+            <a:spLocks noGrp="1"/>
+          </p:cNvSpPr>
+          <p:nvPr>
+            <p:ph type="ftr" sz="quarter" idx="11"/>
+          </p:nvPr>
+        </p:nvSpPr>
+        <p:spPr/>
+        <p:txBody>
+          <a:bodyPr/>
+          <a:lstStyle/>
+          <a:p>
+            <a:endParaRPr lang="en-US"/>
+          </a:p>
+        </p:txBody>
+      </p:sp>
+      <p:sp>
+        <p:nvSpPr>
+          <p:cNvPr id="11" name="Freeform 11"/>
+          <p:cNvSpPr/>
+          <p:nvPr/>
+        </p:nvSpPr>
+        <p:spPr bwMode="auto">
+          <a:xfrm flipV="1">
+            <a:off x="-4189" y="4911725"/>
+            <a:ext cx="1588527" cy="507297"/>
+          </a:xfrm>
+          <a:custGeom>
+            <a:avLst/>
+            <a:gdLst/>
+            <a:ahLst/>
+            <a:cxnLst/>
+            <a:rect l="l" t="t" r="r" b="b"/>
+            <a:pathLst>
+              <a:path w="9248" h="10000">
+                <a:moveTo>
+                  <a:pt x="9248" y="4701"/>
+                </a:moveTo>
+                <a:lnTo>
+                  <a:pt x="7915" y="188"/>
+                </a:lnTo>
+                <a:cubicBezTo>
+                  <a:pt x="7906" y="156"/>
+                  <a:pt x="7895" y="126"/>
+                  <a:pt x="7886" y="94"/>
+                </a:cubicBezTo>
+                <a:cubicBezTo>
+                  <a:pt x="7859" y="0"/>
+                  <a:pt x="7831" y="0"/>
+                  <a:pt x="7803" y="0"/>
+                </a:cubicBezTo>
+                <a:lnTo>
+                  <a:pt x="7275" y="0"/>
+                </a:lnTo>
+                <a:lnTo>
+                  <a:pt x="0" y="70"/>
+                </a:lnTo>
+                <a:cubicBezTo>
+                  <a:pt x="8" y="3380"/>
+                  <a:pt x="17" y="6690"/>
+                  <a:pt x="25" y="10000"/>
+                </a:cubicBezTo>
+                <a:lnTo>
+                  <a:pt x="7275" y="9966"/>
+                </a:lnTo>
+                <a:lnTo>
+                  <a:pt x="7803" y="9966"/>
+                </a:lnTo>
+                <a:cubicBezTo>
+                  <a:pt x="7831" y="9966"/>
+                  <a:pt x="7859" y="9872"/>
+                  <a:pt x="7886" y="9872"/>
+                </a:cubicBezTo>
+                <a:cubicBezTo>
+                  <a:pt x="7886" y="9778"/>
+                  <a:pt x="7915" y="9778"/>
+                  <a:pt x="7915" y="9778"/>
+                </a:cubicBezTo>
+                <a:lnTo>
+                  <a:pt x="9248" y="5265"/>
+                </a:lnTo>
+                <a:cubicBezTo>
+                  <a:pt x="9303" y="5077"/>
+                  <a:pt x="9303" y="4889"/>
+                  <a:pt x="9248" y="4701"/>
+                </a:cubicBezTo>
+                <a:close/>
+              </a:path>
+            </a:pathLst>
+          </a:custGeom>
+          <a:solidFill>
+            <a:schemeClr val="accent1"/>
+          </a:solidFill>
+          <a:ln>
+            <a:noFill/>
+          </a:ln>
+        </p:spPr>
+      </p:sp>
+      <p:sp>
+        <p:nvSpPr>
+          <p:cNvPr id="7" name="Slide Number Placeholder 6"/>
+          <p:cNvSpPr>
+            <a:spLocks noGrp="1"/>
+          </p:cNvSpPr>
+          <p:nvPr>
+            <p:ph type="sldNum" sz="quarter" idx="12"/>
+          </p:nvPr>
+        </p:nvSpPr>
+        <p:spPr>
+          <a:xfrm>
+            <a:off x="531812" y="4983087"/>
+            <a:ext cx="779767" cy="365125"/>
+          </a:xfrm>
+        </p:spPr>
+        <p:txBody>
+          <a:bodyPr/>
+          <a:lstStyle/>
+          <a:p>
+            <a:fld id="{565043A8-36CD-4DAB-8CE5-C6B4AE53E314}" type="slidenum">
+              <a:rPr lang="en-US" smtClean="0"/>
+              <a:t>‹Nº›</a:t>
+            </a:fld>
+            <a:endParaRPr lang="en-US"/>
+          </a:p>
+        </p:txBody>
+      </p:sp>
+      <p:sp>
+        <p:nvSpPr>
+          <p:cNvPr id="17" name="TextBox 16"/>
+          <p:cNvSpPr txBox="1"/>
+          <p:nvPr/>
+        </p:nvSpPr>
+        <p:spPr>
+          <a:xfrm>
+            <a:off x="2467652" y="648005"/>
+            <a:ext cx="609600" cy="584776"/>
+          </a:xfrm>
+          <a:prstGeom prst="rect">
+            <a:avLst/>
+          </a:prstGeom>
+        </p:spPr>
+        <p:txBody>
+          <a:bodyPr vert="horz" lIns="91440" tIns="45720" rIns="91440" bIns="45720" rtlCol="0" anchor="ctr">
+            <a:noAutofit/>
+          </a:bodyPr>
+          <a:lstStyle/>
+          <a:p>
+            <a:pPr lvl="0"/>
+            <a:r>
+              <a:rPr lang="en-US" sz="8000" baseline="0" dirty="0">
+                <a:ln w="3175" cmpd="sng">
+                  <a:noFill/>
+                </a:ln>
+                <a:solidFill>
+                  <a:schemeClr val="accent1"/>
+                </a:solidFill>
+                <a:effectLst/>
+                <a:latin typeface="Arial"/>
+              </a:rPr>
+              <a:t>“</a:t>
+            </a:r>
+          </a:p>
+        </p:txBody>
+      </p:sp>
+      <p:sp>
+        <p:nvSpPr>
+          <p:cNvPr id="18" name="TextBox 17"/>
+          <p:cNvSpPr txBox="1"/>
+          <p:nvPr/>
+        </p:nvSpPr>
+        <p:spPr>
+          <a:xfrm>
+            <a:off x="11114852" y="2905306"/>
+            <a:ext cx="609600" cy="584776"/>
+          </a:xfrm>
+          <a:prstGeom prst="rect">
+            <a:avLst/>
+          </a:prstGeom>
+        </p:spPr>
+        <p:txBody>
+          <a:bodyPr vert="horz" lIns="91440" tIns="45720" rIns="91440" bIns="45720" rtlCol="0" anchor="ctr">
+            <a:noAutofit/>
+          </a:bodyPr>
+          <a:lstStyle/>
+          <a:p>
+            <a:pPr lvl="0"/>
+            <a:r>
+              <a:rPr lang="en-US" sz="8000" baseline="0" dirty="0">
+                <a:ln w="3175" cmpd="sng">
+                  <a:noFill/>
+                </a:ln>
+                <a:solidFill>
+                  <a:schemeClr val="accent1"/>
+                </a:solidFill>
+                <a:effectLst/>
+                <a:latin typeface="Arial"/>
+              </a:rPr>
+              <a:t>”</a:t>
+            </a:r>
+          </a:p>
+        </p:txBody>
+      </p:sp>
+    </p:spTree>
+    <p:extLst>
+      <p:ext uri="{BB962C8B-B14F-4D97-AF65-F5344CB8AC3E}">
+        <p14:creationId xmlns:p14="http://schemas.microsoft.com/office/powerpoint/2010/main" val="3063318910"/>
+      </p:ext>
+    </p:extLst>
+  </p:cSld>
+  <p:clrMapOvr>
+    <a:masterClrMapping/>
+  </p:clrMapOvr>
+</p:sldLayout>
+</file>
+
+<file path=ppt/slideLayouts/slideLayout14.xml><?xml version="1.0" encoding="utf-8"?>
+<p:sldLayout xmlns:a="http://schemas.openxmlformats.org/drawingml/2006/main" xmlns:r="http://schemas.openxmlformats.org/officeDocument/2006/relationships" xmlns:p="http://schemas.openxmlformats.org/presentationml/2006/main" preserve="1">
+  <p:cSld name="Verdadero o falso">
+    <p:spTree>
+      <p:nvGrpSpPr>
+        <p:cNvPr id="1" name=""/>
+        <p:cNvGrpSpPr/>
+        <p:nvPr/>
+      </p:nvGrpSpPr>
+      <p:grpSpPr>
+        <a:xfrm>
+          <a:off x="0" y="0"/>
+          <a:ext cx="0" cy="0"/>
+          <a:chOff x="0" y="0"/>
+          <a:chExt cx="0" cy="0"/>
+        </a:xfrm>
+      </p:grpSpPr>
+      <p:sp>
+        <p:nvSpPr>
+          <p:cNvPr id="2" name="Title 1"/>
+          <p:cNvSpPr>
+            <a:spLocks noGrp="1"/>
+          </p:cNvSpPr>
+          <p:nvPr>
+            <p:ph type="title"/>
+          </p:nvPr>
+        </p:nvSpPr>
+        <p:spPr>
+          <a:xfrm>
+            <a:off x="2589212" y="627407"/>
+            <a:ext cx="8915399" cy="2880020"/>
+          </a:xfrm>
+        </p:spPr>
+        <p:txBody>
+          <a:bodyPr anchor="ctr">
+            <a:normAutofit/>
+          </a:bodyPr>
+          <a:lstStyle>
+            <a:lvl1pPr algn="l">
+              <a:defRPr sz="4800" b="0"/>
+            </a:lvl1pPr>
+          </a:lstStyle>
+          <a:p>
+            <a:r>
+              <a:rPr lang="es-ES" smtClean="0"/>
+              <a:t>Haga clic para modificar el estilo de título del patrón</a:t>
+            </a:r>
+            <a:endParaRPr lang="en-US" dirty="0"/>
+          </a:p>
+        </p:txBody>
+      </p:sp>
+      <p:sp>
+        <p:nvSpPr>
+          <p:cNvPr id="21" name="Text Placeholder 9"/>
+          <p:cNvSpPr>
+            <a:spLocks noGrp="1"/>
+          </p:cNvSpPr>
+          <p:nvPr>
+            <p:ph type="body" sz="quarter" idx="13"/>
+          </p:nvPr>
+        </p:nvSpPr>
+        <p:spPr>
+          <a:xfrm>
+            <a:off x="2589212" y="4343400"/>
+            <a:ext cx="8915400" cy="838200"/>
+          </a:xfrm>
+        </p:spPr>
+        <p:txBody>
+          <a:bodyPr anchor="b">
+            <a:noAutofit/>
+          </a:bodyPr>
+          <a:lstStyle>
+            <a:lvl1pPr marL="0" indent="0">
+              <a:buFontTx/>
+              <a:buNone/>
+              <a:defRPr sz="2400">
+                <a:solidFill>
+                  <a:schemeClr val="accent1"/>
+                </a:solidFill>
+              </a:defRPr>
+            </a:lvl1pPr>
+            <a:lvl2pPr marL="457200" indent="0">
+              <a:buFontTx/>
+              <a:buNone/>
+              <a:defRPr/>
+            </a:lvl2pPr>
+            <a:lvl3pPr marL="914400" indent="0">
+              <a:buFontTx/>
+              <a:buNone/>
+              <a:defRPr/>
+            </a:lvl3pPr>
+            <a:lvl4pPr marL="1371600" indent="0">
+              <a:buFontTx/>
+              <a:buNone/>
+              <a:defRPr/>
+            </a:lvl4pPr>
+            <a:lvl5pPr marL="1828800" indent="0">
+              <a:buFontTx/>
+              <a:buNone/>
+              <a:defRPr/>
+            </a:lvl5pPr>
+          </a:lstStyle>
+          <a:p>
+            <a:pPr lvl="0"/>
+            <a:r>
+              <a:rPr lang="es-ES" smtClean="0"/>
+              <a:t>Editar el estilo de texto del patrón</a:t>
+            </a:r>
+          </a:p>
+        </p:txBody>
+      </p:sp>
+      <p:sp>
+        <p:nvSpPr>
+          <p:cNvPr id="4" name="Text Placeholder 3"/>
+          <p:cNvSpPr>
+            <a:spLocks noGrp="1"/>
+          </p:cNvSpPr>
+          <p:nvPr>
+            <p:ph type="body" sz="half" idx="2"/>
+          </p:nvPr>
+        </p:nvSpPr>
+        <p:spPr>
+          <a:xfrm>
+            <a:off x="2589213" y="5181600"/>
+            <a:ext cx="8915400" cy="729622"/>
+          </a:xfrm>
+        </p:spPr>
+        <p:txBody>
+          <a:bodyPr vert="horz" lIns="91440" tIns="45720" rIns="91440" bIns="45720" rtlCol="0" anchor="t">
+            <a:normAutofit/>
+          </a:bodyPr>
+          <a:lstStyle>
+            <a:lvl1pPr>
+              <a:buNone/>
+              <a:defRPr lang="en-US">
+                <a:solidFill>
+                  <a:schemeClr val="tx1">
+                    <a:lumMod val="65000"/>
+                    <a:lumOff val="35000"/>
+                  </a:schemeClr>
+                </a:solidFill>
+              </a:defRPr>
+            </a:lvl1pPr>
+          </a:lstStyle>
+          <a:p>
+            <a:pPr marL="0" lvl="0" indent="0">
+              <a:buNone/>
+            </a:pPr>
+            <a:r>
+              <a:rPr lang="es-ES" smtClean="0"/>
+              <a:t>Editar el estilo de texto del patrón</a:t>
+            </a:r>
+          </a:p>
+        </p:txBody>
+      </p:sp>
+      <p:sp>
+        <p:nvSpPr>
+          <p:cNvPr id="5" name="Date Placeholder 4"/>
+          <p:cNvSpPr>
+            <a:spLocks noGrp="1"/>
+          </p:cNvSpPr>
+          <p:nvPr>
+            <p:ph type="dt" sz="half" idx="10"/>
+          </p:nvPr>
+        </p:nvSpPr>
+        <p:spPr/>
+        <p:txBody>
+          <a:bodyPr/>
+          <a:lstStyle/>
+          <a:p>
+            <a:fld id="{CA4F40FF-563B-4111-A958-728949FF0409}" type="datetimeFigureOut">
+              <a:rPr lang="en-US" smtClean="0"/>
+              <a:t>10/21/2020</a:t>
+            </a:fld>
+            <a:endParaRPr lang="en-US"/>
+          </a:p>
+        </p:txBody>
+      </p:sp>
+      <p:sp>
+        <p:nvSpPr>
+          <p:cNvPr id="6" name="Footer Placeholder 5"/>
+          <p:cNvSpPr>
+            <a:spLocks noGrp="1"/>
+          </p:cNvSpPr>
+          <p:nvPr>
+            <p:ph type="ftr" sz="quarter" idx="11"/>
+          </p:nvPr>
+        </p:nvSpPr>
+        <p:spPr/>
+        <p:txBody>
+          <a:bodyPr/>
+          <a:lstStyle/>
+          <a:p>
+            <a:endParaRPr lang="en-US"/>
+          </a:p>
+        </p:txBody>
+      </p:sp>
+      <p:sp>
+        <p:nvSpPr>
+          <p:cNvPr id="9" name="Freeform 11"/>
+          <p:cNvSpPr/>
+          <p:nvPr/>
+        </p:nvSpPr>
+        <p:spPr bwMode="auto">
+          <a:xfrm flipV="1">
+            <a:off x="-4189" y="4911725"/>
+            <a:ext cx="1588527" cy="507297"/>
+          </a:xfrm>
+          <a:custGeom>
+            <a:avLst/>
+            <a:gdLst/>
+            <a:ahLst/>
+            <a:cxnLst/>
+            <a:rect l="l" t="t" r="r" b="b"/>
+            <a:pathLst>
+              <a:path w="9248" h="10000">
+                <a:moveTo>
+                  <a:pt x="9248" y="4701"/>
+                </a:moveTo>
+                <a:lnTo>
+                  <a:pt x="7915" y="188"/>
+                </a:lnTo>
+                <a:cubicBezTo>
+                  <a:pt x="7906" y="156"/>
+                  <a:pt x="7895" y="126"/>
+                  <a:pt x="7886" y="94"/>
+                </a:cubicBezTo>
+                <a:cubicBezTo>
+                  <a:pt x="7859" y="0"/>
+                  <a:pt x="7831" y="0"/>
+                  <a:pt x="7803" y="0"/>
+                </a:cubicBezTo>
+                <a:lnTo>
+                  <a:pt x="7275" y="0"/>
+                </a:lnTo>
+                <a:lnTo>
+                  <a:pt x="0" y="70"/>
+                </a:lnTo>
+                <a:cubicBezTo>
+                  <a:pt x="8" y="3380"/>
+                  <a:pt x="17" y="6690"/>
+                  <a:pt x="25" y="10000"/>
+                </a:cubicBezTo>
+                <a:lnTo>
+                  <a:pt x="7275" y="9966"/>
+                </a:lnTo>
+                <a:lnTo>
+                  <a:pt x="7803" y="9966"/>
+                </a:lnTo>
+                <a:cubicBezTo>
+                  <a:pt x="7831" y="9966"/>
+                  <a:pt x="7859" y="9872"/>
+                  <a:pt x="7886" y="9872"/>
+                </a:cubicBezTo>
+                <a:cubicBezTo>
+                  <a:pt x="7886" y="9778"/>
+                  <a:pt x="7915" y="9778"/>
+                  <a:pt x="7915" y="9778"/>
+                </a:cubicBezTo>
+                <a:lnTo>
+                  <a:pt x="9248" y="5265"/>
+                </a:lnTo>
+                <a:cubicBezTo>
+                  <a:pt x="9303" y="5077"/>
+                  <a:pt x="9303" y="4889"/>
+                  <a:pt x="9248" y="4701"/>
+                </a:cubicBezTo>
+                <a:close/>
+              </a:path>
+            </a:pathLst>
+          </a:custGeom>
+          <a:solidFill>
+            <a:schemeClr val="accent1"/>
+          </a:solidFill>
+          <a:ln>
+            <a:noFill/>
+          </a:ln>
+        </p:spPr>
+      </p:sp>
+      <p:sp>
+        <p:nvSpPr>
+          <p:cNvPr id="7" name="Slide Number Placeholder 6"/>
+          <p:cNvSpPr>
+            <a:spLocks noGrp="1"/>
+          </p:cNvSpPr>
+          <p:nvPr>
+            <p:ph type="sldNum" sz="quarter" idx="12"/>
+          </p:nvPr>
+        </p:nvSpPr>
+        <p:spPr>
+          <a:xfrm>
+            <a:off x="531812" y="4983087"/>
+            <a:ext cx="779767" cy="365125"/>
+          </a:xfrm>
+        </p:spPr>
+        <p:txBody>
+          <a:bodyPr/>
+          <a:lstStyle/>
+          <a:p>
+            <a:fld id="{565043A8-36CD-4DAB-8CE5-C6B4AE53E314}" type="slidenum">
+              <a:rPr lang="en-US" smtClean="0"/>
+              <a:t>‹Nº›</a:t>
+            </a:fld>
+            <a:endParaRPr lang="en-US"/>
+          </a:p>
+        </p:txBody>
+      </p:sp>
+    </p:spTree>
+    <p:extLst>
+      <p:ext uri="{BB962C8B-B14F-4D97-AF65-F5344CB8AC3E}">
+        <p14:creationId xmlns:p14="http://schemas.microsoft.com/office/powerpoint/2010/main" val="729529685"/>
+      </p:ext>
+    </p:extLst>
+  </p:cSld>
+  <p:clrMapOvr>
+    <a:masterClrMapping/>
+  </p:clrMapOvr>
+</p:sldLayout>
+</file>
+
+<file path=ppt/slideLayouts/slideLayout15.xml><?xml version="1.0" encoding="utf-8"?>
 <p:sldLayout xmlns:a="http://schemas.openxmlformats.org/drawingml/2006/main" xmlns:r="http://schemas.openxmlformats.org/officeDocument/2006/relationships" xmlns:p="http://schemas.openxmlformats.org/presentationml/2006/main" type="vertTx" preserve="1">
   <p:cSld name="Título y texto vertical">
     <p:spTree>
@@ -324,7 +2265,7 @@
       </p:grpSpPr>
       <p:sp>
         <p:nvSpPr>
-          <p:cNvPr id="2" name="Título 1"/>
+          <p:cNvPr id="2" name="Title 1"/>
           <p:cNvSpPr>
             <a:spLocks noGrp="1"/>
           </p:cNvSpPr>
@@ -341,13 +2282,13 @@
               <a:rPr lang="es-ES" smtClean="0"/>
               <a:t>Haga clic para modificar el estilo de título del patrón</a:t>
             </a:r>
-            <a:endParaRPr lang="en-US"/>
-          </a:p>
-        </p:txBody>
-      </p:sp>
-      <p:sp>
-        <p:nvSpPr>
-          <p:cNvPr id="3" name="Marcador de texto vertical 2"/>
+            <a:endParaRPr lang="en-US" dirty="0"/>
+          </a:p>
+        </p:txBody>
+      </p:sp>
+      <p:sp>
+        <p:nvSpPr>
+          <p:cNvPr id="3" name="Vertical Text Placeholder 2"/>
           <p:cNvSpPr>
             <a:spLocks noGrp="1"/>
           </p:cNvSpPr>
@@ -357,7 +2298,7 @@
         </p:nvSpPr>
         <p:spPr/>
         <p:txBody>
-          <a:bodyPr vert="eaVert"/>
+          <a:bodyPr vert="eaVert" anchor="t"/>
           <a:lstStyle/>
           <a:p>
             <a:pPr lvl="0"/>
@@ -393,13 +2334,13 @@
               <a:rPr lang="es-ES" smtClean="0"/>
               <a:t>Quinto nivel</a:t>
             </a:r>
-            <a:endParaRPr lang="en-US"/>
-          </a:p>
-        </p:txBody>
-      </p:sp>
-      <p:sp>
-        <p:nvSpPr>
-          <p:cNvPr id="4" name="Marcador de fecha 3"/>
+            <a:endParaRPr lang="en-US" dirty="0"/>
+          </a:p>
+        </p:txBody>
+      </p:sp>
+      <p:sp>
+        <p:nvSpPr>
+          <p:cNvPr id="4" name="Date Placeholder 3"/>
           <p:cNvSpPr>
             <a:spLocks noGrp="1"/>
           </p:cNvSpPr>
@@ -414,7 +2355,7 @@
           <a:p>
             <a:fld id="{CA4F40FF-563B-4111-A958-728949FF0409}" type="datetimeFigureOut">
               <a:rPr lang="en-US" smtClean="0"/>
-              <a:t>10/20/2020</a:t>
+              <a:t>10/21/2020</a:t>
             </a:fld>
             <a:endParaRPr lang="en-US"/>
           </a:p>
@@ -422,7 +2363,7 @@
       </p:sp>
       <p:sp>
         <p:nvSpPr>
-          <p:cNvPr id="5" name="Marcador de pie de página 4"/>
+          <p:cNvPr id="5" name="Footer Placeholder 4"/>
           <p:cNvSpPr>
             <a:spLocks noGrp="1"/>
           </p:cNvSpPr>
@@ -441,7 +2382,89 @@
       </p:sp>
       <p:sp>
         <p:nvSpPr>
-          <p:cNvPr id="6" name="Marcador de número de diapositiva 5"/>
+          <p:cNvPr id="8" name="Freeform 11"/>
+          <p:cNvSpPr/>
+          <p:nvPr/>
+        </p:nvSpPr>
+        <p:spPr bwMode="auto">
+          <a:xfrm flipV="1">
+            <a:off x="-4189" y="714375"/>
+            <a:ext cx="1588527" cy="507297"/>
+          </a:xfrm>
+          <a:custGeom>
+            <a:avLst/>
+            <a:gdLst/>
+            <a:ahLst/>
+            <a:cxnLst/>
+            <a:rect l="l" t="t" r="r" b="b"/>
+            <a:pathLst>
+              <a:path w="9248" h="10000">
+                <a:moveTo>
+                  <a:pt x="9248" y="4701"/>
+                </a:moveTo>
+                <a:lnTo>
+                  <a:pt x="7915" y="188"/>
+                </a:lnTo>
+                <a:cubicBezTo>
+                  <a:pt x="7906" y="156"/>
+                  <a:pt x="7895" y="126"/>
+                  <a:pt x="7886" y="94"/>
+                </a:cubicBezTo>
+                <a:cubicBezTo>
+                  <a:pt x="7859" y="0"/>
+                  <a:pt x="7831" y="0"/>
+                  <a:pt x="7803" y="0"/>
+                </a:cubicBezTo>
+                <a:lnTo>
+                  <a:pt x="7275" y="0"/>
+                </a:lnTo>
+                <a:lnTo>
+                  <a:pt x="0" y="70"/>
+                </a:lnTo>
+                <a:cubicBezTo>
+                  <a:pt x="8" y="3380"/>
+                  <a:pt x="17" y="6690"/>
+                  <a:pt x="25" y="10000"/>
+                </a:cubicBezTo>
+                <a:lnTo>
+                  <a:pt x="7275" y="9966"/>
+                </a:lnTo>
+                <a:lnTo>
+                  <a:pt x="7803" y="9966"/>
+                </a:lnTo>
+                <a:cubicBezTo>
+                  <a:pt x="7831" y="9966"/>
+                  <a:pt x="7859" y="9872"/>
+                  <a:pt x="7886" y="9872"/>
+                </a:cubicBezTo>
+                <a:cubicBezTo>
+                  <a:pt x="7886" y="9778"/>
+                  <a:pt x="7915" y="9778"/>
+                  <a:pt x="7915" y="9778"/>
+                </a:cubicBezTo>
+                <a:lnTo>
+                  <a:pt x="9248" y="5265"/>
+                </a:lnTo>
+                <a:cubicBezTo>
+                  <a:pt x="9303" y="5077"/>
+                  <a:pt x="9303" y="4889"/>
+                  <a:pt x="9248" y="4701"/>
+                </a:cubicBezTo>
+                <a:close/>
+              </a:path>
+            </a:pathLst>
+          </a:custGeom>
+          <a:solidFill>
+            <a:schemeClr val="accent1"/>
+          </a:solidFill>
+          <a:ln>
+            <a:noFill/>
+          </a:ln>
+        </p:spPr>
+      </p:sp>
+      <p:sp>
+        <p:nvSpPr>
+          <p:cNvPr id="6" name="Slide Number Placeholder 5"/>
           <p:cNvSpPr>
             <a:spLocks noGrp="1"/>
           </p:cNvSpPr>
@@ -465,7 +2488,7 @@
     </p:spTree>
     <p:extLst>
       <p:ext uri="{BB962C8B-B14F-4D97-AF65-F5344CB8AC3E}">
-        <p14:creationId xmlns:p14="http://schemas.microsoft.com/office/powerpoint/2010/main" val="258482144"/>
+        <p14:creationId xmlns:p14="http://schemas.microsoft.com/office/powerpoint/2010/main" val="2232203293"/>
       </p:ext>
     </p:extLst>
   </p:cSld>
@@ -475,7 +2498,7 @@
 </p:sldLayout>
 </file>
 
-<file path=ppt/slideLayouts/slideLayout11.xml><?xml version="1.0" encoding="utf-8"?>
+<file path=ppt/slideLayouts/slideLayout16.xml><?xml version="1.0" encoding="utf-8"?>
 <p:sldLayout xmlns:a="http://schemas.openxmlformats.org/drawingml/2006/main" xmlns:r="http://schemas.openxmlformats.org/officeDocument/2006/relationships" xmlns:p="http://schemas.openxmlformats.org/presentationml/2006/main" type="vertTitleAndTx" preserve="1">
   <p:cSld name="Título vertical y texto">
     <p:spTree>
@@ -494,7 +2517,7 @@
       </p:grpSpPr>
       <p:sp>
         <p:nvSpPr>
-          <p:cNvPr id="2" name="Título vertical 1"/>
+          <p:cNvPr id="2" name="Vertical Title 1"/>
           <p:cNvSpPr>
             <a:spLocks noGrp="1"/>
           </p:cNvSpPr>
@@ -504,42 +2527,42 @@
         </p:nvSpPr>
         <p:spPr>
           <a:xfrm>
-            <a:off x="8724900" y="365125"/>
-            <a:ext cx="2628900" cy="5811838"/>
+            <a:off x="9294812" y="627405"/>
+            <a:ext cx="2207601" cy="5283817"/>
           </a:xfrm>
         </p:spPr>
         <p:txBody>
+          <a:bodyPr vert="eaVert" anchor="ctr"/>
+          <a:lstStyle/>
+          <a:p>
+            <a:r>
+              <a:rPr lang="es-ES" smtClean="0"/>
+              <a:t>Haga clic para modificar el estilo de título del patrón</a:t>
+            </a:r>
+            <a:endParaRPr lang="en-US" dirty="0"/>
+          </a:p>
+        </p:txBody>
+      </p:sp>
+      <p:sp>
+        <p:nvSpPr>
+          <p:cNvPr id="3" name="Vertical Text Placeholder 2"/>
+          <p:cNvSpPr>
+            <a:spLocks noGrp="1"/>
+          </p:cNvSpPr>
+          <p:nvPr>
+            <p:ph type="body" orient="vert" idx="1"/>
+          </p:nvPr>
+        </p:nvSpPr>
+        <p:spPr>
+          <a:xfrm>
+            <a:off x="2589212" y="627405"/>
+            <a:ext cx="6477000" cy="5283817"/>
+          </a:xfrm>
+        </p:spPr>
+        <p:txBody>
           <a:bodyPr vert="eaVert"/>
           <a:lstStyle/>
           <a:p>
-            <a:r>
-              <a:rPr lang="es-ES" smtClean="0"/>
-              <a:t>Haga clic para modificar el estilo de título del patrón</a:t>
-            </a:r>
-            <a:endParaRPr lang="en-US"/>
-          </a:p>
-        </p:txBody>
-      </p:sp>
-      <p:sp>
-        <p:nvSpPr>
-          <p:cNvPr id="3" name="Marcador de texto vertical 2"/>
-          <p:cNvSpPr>
-            <a:spLocks noGrp="1"/>
-          </p:cNvSpPr>
-          <p:nvPr>
-            <p:ph type="body" orient="vert" idx="1"/>
-          </p:nvPr>
-        </p:nvSpPr>
-        <p:spPr>
-          <a:xfrm>
-            <a:off x="838200" y="365125"/>
-            <a:ext cx="7734300" cy="5811838"/>
-          </a:xfrm>
-        </p:spPr>
-        <p:txBody>
-          <a:bodyPr vert="eaVert"/>
-          <a:lstStyle/>
-          <a:p>
             <a:pPr lvl="0"/>
             <a:r>
               <a:rPr lang="es-ES" smtClean="0"/>
@@ -573,13 +2596,13 @@
               <a:rPr lang="es-ES" smtClean="0"/>
               <a:t>Quinto nivel</a:t>
             </a:r>
-            <a:endParaRPr lang="en-US"/>
-          </a:p>
-        </p:txBody>
-      </p:sp>
-      <p:sp>
-        <p:nvSpPr>
-          <p:cNvPr id="4" name="Marcador de fecha 3"/>
+            <a:endParaRPr lang="en-US" dirty="0"/>
+          </a:p>
+        </p:txBody>
+      </p:sp>
+      <p:sp>
+        <p:nvSpPr>
+          <p:cNvPr id="4" name="Date Placeholder 3"/>
           <p:cNvSpPr>
             <a:spLocks noGrp="1"/>
           </p:cNvSpPr>
@@ -594,7 +2617,7 @@
           <a:p>
             <a:fld id="{CA4F40FF-563B-4111-A958-728949FF0409}" type="datetimeFigureOut">
               <a:rPr lang="en-US" smtClean="0"/>
-              <a:t>10/20/2020</a:t>
+              <a:t>10/21/2020</a:t>
             </a:fld>
             <a:endParaRPr lang="en-US"/>
           </a:p>
@@ -602,7 +2625,7 @@
       </p:sp>
       <p:sp>
         <p:nvSpPr>
-          <p:cNvPr id="5" name="Marcador de pie de página 4"/>
+          <p:cNvPr id="5" name="Footer Placeholder 4"/>
           <p:cNvSpPr>
             <a:spLocks noGrp="1"/>
           </p:cNvSpPr>
@@ -621,7 +2644,89 @@
       </p:sp>
       <p:sp>
         <p:nvSpPr>
-          <p:cNvPr id="6" name="Marcador de número de diapositiva 5"/>
+          <p:cNvPr id="8" name="Freeform 11"/>
+          <p:cNvSpPr/>
+          <p:nvPr/>
+        </p:nvSpPr>
+        <p:spPr bwMode="auto">
+          <a:xfrm flipV="1">
+            <a:off x="-4189" y="714375"/>
+            <a:ext cx="1588527" cy="507297"/>
+          </a:xfrm>
+          <a:custGeom>
+            <a:avLst/>
+            <a:gdLst/>
+            <a:ahLst/>
+            <a:cxnLst/>
+            <a:rect l="l" t="t" r="r" b="b"/>
+            <a:pathLst>
+              <a:path w="9248" h="10000">
+                <a:moveTo>
+                  <a:pt x="9248" y="4701"/>
+                </a:moveTo>
+                <a:lnTo>
+                  <a:pt x="7915" y="188"/>
+                </a:lnTo>
+                <a:cubicBezTo>
+                  <a:pt x="7906" y="156"/>
+                  <a:pt x="7895" y="126"/>
+                  <a:pt x="7886" y="94"/>
+                </a:cubicBezTo>
+                <a:cubicBezTo>
+                  <a:pt x="7859" y="0"/>
+                  <a:pt x="7831" y="0"/>
+                  <a:pt x="7803" y="0"/>
+                </a:cubicBezTo>
+                <a:lnTo>
+                  <a:pt x="7275" y="0"/>
+                </a:lnTo>
+                <a:lnTo>
+                  <a:pt x="0" y="70"/>
+                </a:lnTo>
+                <a:cubicBezTo>
+                  <a:pt x="8" y="3380"/>
+                  <a:pt x="17" y="6690"/>
+                  <a:pt x="25" y="10000"/>
+                </a:cubicBezTo>
+                <a:lnTo>
+                  <a:pt x="7275" y="9966"/>
+                </a:lnTo>
+                <a:lnTo>
+                  <a:pt x="7803" y="9966"/>
+                </a:lnTo>
+                <a:cubicBezTo>
+                  <a:pt x="7831" y="9966"/>
+                  <a:pt x="7859" y="9872"/>
+                  <a:pt x="7886" y="9872"/>
+                </a:cubicBezTo>
+                <a:cubicBezTo>
+                  <a:pt x="7886" y="9778"/>
+                  <a:pt x="7915" y="9778"/>
+                  <a:pt x="7915" y="9778"/>
+                </a:cubicBezTo>
+                <a:lnTo>
+                  <a:pt x="9248" y="5265"/>
+                </a:lnTo>
+                <a:cubicBezTo>
+                  <a:pt x="9303" y="5077"/>
+                  <a:pt x="9303" y="4889"/>
+                  <a:pt x="9248" y="4701"/>
+                </a:cubicBezTo>
+                <a:close/>
+              </a:path>
+            </a:pathLst>
+          </a:custGeom>
+          <a:solidFill>
+            <a:schemeClr val="accent1"/>
+          </a:solidFill>
+          <a:ln>
+            <a:noFill/>
+          </a:ln>
+        </p:spPr>
+      </p:sp>
+      <p:sp>
+        <p:nvSpPr>
+          <p:cNvPr id="6" name="Slide Number Placeholder 5"/>
           <p:cNvSpPr>
             <a:spLocks noGrp="1"/>
           </p:cNvSpPr>
@@ -645,7 +2750,7 @@
     </p:spTree>
     <p:extLst>
       <p:ext uri="{BB962C8B-B14F-4D97-AF65-F5344CB8AC3E}">
-        <p14:creationId xmlns:p14="http://schemas.microsoft.com/office/powerpoint/2010/main" val="1263612127"/>
+        <p14:creationId xmlns:p14="http://schemas.microsoft.com/office/powerpoint/2010/main" val="1059044272"/>
       </p:ext>
     </p:extLst>
   </p:cSld>
@@ -674,7 +2779,7 @@
       </p:grpSpPr>
       <p:sp>
         <p:nvSpPr>
-          <p:cNvPr id="2" name="Título 1"/>
+          <p:cNvPr id="2" name="Title 1"/>
           <p:cNvSpPr>
             <a:spLocks noGrp="1"/>
           </p:cNvSpPr>
@@ -682,7 +2787,12 @@
             <p:ph type="title"/>
           </p:nvPr>
         </p:nvSpPr>
-        <p:spPr/>
+        <p:spPr>
+          <a:xfrm>
+            <a:off x="2592925" y="624110"/>
+            <a:ext cx="8911687" cy="1280890"/>
+          </a:xfrm>
+        </p:spPr>
         <p:txBody>
           <a:bodyPr/>
           <a:lstStyle/>
@@ -691,13 +2801,13 @@
               <a:rPr lang="es-ES" smtClean="0"/>
               <a:t>Haga clic para modificar el estilo de título del patrón</a:t>
             </a:r>
-            <a:endParaRPr lang="en-US"/>
-          </a:p>
-        </p:txBody>
-      </p:sp>
-      <p:sp>
-        <p:nvSpPr>
-          <p:cNvPr id="3" name="Marcador de contenido 2"/>
+            <a:endParaRPr lang="en-US" dirty="0"/>
+          </a:p>
+        </p:txBody>
+      </p:sp>
+      <p:sp>
+        <p:nvSpPr>
+          <p:cNvPr id="3" name="Content Placeholder 2"/>
           <p:cNvSpPr>
             <a:spLocks noGrp="1"/>
           </p:cNvSpPr>
@@ -705,7 +2815,12 @@
             <p:ph idx="1"/>
           </p:nvPr>
         </p:nvSpPr>
-        <p:spPr/>
+        <p:spPr>
+          <a:xfrm>
+            <a:off x="2589212" y="2133600"/>
+            <a:ext cx="8915400" cy="3777622"/>
+          </a:xfrm>
+        </p:spPr>
         <p:txBody>
           <a:bodyPr/>
           <a:lstStyle/>
@@ -743,13 +2858,13 @@
               <a:rPr lang="es-ES" smtClean="0"/>
               <a:t>Quinto nivel</a:t>
             </a:r>
-            <a:endParaRPr lang="en-US"/>
-          </a:p>
-        </p:txBody>
-      </p:sp>
-      <p:sp>
-        <p:nvSpPr>
-          <p:cNvPr id="4" name="Marcador de fecha 3"/>
+            <a:endParaRPr lang="en-US" dirty="0"/>
+          </a:p>
+        </p:txBody>
+      </p:sp>
+      <p:sp>
+        <p:nvSpPr>
+          <p:cNvPr id="4" name="Date Placeholder 3"/>
           <p:cNvSpPr>
             <a:spLocks noGrp="1"/>
           </p:cNvSpPr>
@@ -764,7 +2879,7 @@
           <a:p>
             <a:fld id="{CA4F40FF-563B-4111-A958-728949FF0409}" type="datetimeFigureOut">
               <a:rPr lang="en-US" smtClean="0"/>
-              <a:t>10/20/2020</a:t>
+              <a:t>10/21/2020</a:t>
             </a:fld>
             <a:endParaRPr lang="en-US"/>
           </a:p>
@@ -772,7 +2887,7 @@
       </p:sp>
       <p:sp>
         <p:nvSpPr>
-          <p:cNvPr id="5" name="Marcador de pie de página 4"/>
+          <p:cNvPr id="5" name="Footer Placeholder 4"/>
           <p:cNvSpPr>
             <a:spLocks noGrp="1"/>
           </p:cNvSpPr>
@@ -791,7 +2906,89 @@
       </p:sp>
       <p:sp>
         <p:nvSpPr>
-          <p:cNvPr id="6" name="Marcador de número de diapositiva 5"/>
+          <p:cNvPr id="8" name="Freeform 11"/>
+          <p:cNvSpPr/>
+          <p:nvPr/>
+        </p:nvSpPr>
+        <p:spPr bwMode="auto">
+          <a:xfrm flipV="1">
+            <a:off x="-4189" y="714375"/>
+            <a:ext cx="1588527" cy="507297"/>
+          </a:xfrm>
+          <a:custGeom>
+            <a:avLst/>
+            <a:gdLst/>
+            <a:ahLst/>
+            <a:cxnLst/>
+            <a:rect l="l" t="t" r="r" b="b"/>
+            <a:pathLst>
+              <a:path w="9248" h="10000">
+                <a:moveTo>
+                  <a:pt x="9248" y="4701"/>
+                </a:moveTo>
+                <a:lnTo>
+                  <a:pt x="7915" y="188"/>
+                </a:lnTo>
+                <a:cubicBezTo>
+                  <a:pt x="7906" y="156"/>
+                  <a:pt x="7895" y="126"/>
+                  <a:pt x="7886" y="94"/>
+                </a:cubicBezTo>
+                <a:cubicBezTo>
+                  <a:pt x="7859" y="0"/>
+                  <a:pt x="7831" y="0"/>
+                  <a:pt x="7803" y="0"/>
+                </a:cubicBezTo>
+                <a:lnTo>
+                  <a:pt x="7275" y="0"/>
+                </a:lnTo>
+                <a:lnTo>
+                  <a:pt x="0" y="70"/>
+                </a:lnTo>
+                <a:cubicBezTo>
+                  <a:pt x="8" y="3380"/>
+                  <a:pt x="17" y="6690"/>
+                  <a:pt x="25" y="10000"/>
+                </a:cubicBezTo>
+                <a:lnTo>
+                  <a:pt x="7275" y="9966"/>
+                </a:lnTo>
+                <a:lnTo>
+                  <a:pt x="7803" y="9966"/>
+                </a:lnTo>
+                <a:cubicBezTo>
+                  <a:pt x="7831" y="9966"/>
+                  <a:pt x="7859" y="9872"/>
+                  <a:pt x="7886" y="9872"/>
+                </a:cubicBezTo>
+                <a:cubicBezTo>
+                  <a:pt x="7886" y="9778"/>
+                  <a:pt x="7915" y="9778"/>
+                  <a:pt x="7915" y="9778"/>
+                </a:cubicBezTo>
+                <a:lnTo>
+                  <a:pt x="9248" y="5265"/>
+                </a:lnTo>
+                <a:cubicBezTo>
+                  <a:pt x="9303" y="5077"/>
+                  <a:pt x="9303" y="4889"/>
+                  <a:pt x="9248" y="4701"/>
+                </a:cubicBezTo>
+                <a:close/>
+              </a:path>
+            </a:pathLst>
+          </a:custGeom>
+          <a:solidFill>
+            <a:schemeClr val="accent1"/>
+          </a:solidFill>
+          <a:ln>
+            <a:noFill/>
+          </a:ln>
+        </p:spPr>
+      </p:sp>
+      <p:sp>
+        <p:nvSpPr>
+          <p:cNvPr id="6" name="Slide Number Placeholder 5"/>
           <p:cNvSpPr>
             <a:spLocks noGrp="1"/>
           </p:cNvSpPr>
@@ -815,7 +3012,7 @@
     </p:spTree>
     <p:extLst>
       <p:ext uri="{BB962C8B-B14F-4D97-AF65-F5344CB8AC3E}">
-        <p14:creationId xmlns:p14="http://schemas.microsoft.com/office/powerpoint/2010/main" val="219988555"/>
+        <p14:creationId xmlns:p14="http://schemas.microsoft.com/office/powerpoint/2010/main" val="824584057"/>
       </p:ext>
     </p:extLst>
   </p:cSld>
@@ -844,7 +3041,7 @@
       </p:grpSpPr>
       <p:sp>
         <p:nvSpPr>
-          <p:cNvPr id="2" name="Título 1"/>
+          <p:cNvPr id="2" name="Title 1"/>
           <p:cNvSpPr>
             <a:spLocks noGrp="1"/>
           </p:cNvSpPr>
@@ -854,15 +3051,15 @@
         </p:nvSpPr>
         <p:spPr>
           <a:xfrm>
-            <a:off x="831850" y="1709738"/>
-            <a:ext cx="10515600" cy="2852737"/>
+            <a:off x="2589212" y="2058750"/>
+            <a:ext cx="8915399" cy="1468800"/>
           </a:xfrm>
         </p:spPr>
         <p:txBody>
           <a:bodyPr anchor="b"/>
           <a:lstStyle>
-            <a:lvl1pPr>
-              <a:defRPr sz="6000"/>
+            <a:lvl1pPr algn="l">
+              <a:defRPr sz="4000" b="0" cap="none"/>
             </a:lvl1pPr>
           </a:lstStyle>
           <a:p>
@@ -870,13 +3067,13 @@
               <a:rPr lang="es-ES" smtClean="0"/>
               <a:t>Haga clic para modificar el estilo de título del patrón</a:t>
             </a:r>
-            <a:endParaRPr lang="en-US"/>
-          </a:p>
-        </p:txBody>
-      </p:sp>
-      <p:sp>
-        <p:nvSpPr>
-          <p:cNvPr id="3" name="Marcador de texto 2"/>
+            <a:endParaRPr lang="en-US" dirty="0"/>
+          </a:p>
+        </p:txBody>
+      </p:sp>
+      <p:sp>
+        <p:nvSpPr>
+          <p:cNvPr id="3" name="Text Placeholder 2"/>
           <p:cNvSpPr>
             <a:spLocks noGrp="1"/>
           </p:cNvSpPr>
@@ -886,26 +3083,27 @@
         </p:nvSpPr>
         <p:spPr>
           <a:xfrm>
-            <a:off x="831850" y="4589463"/>
-            <a:ext cx="10515600" cy="1500187"/>
+            <a:off x="2589212" y="3530129"/>
+            <a:ext cx="8915399" cy="860400"/>
           </a:xfrm>
         </p:spPr>
         <p:txBody>
-          <a:bodyPr/>
+          <a:bodyPr anchor="t"/>
           <a:lstStyle>
-            <a:lvl1pPr marL="0" indent="0">
-              <a:buNone/>
-              <a:defRPr sz="2400">
+            <a:lvl1pPr marL="0" indent="0" algn="l">
+              <a:buNone/>
+              <a:defRPr sz="2000">
                 <a:solidFill>
                   <a:schemeClr val="tx1">
-                    <a:tint val="75000"/>
+                    <a:lumMod val="65000"/>
+                    <a:lumOff val="35000"/>
                   </a:schemeClr>
                 </a:solidFill>
               </a:defRPr>
             </a:lvl1pPr>
             <a:lvl2pPr marL="457200" indent="0">
               <a:buNone/>
-              <a:defRPr sz="2000">
+              <a:defRPr sz="1800">
                 <a:solidFill>
                   <a:schemeClr val="tx1">
                     <a:tint val="75000"/>
@@ -915,7 +3113,7 @@
             </a:lvl2pPr>
             <a:lvl3pPr marL="914400" indent="0">
               <a:buNone/>
-              <a:defRPr sz="1800">
+              <a:defRPr sz="1600">
                 <a:solidFill>
                   <a:schemeClr val="tx1">
                     <a:tint val="75000"/>
@@ -925,7 +3123,7 @@
             </a:lvl3pPr>
             <a:lvl4pPr marL="1371600" indent="0">
               <a:buNone/>
-              <a:defRPr sz="1600">
+              <a:defRPr sz="1400">
                 <a:solidFill>
                   <a:schemeClr val="tx1">
                     <a:tint val="75000"/>
@@ -935,7 +3133,7 @@
             </a:lvl4pPr>
             <a:lvl5pPr marL="1828800" indent="0">
               <a:buNone/>
-              <a:defRPr sz="1600">
+              <a:defRPr sz="1400">
                 <a:solidFill>
                   <a:schemeClr val="tx1">
                     <a:tint val="75000"/>
@@ -945,7 +3143,7 @@
             </a:lvl5pPr>
             <a:lvl6pPr marL="2286000" indent="0">
               <a:buNone/>
-              <a:defRPr sz="1600">
+              <a:defRPr sz="1400">
                 <a:solidFill>
                   <a:schemeClr val="tx1">
                     <a:tint val="75000"/>
@@ -955,7 +3153,7 @@
             </a:lvl6pPr>
             <a:lvl7pPr marL="2743200" indent="0">
               <a:buNone/>
-              <a:defRPr sz="1600">
+              <a:defRPr sz="1400">
                 <a:solidFill>
                   <a:schemeClr val="tx1">
                     <a:tint val="75000"/>
@@ -965,7 +3163,7 @@
             </a:lvl7pPr>
             <a:lvl8pPr marL="3200400" indent="0">
               <a:buNone/>
-              <a:defRPr sz="1600">
+              <a:defRPr sz="1400">
                 <a:solidFill>
                   <a:schemeClr val="tx1">
                     <a:tint val="75000"/>
@@ -975,7 +3173,7 @@
             </a:lvl8pPr>
             <a:lvl9pPr marL="3657600" indent="0">
               <a:buNone/>
-              <a:defRPr sz="1600">
+              <a:defRPr sz="1400">
                 <a:solidFill>
                   <a:schemeClr val="tx1">
                     <a:tint val="75000"/>
@@ -995,7 +3193,7 @@
       </p:sp>
       <p:sp>
         <p:nvSpPr>
-          <p:cNvPr id="4" name="Marcador de fecha 3"/>
+          <p:cNvPr id="4" name="Date Placeholder 3"/>
           <p:cNvSpPr>
             <a:spLocks noGrp="1"/>
           </p:cNvSpPr>
@@ -1010,7 +3208,7 @@
           <a:p>
             <a:fld id="{CA4F40FF-563B-4111-A958-728949FF0409}" type="datetimeFigureOut">
               <a:rPr lang="en-US" smtClean="0"/>
-              <a:t>10/20/2020</a:t>
+              <a:t>10/21/2020</a:t>
             </a:fld>
             <a:endParaRPr lang="en-US"/>
           </a:p>
@@ -1018,7 +3216,7 @@
       </p:sp>
       <p:sp>
         <p:nvSpPr>
-          <p:cNvPr id="5" name="Marcador de pie de página 4"/>
+          <p:cNvPr id="5" name="Footer Placeholder 4"/>
           <p:cNvSpPr>
             <a:spLocks noGrp="1"/>
           </p:cNvSpPr>
@@ -1037,7 +3235,89 @@
       </p:sp>
       <p:sp>
         <p:nvSpPr>
-          <p:cNvPr id="6" name="Marcador de número de diapositiva 5"/>
+          <p:cNvPr id="9" name="Freeform 11"/>
+          <p:cNvSpPr/>
+          <p:nvPr/>
+        </p:nvSpPr>
+        <p:spPr bwMode="auto">
+          <a:xfrm flipV="1">
+            <a:off x="-4189" y="3178175"/>
+            <a:ext cx="1588527" cy="507297"/>
+          </a:xfrm>
+          <a:custGeom>
+            <a:avLst/>
+            <a:gdLst/>
+            <a:ahLst/>
+            <a:cxnLst/>
+            <a:rect l="l" t="t" r="r" b="b"/>
+            <a:pathLst>
+              <a:path w="9248" h="10000">
+                <a:moveTo>
+                  <a:pt x="9248" y="4701"/>
+                </a:moveTo>
+                <a:lnTo>
+                  <a:pt x="7915" y="188"/>
+                </a:lnTo>
+                <a:cubicBezTo>
+                  <a:pt x="7906" y="156"/>
+                  <a:pt x="7895" y="126"/>
+                  <a:pt x="7886" y="94"/>
+                </a:cubicBezTo>
+                <a:cubicBezTo>
+                  <a:pt x="7859" y="0"/>
+                  <a:pt x="7831" y="0"/>
+                  <a:pt x="7803" y="0"/>
+                </a:cubicBezTo>
+                <a:lnTo>
+                  <a:pt x="7275" y="0"/>
+                </a:lnTo>
+                <a:lnTo>
+                  <a:pt x="0" y="70"/>
+                </a:lnTo>
+                <a:cubicBezTo>
+                  <a:pt x="8" y="3380"/>
+                  <a:pt x="17" y="6690"/>
+                  <a:pt x="25" y="10000"/>
+                </a:cubicBezTo>
+                <a:lnTo>
+                  <a:pt x="7275" y="9966"/>
+                </a:lnTo>
+                <a:lnTo>
+                  <a:pt x="7803" y="9966"/>
+                </a:lnTo>
+                <a:cubicBezTo>
+                  <a:pt x="7831" y="9966"/>
+                  <a:pt x="7859" y="9872"/>
+                  <a:pt x="7886" y="9872"/>
+                </a:cubicBezTo>
+                <a:cubicBezTo>
+                  <a:pt x="7886" y="9778"/>
+                  <a:pt x="7915" y="9778"/>
+                  <a:pt x="7915" y="9778"/>
+                </a:cubicBezTo>
+                <a:lnTo>
+                  <a:pt x="9248" y="5265"/>
+                </a:lnTo>
+                <a:cubicBezTo>
+                  <a:pt x="9303" y="5077"/>
+                  <a:pt x="9303" y="4889"/>
+                  <a:pt x="9248" y="4701"/>
+                </a:cubicBezTo>
+                <a:close/>
+              </a:path>
+            </a:pathLst>
+          </a:custGeom>
+          <a:solidFill>
+            <a:schemeClr val="accent1"/>
+          </a:solidFill>
+          <a:ln>
+            <a:noFill/>
+          </a:ln>
+        </p:spPr>
+      </p:sp>
+      <p:sp>
+        <p:nvSpPr>
+          <p:cNvPr id="6" name="Slide Number Placeholder 5"/>
           <p:cNvSpPr>
             <a:spLocks noGrp="1"/>
           </p:cNvSpPr>
@@ -1045,7 +3325,12 @@
             <p:ph type="sldNum" sz="quarter" idx="12"/>
           </p:nvPr>
         </p:nvSpPr>
-        <p:spPr/>
+        <p:spPr>
+          <a:xfrm>
+            <a:off x="531812" y="3244139"/>
+            <a:ext cx="779767" cy="365125"/>
+          </a:xfrm>
+        </p:spPr>
         <p:txBody>
           <a:bodyPr/>
           <a:lstStyle/>
@@ -1061,7 +3346,7 @@
     </p:spTree>
     <p:extLst>
       <p:ext uri="{BB962C8B-B14F-4D97-AF65-F5344CB8AC3E}">
-        <p14:creationId xmlns:p14="http://schemas.microsoft.com/office/powerpoint/2010/main" val="558854992"/>
+        <p14:creationId xmlns:p14="http://schemas.microsoft.com/office/powerpoint/2010/main" val="2337410062"/>
       </p:ext>
     </p:extLst>
   </p:cSld>
@@ -1090,7 +3375,7 @@
       </p:grpSpPr>
       <p:sp>
         <p:nvSpPr>
-          <p:cNvPr id="2" name="Título 1"/>
+          <p:cNvPr id="8" name="Title 7"/>
           <p:cNvSpPr>
             <a:spLocks noGrp="1"/>
           </p:cNvSpPr>
@@ -1107,13 +3392,13 @@
               <a:rPr lang="es-ES" smtClean="0"/>
               <a:t>Haga clic para modificar el estilo de título del patrón</a:t>
             </a:r>
-            <a:endParaRPr lang="en-US"/>
-          </a:p>
-        </p:txBody>
-      </p:sp>
-      <p:sp>
-        <p:nvSpPr>
-          <p:cNvPr id="3" name="Marcador de contenido 2"/>
+            <a:endParaRPr lang="en-US" dirty="0"/>
+          </a:p>
+        </p:txBody>
+      </p:sp>
+      <p:sp>
+        <p:nvSpPr>
+          <p:cNvPr id="3" name="Content Placeholder 2"/>
           <p:cNvSpPr>
             <a:spLocks noGrp="1"/>
           </p:cNvSpPr>
@@ -1123,161 +3408,252 @@
         </p:nvSpPr>
         <p:spPr>
           <a:xfrm>
-            <a:off x="838200" y="1825625"/>
-            <a:ext cx="5181600" cy="4351338"/>
+            <a:off x="2589212" y="2133600"/>
+            <a:ext cx="4313864" cy="3777622"/>
           </a:xfrm>
         </p:spPr>
         <p:txBody>
+          <a:bodyPr>
+            <a:normAutofit/>
+          </a:bodyPr>
+          <a:lstStyle/>
+          <a:p>
+            <a:pPr lvl="0"/>
+            <a:r>
+              <a:rPr lang="es-ES" smtClean="0"/>
+              <a:t>Editar el estilo de texto del patrón</a:t>
+            </a:r>
+          </a:p>
+          <a:p>
+            <a:pPr lvl="1"/>
+            <a:r>
+              <a:rPr lang="es-ES" smtClean="0"/>
+              <a:t>Segundo nivel</a:t>
+            </a:r>
+          </a:p>
+          <a:p>
+            <a:pPr lvl="2"/>
+            <a:r>
+              <a:rPr lang="es-ES" smtClean="0"/>
+              <a:t>Tercer nivel</a:t>
+            </a:r>
+          </a:p>
+          <a:p>
+            <a:pPr lvl="3"/>
+            <a:r>
+              <a:rPr lang="es-ES" smtClean="0"/>
+              <a:t>Cuarto nivel</a:t>
+            </a:r>
+          </a:p>
+          <a:p>
+            <a:pPr lvl="4"/>
+            <a:r>
+              <a:rPr lang="es-ES" smtClean="0"/>
+              <a:t>Quinto nivel</a:t>
+            </a:r>
+            <a:endParaRPr lang="en-US" dirty="0"/>
+          </a:p>
+        </p:txBody>
+      </p:sp>
+      <p:sp>
+        <p:nvSpPr>
+          <p:cNvPr id="4" name="Content Placeholder 3"/>
+          <p:cNvSpPr>
+            <a:spLocks noGrp="1"/>
+          </p:cNvSpPr>
+          <p:nvPr>
+            <p:ph sz="half" idx="2"/>
+          </p:nvPr>
+        </p:nvSpPr>
+        <p:spPr>
+          <a:xfrm>
+            <a:off x="7190747" y="2126222"/>
+            <a:ext cx="4313864" cy="3777622"/>
+          </a:xfrm>
+        </p:spPr>
+        <p:txBody>
+          <a:bodyPr>
+            <a:normAutofit/>
+          </a:bodyPr>
+          <a:lstStyle/>
+          <a:p>
+            <a:pPr lvl="0"/>
+            <a:r>
+              <a:rPr lang="es-ES" smtClean="0"/>
+              <a:t>Editar el estilo de texto del patrón</a:t>
+            </a:r>
+          </a:p>
+          <a:p>
+            <a:pPr lvl="1"/>
+            <a:r>
+              <a:rPr lang="es-ES" smtClean="0"/>
+              <a:t>Segundo nivel</a:t>
+            </a:r>
+          </a:p>
+          <a:p>
+            <a:pPr lvl="2"/>
+            <a:r>
+              <a:rPr lang="es-ES" smtClean="0"/>
+              <a:t>Tercer nivel</a:t>
+            </a:r>
+          </a:p>
+          <a:p>
+            <a:pPr lvl="3"/>
+            <a:r>
+              <a:rPr lang="es-ES" smtClean="0"/>
+              <a:t>Cuarto nivel</a:t>
+            </a:r>
+          </a:p>
+          <a:p>
+            <a:pPr lvl="4"/>
+            <a:r>
+              <a:rPr lang="es-ES" smtClean="0"/>
+              <a:t>Quinto nivel</a:t>
+            </a:r>
+            <a:endParaRPr lang="en-US" dirty="0"/>
+          </a:p>
+        </p:txBody>
+      </p:sp>
+      <p:sp>
+        <p:nvSpPr>
+          <p:cNvPr id="5" name="Date Placeholder 4"/>
+          <p:cNvSpPr>
+            <a:spLocks noGrp="1"/>
+          </p:cNvSpPr>
+          <p:nvPr>
+            <p:ph type="dt" sz="half" idx="10"/>
+          </p:nvPr>
+        </p:nvSpPr>
+        <p:spPr/>
+        <p:txBody>
           <a:bodyPr/>
           <a:lstStyle/>
           <a:p>
-            <a:pPr lvl="0"/>
-            <a:r>
-              <a:rPr lang="es-ES" smtClean="0"/>
-              <a:t>Editar el estilo de texto del patrón</a:t>
-            </a:r>
-          </a:p>
-          <a:p>
-            <a:pPr lvl="1"/>
-            <a:r>
-              <a:rPr lang="es-ES" smtClean="0"/>
-              <a:t>Segundo nivel</a:t>
-            </a:r>
-          </a:p>
-          <a:p>
-            <a:pPr lvl="2"/>
-            <a:r>
-              <a:rPr lang="es-ES" smtClean="0"/>
-              <a:t>Tercer nivel</a:t>
-            </a:r>
-          </a:p>
-          <a:p>
-            <a:pPr lvl="3"/>
-            <a:r>
-              <a:rPr lang="es-ES" smtClean="0"/>
-              <a:t>Cuarto nivel</a:t>
-            </a:r>
-          </a:p>
-          <a:p>
-            <a:pPr lvl="4"/>
-            <a:r>
-              <a:rPr lang="es-ES" smtClean="0"/>
-              <a:t>Quinto nivel</a:t>
-            </a:r>
+            <a:fld id="{CA4F40FF-563B-4111-A958-728949FF0409}" type="datetimeFigureOut">
+              <a:rPr lang="en-US" smtClean="0"/>
+              <a:t>10/21/2020</a:t>
+            </a:fld>
             <a:endParaRPr lang="en-US"/>
           </a:p>
         </p:txBody>
       </p:sp>
       <p:sp>
         <p:nvSpPr>
-          <p:cNvPr id="4" name="Marcador de contenido 3"/>
-          <p:cNvSpPr>
-            <a:spLocks noGrp="1"/>
-          </p:cNvSpPr>
-          <p:nvPr>
-            <p:ph sz="half" idx="2"/>
+          <p:cNvPr id="6" name="Footer Placeholder 5"/>
+          <p:cNvSpPr>
+            <a:spLocks noGrp="1"/>
+          </p:cNvSpPr>
+          <p:nvPr>
+            <p:ph type="ftr" sz="quarter" idx="11"/>
+          </p:nvPr>
+        </p:nvSpPr>
+        <p:spPr/>
+        <p:txBody>
+          <a:bodyPr/>
+          <a:lstStyle/>
+          <a:p>
+            <a:endParaRPr lang="en-US"/>
+          </a:p>
+        </p:txBody>
+      </p:sp>
+      <p:sp>
+        <p:nvSpPr>
+          <p:cNvPr id="10" name="Freeform 11"/>
+          <p:cNvSpPr/>
+          <p:nvPr/>
+        </p:nvSpPr>
+        <p:spPr bwMode="auto">
+          <a:xfrm flipV="1">
+            <a:off x="-4189" y="714375"/>
+            <a:ext cx="1588527" cy="507297"/>
+          </a:xfrm>
+          <a:custGeom>
+            <a:avLst/>
+            <a:gdLst/>
+            <a:ahLst/>
+            <a:cxnLst/>
+            <a:rect l="l" t="t" r="r" b="b"/>
+            <a:pathLst>
+              <a:path w="9248" h="10000">
+                <a:moveTo>
+                  <a:pt x="9248" y="4701"/>
+                </a:moveTo>
+                <a:lnTo>
+                  <a:pt x="7915" y="188"/>
+                </a:lnTo>
+                <a:cubicBezTo>
+                  <a:pt x="7906" y="156"/>
+                  <a:pt x="7895" y="126"/>
+                  <a:pt x="7886" y="94"/>
+                </a:cubicBezTo>
+                <a:cubicBezTo>
+                  <a:pt x="7859" y="0"/>
+                  <a:pt x="7831" y="0"/>
+                  <a:pt x="7803" y="0"/>
+                </a:cubicBezTo>
+                <a:lnTo>
+                  <a:pt x="7275" y="0"/>
+                </a:lnTo>
+                <a:lnTo>
+                  <a:pt x="0" y="70"/>
+                </a:lnTo>
+                <a:cubicBezTo>
+                  <a:pt x="8" y="3380"/>
+                  <a:pt x="17" y="6690"/>
+                  <a:pt x="25" y="10000"/>
+                </a:cubicBezTo>
+                <a:lnTo>
+                  <a:pt x="7275" y="9966"/>
+                </a:lnTo>
+                <a:lnTo>
+                  <a:pt x="7803" y="9966"/>
+                </a:lnTo>
+                <a:cubicBezTo>
+                  <a:pt x="7831" y="9966"/>
+                  <a:pt x="7859" y="9872"/>
+                  <a:pt x="7886" y="9872"/>
+                </a:cubicBezTo>
+                <a:cubicBezTo>
+                  <a:pt x="7886" y="9778"/>
+                  <a:pt x="7915" y="9778"/>
+                  <a:pt x="7915" y="9778"/>
+                </a:cubicBezTo>
+                <a:lnTo>
+                  <a:pt x="9248" y="5265"/>
+                </a:lnTo>
+                <a:cubicBezTo>
+                  <a:pt x="9303" y="5077"/>
+                  <a:pt x="9303" y="4889"/>
+                  <a:pt x="9248" y="4701"/>
+                </a:cubicBezTo>
+                <a:close/>
+              </a:path>
+            </a:pathLst>
+          </a:custGeom>
+          <a:solidFill>
+            <a:schemeClr val="accent1"/>
+          </a:solidFill>
+          <a:ln>
+            <a:noFill/>
+          </a:ln>
+        </p:spPr>
+      </p:sp>
+      <p:sp>
+        <p:nvSpPr>
+          <p:cNvPr id="11" name="Slide Number Placeholder 5"/>
+          <p:cNvSpPr>
+            <a:spLocks noGrp="1"/>
+          </p:cNvSpPr>
+          <p:nvPr>
+            <p:ph type="sldNum" sz="quarter" idx="12"/>
           </p:nvPr>
         </p:nvSpPr>
         <p:spPr>
           <a:xfrm>
-            <a:off x="6172200" y="1825625"/>
-            <a:ext cx="5181600" cy="4351338"/>
+            <a:off x="531812" y="787782"/>
+            <a:ext cx="779767" cy="365125"/>
           </a:xfrm>
         </p:spPr>
-        <p:txBody>
-          <a:bodyPr/>
-          <a:lstStyle/>
-          <a:p>
-            <a:pPr lvl="0"/>
-            <a:r>
-              <a:rPr lang="es-ES" smtClean="0"/>
-              <a:t>Editar el estilo de texto del patrón</a:t>
-            </a:r>
-          </a:p>
-          <a:p>
-            <a:pPr lvl="1"/>
-            <a:r>
-              <a:rPr lang="es-ES" smtClean="0"/>
-              <a:t>Segundo nivel</a:t>
-            </a:r>
-          </a:p>
-          <a:p>
-            <a:pPr lvl="2"/>
-            <a:r>
-              <a:rPr lang="es-ES" smtClean="0"/>
-              <a:t>Tercer nivel</a:t>
-            </a:r>
-          </a:p>
-          <a:p>
-            <a:pPr lvl="3"/>
-            <a:r>
-              <a:rPr lang="es-ES" smtClean="0"/>
-              <a:t>Cuarto nivel</a:t>
-            </a:r>
-          </a:p>
-          <a:p>
-            <a:pPr lvl="4"/>
-            <a:r>
-              <a:rPr lang="es-ES" smtClean="0"/>
-              <a:t>Quinto nivel</a:t>
-            </a:r>
-            <a:endParaRPr lang="en-US"/>
-          </a:p>
-        </p:txBody>
-      </p:sp>
-      <p:sp>
-        <p:nvSpPr>
-          <p:cNvPr id="5" name="Marcador de fecha 4"/>
-          <p:cNvSpPr>
-            <a:spLocks noGrp="1"/>
-          </p:cNvSpPr>
-          <p:nvPr>
-            <p:ph type="dt" sz="half" idx="10"/>
-          </p:nvPr>
-        </p:nvSpPr>
-        <p:spPr/>
-        <p:txBody>
-          <a:bodyPr/>
-          <a:lstStyle/>
-          <a:p>
-            <a:fld id="{CA4F40FF-563B-4111-A958-728949FF0409}" type="datetimeFigureOut">
-              <a:rPr lang="en-US" smtClean="0"/>
-              <a:t>10/20/2020</a:t>
-            </a:fld>
-            <a:endParaRPr lang="en-US"/>
-          </a:p>
-        </p:txBody>
-      </p:sp>
-      <p:sp>
-        <p:nvSpPr>
-          <p:cNvPr id="6" name="Marcador de pie de página 5"/>
-          <p:cNvSpPr>
-            <a:spLocks noGrp="1"/>
-          </p:cNvSpPr>
-          <p:nvPr>
-            <p:ph type="ftr" sz="quarter" idx="11"/>
-          </p:nvPr>
-        </p:nvSpPr>
-        <p:spPr/>
-        <p:txBody>
-          <a:bodyPr/>
-          <a:lstStyle/>
-          <a:p>
-            <a:endParaRPr lang="en-US"/>
-          </a:p>
-        </p:txBody>
-      </p:sp>
-      <p:sp>
-        <p:nvSpPr>
-          <p:cNvPr id="7" name="Marcador de número de diapositiva 6"/>
-          <p:cNvSpPr>
-            <a:spLocks noGrp="1"/>
-          </p:cNvSpPr>
-          <p:nvPr>
-            <p:ph type="sldNum" sz="quarter" idx="12"/>
-          </p:nvPr>
-        </p:nvSpPr>
-        <p:spPr/>
         <p:txBody>
           <a:bodyPr/>
           <a:lstStyle/>
@@ -1293,7 +3669,7 @@
     </p:spTree>
     <p:extLst>
       <p:ext uri="{BB962C8B-B14F-4D97-AF65-F5344CB8AC3E}">
-        <p14:creationId xmlns:p14="http://schemas.microsoft.com/office/powerpoint/2010/main" val="2204812848"/>
+        <p14:creationId xmlns:p14="http://schemas.microsoft.com/office/powerpoint/2010/main" val="364705280"/>
       </p:ext>
     </p:extLst>
   </p:cSld>
@@ -1322,54 +3698,51 @@
       </p:grpSpPr>
       <p:sp>
         <p:nvSpPr>
-          <p:cNvPr id="2" name="Título 1"/>
+          <p:cNvPr id="10" name="Title 9"/>
           <p:cNvSpPr>
             <a:spLocks noGrp="1"/>
           </p:cNvSpPr>
           <p:nvPr>
             <p:ph type="title"/>
+          </p:nvPr>
+        </p:nvSpPr>
+        <p:spPr/>
+        <p:txBody>
+          <a:bodyPr/>
+          <a:lstStyle/>
+          <a:p>
+            <a:r>
+              <a:rPr lang="es-ES" smtClean="0"/>
+              <a:t>Haga clic para modificar el estilo de título del patrón</a:t>
+            </a:r>
+            <a:endParaRPr lang="en-US" dirty="0"/>
+          </a:p>
+        </p:txBody>
+      </p:sp>
+      <p:sp>
+        <p:nvSpPr>
+          <p:cNvPr id="3" name="Text Placeholder 2"/>
+          <p:cNvSpPr>
+            <a:spLocks noGrp="1"/>
+          </p:cNvSpPr>
+          <p:nvPr>
+            <p:ph type="body" idx="1"/>
           </p:nvPr>
         </p:nvSpPr>
         <p:spPr>
           <a:xfrm>
-            <a:off x="839788" y="365125"/>
-            <a:ext cx="10515600" cy="1325563"/>
+            <a:off x="2939373" y="1972703"/>
+            <a:ext cx="3992732" cy="576262"/>
           </a:xfrm>
         </p:spPr>
         <p:txBody>
-          <a:bodyPr/>
-          <a:lstStyle/>
-          <a:p>
-            <a:r>
-              <a:rPr lang="es-ES" smtClean="0"/>
-              <a:t>Haga clic para modificar el estilo de título del patrón</a:t>
-            </a:r>
-            <a:endParaRPr lang="en-US"/>
-          </a:p>
-        </p:txBody>
-      </p:sp>
-      <p:sp>
-        <p:nvSpPr>
-          <p:cNvPr id="3" name="Marcador de texto 2"/>
-          <p:cNvSpPr>
-            <a:spLocks noGrp="1"/>
-          </p:cNvSpPr>
-          <p:nvPr>
-            <p:ph type="body" idx="1"/>
-          </p:nvPr>
-        </p:nvSpPr>
-        <p:spPr>
-          <a:xfrm>
-            <a:off x="839788" y="1681163"/>
-            <a:ext cx="5157787" cy="823912"/>
-          </a:xfrm>
-        </p:spPr>
-        <p:txBody>
-          <a:bodyPr anchor="b"/>
+          <a:bodyPr anchor="b">
+            <a:noAutofit/>
+          </a:bodyPr>
           <a:lstStyle>
             <a:lvl1pPr marL="0" indent="0">
               <a:buNone/>
-              <a:defRPr sz="2400" b="1"/>
+              <a:defRPr sz="2400" b="0"/>
             </a:lvl1pPr>
             <a:lvl2pPr marL="457200" indent="0">
               <a:buNone/>
@@ -1415,7 +3788,7 @@
       </p:sp>
       <p:sp>
         <p:nvSpPr>
-          <p:cNvPr id="4" name="Marcador de contenido 3"/>
+          <p:cNvPr id="4" name="Content Placeholder 3"/>
           <p:cNvSpPr>
             <a:spLocks noGrp="1"/>
           </p:cNvSpPr>
@@ -1425,12 +3798,14 @@
         </p:nvSpPr>
         <p:spPr>
           <a:xfrm>
-            <a:off x="839788" y="2505075"/>
-            <a:ext cx="5157787" cy="3684588"/>
+            <a:off x="2589212" y="2548966"/>
+            <a:ext cx="4342893" cy="3354060"/>
           </a:xfrm>
         </p:spPr>
         <p:txBody>
-          <a:bodyPr/>
+          <a:bodyPr>
+            <a:normAutofit/>
+          </a:bodyPr>
           <a:lstStyle/>
           <a:p>
             <a:pPr lvl="0"/>
@@ -1466,13 +3841,13 @@
               <a:rPr lang="es-ES" smtClean="0"/>
               <a:t>Quinto nivel</a:t>
             </a:r>
-            <a:endParaRPr lang="en-US"/>
-          </a:p>
-        </p:txBody>
-      </p:sp>
-      <p:sp>
-        <p:nvSpPr>
-          <p:cNvPr id="5" name="Marcador de texto 4"/>
+            <a:endParaRPr lang="en-US" dirty="0"/>
+          </a:p>
+        </p:txBody>
+      </p:sp>
+      <p:sp>
+        <p:nvSpPr>
+          <p:cNvPr id="5" name="Text Placeholder 4"/>
           <p:cNvSpPr>
             <a:spLocks noGrp="1"/>
           </p:cNvSpPr>
@@ -1482,16 +3857,18 @@
         </p:nvSpPr>
         <p:spPr>
           <a:xfrm>
-            <a:off x="6172200" y="1681163"/>
-            <a:ext cx="5183188" cy="823912"/>
+            <a:off x="7506629" y="1969475"/>
+            <a:ext cx="3999001" cy="576262"/>
           </a:xfrm>
         </p:spPr>
         <p:txBody>
-          <a:bodyPr anchor="b"/>
+          <a:bodyPr anchor="b">
+            <a:noAutofit/>
+          </a:bodyPr>
           <a:lstStyle>
             <a:lvl1pPr marL="0" indent="0">
               <a:buNone/>
-              <a:defRPr sz="2400" b="1"/>
+              <a:defRPr sz="2400" b="0"/>
             </a:lvl1pPr>
             <a:lvl2pPr marL="457200" indent="0">
               <a:buNone/>
@@ -1537,7 +3914,7 @@
       </p:sp>
       <p:sp>
         <p:nvSpPr>
-          <p:cNvPr id="6" name="Marcador de contenido 5"/>
+          <p:cNvPr id="6" name="Content Placeholder 5"/>
           <p:cNvSpPr>
             <a:spLocks noGrp="1"/>
           </p:cNvSpPr>
@@ -1547,59 +3924,84 @@
         </p:nvSpPr>
         <p:spPr>
           <a:xfrm>
-            <a:off x="6172200" y="2505075"/>
-            <a:ext cx="5183188" cy="3684588"/>
+            <a:off x="7166957" y="2545738"/>
+            <a:ext cx="4338674" cy="3354060"/>
           </a:xfrm>
         </p:spPr>
         <p:txBody>
+          <a:bodyPr>
+            <a:normAutofit/>
+          </a:bodyPr>
+          <a:lstStyle/>
+          <a:p>
+            <a:pPr lvl="0"/>
+            <a:r>
+              <a:rPr lang="es-ES" smtClean="0"/>
+              <a:t>Editar el estilo de texto del patrón</a:t>
+            </a:r>
+          </a:p>
+          <a:p>
+            <a:pPr lvl="1"/>
+            <a:r>
+              <a:rPr lang="es-ES" smtClean="0"/>
+              <a:t>Segundo nivel</a:t>
+            </a:r>
+          </a:p>
+          <a:p>
+            <a:pPr lvl="2"/>
+            <a:r>
+              <a:rPr lang="es-ES" smtClean="0"/>
+              <a:t>Tercer nivel</a:t>
+            </a:r>
+          </a:p>
+          <a:p>
+            <a:pPr lvl="3"/>
+            <a:r>
+              <a:rPr lang="es-ES" smtClean="0"/>
+              <a:t>Cuarto nivel</a:t>
+            </a:r>
+          </a:p>
+          <a:p>
+            <a:pPr lvl="4"/>
+            <a:r>
+              <a:rPr lang="es-ES" smtClean="0"/>
+              <a:t>Quinto nivel</a:t>
+            </a:r>
+            <a:endParaRPr lang="en-US" dirty="0"/>
+          </a:p>
+        </p:txBody>
+      </p:sp>
+      <p:sp>
+        <p:nvSpPr>
+          <p:cNvPr id="7" name="Date Placeholder 6"/>
+          <p:cNvSpPr>
+            <a:spLocks noGrp="1"/>
+          </p:cNvSpPr>
+          <p:nvPr>
+            <p:ph type="dt" sz="half" idx="10"/>
+          </p:nvPr>
+        </p:nvSpPr>
+        <p:spPr/>
+        <p:txBody>
           <a:bodyPr/>
           <a:lstStyle/>
           <a:p>
-            <a:pPr lvl="0"/>
-            <a:r>
-              <a:rPr lang="es-ES" smtClean="0"/>
-              <a:t>Editar el estilo de texto del patrón</a:t>
-            </a:r>
-          </a:p>
-          <a:p>
-            <a:pPr lvl="1"/>
-            <a:r>
-              <a:rPr lang="es-ES" smtClean="0"/>
-              <a:t>Segundo nivel</a:t>
-            </a:r>
-          </a:p>
-          <a:p>
-            <a:pPr lvl="2"/>
-            <a:r>
-              <a:rPr lang="es-ES" smtClean="0"/>
-              <a:t>Tercer nivel</a:t>
-            </a:r>
-          </a:p>
-          <a:p>
-            <a:pPr lvl="3"/>
-            <a:r>
-              <a:rPr lang="es-ES" smtClean="0"/>
-              <a:t>Cuarto nivel</a:t>
-            </a:r>
-          </a:p>
-          <a:p>
-            <a:pPr lvl="4"/>
-            <a:r>
-              <a:rPr lang="es-ES" smtClean="0"/>
-              <a:t>Quinto nivel</a:t>
-            </a:r>
+            <a:fld id="{CA4F40FF-563B-4111-A958-728949FF0409}" type="datetimeFigureOut">
+              <a:rPr lang="en-US" smtClean="0"/>
+              <a:t>10/21/2020</a:t>
+            </a:fld>
             <a:endParaRPr lang="en-US"/>
           </a:p>
         </p:txBody>
       </p:sp>
       <p:sp>
         <p:nvSpPr>
-          <p:cNvPr id="7" name="Marcador de fecha 6"/>
-          <p:cNvSpPr>
-            <a:spLocks noGrp="1"/>
-          </p:cNvSpPr>
-          <p:nvPr>
-            <p:ph type="dt" sz="half" idx="10"/>
+          <p:cNvPr id="8" name="Footer Placeholder 7"/>
+          <p:cNvSpPr>
+            <a:spLocks noGrp="1"/>
+          </p:cNvSpPr>
+          <p:nvPr>
+            <p:ph type="ftr" sz="quarter" idx="11"/>
           </p:nvPr>
         </p:nvSpPr>
         <p:spPr/>
@@ -1607,36 +4009,95 @@
           <a:bodyPr/>
           <a:lstStyle/>
           <a:p>
-            <a:fld id="{CA4F40FF-563B-4111-A958-728949FF0409}" type="datetimeFigureOut">
-              <a:rPr lang="en-US" smtClean="0"/>
-              <a:t>10/20/2020</a:t>
-            </a:fld>
             <a:endParaRPr lang="en-US"/>
           </a:p>
         </p:txBody>
       </p:sp>
       <p:sp>
         <p:nvSpPr>
-          <p:cNvPr id="8" name="Marcador de pie de página 7"/>
-          <p:cNvSpPr>
-            <a:spLocks noGrp="1"/>
-          </p:cNvSpPr>
-          <p:nvPr>
-            <p:ph type="ftr" sz="quarter" idx="11"/>
-          </p:nvPr>
-        </p:nvSpPr>
-        <p:spPr/>
-        <p:txBody>
-          <a:bodyPr/>
-          <a:lstStyle/>
-          <a:p>
-            <a:endParaRPr lang="en-US"/>
-          </a:p>
-        </p:txBody>
-      </p:sp>
-      <p:sp>
-        <p:nvSpPr>
-          <p:cNvPr id="9" name="Marcador de número de diapositiva 8"/>
+          <p:cNvPr id="12" name="Freeform 11"/>
+          <p:cNvSpPr/>
+          <p:nvPr/>
+        </p:nvSpPr>
+        <p:spPr bwMode="auto">
+          <a:xfrm flipV="1">
+            <a:off x="-4189" y="714375"/>
+            <a:ext cx="1588527" cy="507297"/>
+          </a:xfrm>
+          <a:custGeom>
+            <a:avLst/>
+            <a:gdLst/>
+            <a:ahLst/>
+            <a:cxnLst/>
+            <a:rect l="l" t="t" r="r" b="b"/>
+            <a:pathLst>
+              <a:path w="9248" h="10000">
+                <a:moveTo>
+                  <a:pt x="9248" y="4701"/>
+                </a:moveTo>
+                <a:lnTo>
+                  <a:pt x="7915" y="188"/>
+                </a:lnTo>
+                <a:cubicBezTo>
+                  <a:pt x="7906" y="156"/>
+                  <a:pt x="7895" y="126"/>
+                  <a:pt x="7886" y="94"/>
+                </a:cubicBezTo>
+                <a:cubicBezTo>
+                  <a:pt x="7859" y="0"/>
+                  <a:pt x="7831" y="0"/>
+                  <a:pt x="7803" y="0"/>
+                </a:cubicBezTo>
+                <a:lnTo>
+                  <a:pt x="7275" y="0"/>
+                </a:lnTo>
+                <a:lnTo>
+                  <a:pt x="0" y="70"/>
+                </a:lnTo>
+                <a:cubicBezTo>
+                  <a:pt x="8" y="3380"/>
+                  <a:pt x="17" y="6690"/>
+                  <a:pt x="25" y="10000"/>
+                </a:cubicBezTo>
+                <a:lnTo>
+                  <a:pt x="7275" y="9966"/>
+                </a:lnTo>
+                <a:lnTo>
+                  <a:pt x="7803" y="9966"/>
+                </a:lnTo>
+                <a:cubicBezTo>
+                  <a:pt x="7831" y="9966"/>
+                  <a:pt x="7859" y="9872"/>
+                  <a:pt x="7886" y="9872"/>
+                </a:cubicBezTo>
+                <a:cubicBezTo>
+                  <a:pt x="7886" y="9778"/>
+                  <a:pt x="7915" y="9778"/>
+                  <a:pt x="7915" y="9778"/>
+                </a:cubicBezTo>
+                <a:lnTo>
+                  <a:pt x="9248" y="5265"/>
+                </a:lnTo>
+                <a:cubicBezTo>
+                  <a:pt x="9303" y="5077"/>
+                  <a:pt x="9303" y="4889"/>
+                  <a:pt x="9248" y="4701"/>
+                </a:cubicBezTo>
+                <a:close/>
+              </a:path>
+            </a:pathLst>
+          </a:custGeom>
+          <a:solidFill>
+            <a:schemeClr val="accent1"/>
+          </a:solidFill>
+          <a:ln>
+            <a:noFill/>
+          </a:ln>
+        </p:spPr>
+      </p:sp>
+      <p:sp>
+        <p:nvSpPr>
+          <p:cNvPr id="13" name="Slide Number Placeholder 5"/>
           <p:cNvSpPr>
             <a:spLocks noGrp="1"/>
           </p:cNvSpPr>
@@ -1644,7 +4105,12 @@
             <p:ph type="sldNum" sz="quarter" idx="12"/>
           </p:nvPr>
         </p:nvSpPr>
-        <p:spPr/>
+        <p:spPr>
+          <a:xfrm>
+            <a:off x="531812" y="787782"/>
+            <a:ext cx="779767" cy="365125"/>
+          </a:xfrm>
+        </p:spPr>
         <p:txBody>
           <a:bodyPr/>
           <a:lstStyle/>
@@ -1660,7 +4126,7 @@
     </p:spTree>
     <p:extLst>
       <p:ext uri="{BB962C8B-B14F-4D97-AF65-F5344CB8AC3E}">
-        <p14:creationId xmlns:p14="http://schemas.microsoft.com/office/powerpoint/2010/main" val="4285968703"/>
+        <p14:creationId xmlns:p14="http://schemas.microsoft.com/office/powerpoint/2010/main" val="3383421737"/>
       </p:ext>
     </p:extLst>
   </p:cSld>
@@ -1689,7 +4155,7 @@
       </p:grpSpPr>
       <p:sp>
         <p:nvSpPr>
-          <p:cNvPr id="2" name="Título 1"/>
+          <p:cNvPr id="2" name="Title 1"/>
           <p:cNvSpPr>
             <a:spLocks noGrp="1"/>
           </p:cNvSpPr>
@@ -1706,13 +4172,13 @@
               <a:rPr lang="es-ES" smtClean="0"/>
               <a:t>Haga clic para modificar el estilo de título del patrón</a:t>
             </a:r>
-            <a:endParaRPr lang="en-US"/>
-          </a:p>
-        </p:txBody>
-      </p:sp>
-      <p:sp>
-        <p:nvSpPr>
-          <p:cNvPr id="3" name="Marcador de fecha 2"/>
+            <a:endParaRPr lang="en-US" dirty="0"/>
+          </a:p>
+        </p:txBody>
+      </p:sp>
+      <p:sp>
+        <p:nvSpPr>
+          <p:cNvPr id="3" name="Date Placeholder 2"/>
           <p:cNvSpPr>
             <a:spLocks noGrp="1"/>
           </p:cNvSpPr>
@@ -1727,7 +4193,7 @@
           <a:p>
             <a:fld id="{CA4F40FF-563B-4111-A958-728949FF0409}" type="datetimeFigureOut">
               <a:rPr lang="en-US" smtClean="0"/>
-              <a:t>10/20/2020</a:t>
+              <a:t>10/21/2020</a:t>
             </a:fld>
             <a:endParaRPr lang="en-US"/>
           </a:p>
@@ -1735,7 +4201,7 @@
       </p:sp>
       <p:sp>
         <p:nvSpPr>
-          <p:cNvPr id="4" name="Marcador de pie de página 3"/>
+          <p:cNvPr id="4" name="Footer Placeholder 3"/>
           <p:cNvSpPr>
             <a:spLocks noGrp="1"/>
           </p:cNvSpPr>
@@ -1754,7 +4220,89 @@
       </p:sp>
       <p:sp>
         <p:nvSpPr>
-          <p:cNvPr id="5" name="Marcador de número de diapositiva 4"/>
+          <p:cNvPr id="7" name="Freeform 11"/>
+          <p:cNvSpPr/>
+          <p:nvPr/>
+        </p:nvSpPr>
+        <p:spPr bwMode="auto">
+          <a:xfrm flipV="1">
+            <a:off x="-4189" y="714375"/>
+            <a:ext cx="1588527" cy="507297"/>
+          </a:xfrm>
+          <a:custGeom>
+            <a:avLst/>
+            <a:gdLst/>
+            <a:ahLst/>
+            <a:cxnLst/>
+            <a:rect l="l" t="t" r="r" b="b"/>
+            <a:pathLst>
+              <a:path w="9248" h="10000">
+                <a:moveTo>
+                  <a:pt x="9248" y="4701"/>
+                </a:moveTo>
+                <a:lnTo>
+                  <a:pt x="7915" y="188"/>
+                </a:lnTo>
+                <a:cubicBezTo>
+                  <a:pt x="7906" y="156"/>
+                  <a:pt x="7895" y="126"/>
+                  <a:pt x="7886" y="94"/>
+                </a:cubicBezTo>
+                <a:cubicBezTo>
+                  <a:pt x="7859" y="0"/>
+                  <a:pt x="7831" y="0"/>
+                  <a:pt x="7803" y="0"/>
+                </a:cubicBezTo>
+                <a:lnTo>
+                  <a:pt x="7275" y="0"/>
+                </a:lnTo>
+                <a:lnTo>
+                  <a:pt x="0" y="70"/>
+                </a:lnTo>
+                <a:cubicBezTo>
+                  <a:pt x="8" y="3380"/>
+                  <a:pt x="17" y="6690"/>
+                  <a:pt x="25" y="10000"/>
+                </a:cubicBezTo>
+                <a:lnTo>
+                  <a:pt x="7275" y="9966"/>
+                </a:lnTo>
+                <a:lnTo>
+                  <a:pt x="7803" y="9966"/>
+                </a:lnTo>
+                <a:cubicBezTo>
+                  <a:pt x="7831" y="9966"/>
+                  <a:pt x="7859" y="9872"/>
+                  <a:pt x="7886" y="9872"/>
+                </a:cubicBezTo>
+                <a:cubicBezTo>
+                  <a:pt x="7886" y="9778"/>
+                  <a:pt x="7915" y="9778"/>
+                  <a:pt x="7915" y="9778"/>
+                </a:cubicBezTo>
+                <a:lnTo>
+                  <a:pt x="9248" y="5265"/>
+                </a:lnTo>
+                <a:cubicBezTo>
+                  <a:pt x="9303" y="5077"/>
+                  <a:pt x="9303" y="4889"/>
+                  <a:pt x="9248" y="4701"/>
+                </a:cubicBezTo>
+                <a:close/>
+              </a:path>
+            </a:pathLst>
+          </a:custGeom>
+          <a:solidFill>
+            <a:schemeClr val="accent1"/>
+          </a:solidFill>
+          <a:ln>
+            <a:noFill/>
+          </a:ln>
+        </p:spPr>
+      </p:sp>
+      <p:sp>
+        <p:nvSpPr>
+          <p:cNvPr id="5" name="Slide Number Placeholder 4"/>
           <p:cNvSpPr>
             <a:spLocks noGrp="1"/>
           </p:cNvSpPr>
@@ -1778,7 +4326,7 @@
     </p:spTree>
     <p:extLst>
       <p:ext uri="{BB962C8B-B14F-4D97-AF65-F5344CB8AC3E}">
-        <p14:creationId xmlns:p14="http://schemas.microsoft.com/office/powerpoint/2010/main" val="3585318453"/>
+        <p14:creationId xmlns:p14="http://schemas.microsoft.com/office/powerpoint/2010/main" val="810043957"/>
       </p:ext>
     </p:extLst>
   </p:cSld>
@@ -1807,7 +4355,7 @@
       </p:grpSpPr>
       <p:sp>
         <p:nvSpPr>
-          <p:cNvPr id="2" name="Marcador de fecha 1"/>
+          <p:cNvPr id="2" name="Date Placeholder 1"/>
           <p:cNvSpPr>
             <a:spLocks noGrp="1"/>
           </p:cNvSpPr>
@@ -1822,7 +4370,7 @@
           <a:p>
             <a:fld id="{CA4F40FF-563B-4111-A958-728949FF0409}" type="datetimeFigureOut">
               <a:rPr lang="en-US" smtClean="0"/>
-              <a:t>10/20/2020</a:t>
+              <a:t>10/21/2020</a:t>
             </a:fld>
             <a:endParaRPr lang="en-US"/>
           </a:p>
@@ -1830,7 +4378,7 @@
       </p:sp>
       <p:sp>
         <p:nvSpPr>
-          <p:cNvPr id="3" name="Marcador de pie de página 2"/>
+          <p:cNvPr id="3" name="Footer Placeholder 2"/>
           <p:cNvSpPr>
             <a:spLocks noGrp="1"/>
           </p:cNvSpPr>
@@ -1849,7 +4397,89 @@
       </p:sp>
       <p:sp>
         <p:nvSpPr>
-          <p:cNvPr id="4" name="Marcador de número de diapositiva 3"/>
+          <p:cNvPr id="6" name="Freeform 11"/>
+          <p:cNvSpPr/>
+          <p:nvPr/>
+        </p:nvSpPr>
+        <p:spPr bwMode="auto">
+          <a:xfrm flipV="1">
+            <a:off x="-4189" y="714375"/>
+            <a:ext cx="1588527" cy="507297"/>
+          </a:xfrm>
+          <a:custGeom>
+            <a:avLst/>
+            <a:gdLst/>
+            <a:ahLst/>
+            <a:cxnLst/>
+            <a:rect l="l" t="t" r="r" b="b"/>
+            <a:pathLst>
+              <a:path w="9248" h="10000">
+                <a:moveTo>
+                  <a:pt x="9248" y="4701"/>
+                </a:moveTo>
+                <a:lnTo>
+                  <a:pt x="7915" y="188"/>
+                </a:lnTo>
+                <a:cubicBezTo>
+                  <a:pt x="7906" y="156"/>
+                  <a:pt x="7895" y="126"/>
+                  <a:pt x="7886" y="94"/>
+                </a:cubicBezTo>
+                <a:cubicBezTo>
+                  <a:pt x="7859" y="0"/>
+                  <a:pt x="7831" y="0"/>
+                  <a:pt x="7803" y="0"/>
+                </a:cubicBezTo>
+                <a:lnTo>
+                  <a:pt x="7275" y="0"/>
+                </a:lnTo>
+                <a:lnTo>
+                  <a:pt x="0" y="70"/>
+                </a:lnTo>
+                <a:cubicBezTo>
+                  <a:pt x="8" y="3380"/>
+                  <a:pt x="17" y="6690"/>
+                  <a:pt x="25" y="10000"/>
+                </a:cubicBezTo>
+                <a:lnTo>
+                  <a:pt x="7275" y="9966"/>
+                </a:lnTo>
+                <a:lnTo>
+                  <a:pt x="7803" y="9966"/>
+                </a:lnTo>
+                <a:cubicBezTo>
+                  <a:pt x="7831" y="9966"/>
+                  <a:pt x="7859" y="9872"/>
+                  <a:pt x="7886" y="9872"/>
+                </a:cubicBezTo>
+                <a:cubicBezTo>
+                  <a:pt x="7886" y="9778"/>
+                  <a:pt x="7915" y="9778"/>
+                  <a:pt x="7915" y="9778"/>
+                </a:cubicBezTo>
+                <a:lnTo>
+                  <a:pt x="9248" y="5265"/>
+                </a:lnTo>
+                <a:cubicBezTo>
+                  <a:pt x="9303" y="5077"/>
+                  <a:pt x="9303" y="4889"/>
+                  <a:pt x="9248" y="4701"/>
+                </a:cubicBezTo>
+                <a:close/>
+              </a:path>
+            </a:pathLst>
+          </a:custGeom>
+          <a:solidFill>
+            <a:schemeClr val="accent1"/>
+          </a:solidFill>
+          <a:ln>
+            <a:noFill/>
+          </a:ln>
+        </p:spPr>
+      </p:sp>
+      <p:sp>
+        <p:nvSpPr>
+          <p:cNvPr id="4" name="Slide Number Placeholder 3"/>
           <p:cNvSpPr>
             <a:spLocks noGrp="1"/>
           </p:cNvSpPr>
@@ -1873,7 +4503,7 @@
     </p:spTree>
     <p:extLst>
       <p:ext uri="{BB962C8B-B14F-4D97-AF65-F5344CB8AC3E}">
-        <p14:creationId xmlns:p14="http://schemas.microsoft.com/office/powerpoint/2010/main" val="3984811978"/>
+        <p14:creationId xmlns:p14="http://schemas.microsoft.com/office/powerpoint/2010/main" val="921432374"/>
       </p:ext>
     </p:extLst>
   </p:cSld>
@@ -1902,7 +4532,7 @@
       </p:grpSpPr>
       <p:sp>
         <p:nvSpPr>
-          <p:cNvPr id="2" name="Título 1"/>
+          <p:cNvPr id="2" name="Title 1"/>
           <p:cNvSpPr>
             <a:spLocks noGrp="1"/>
           </p:cNvSpPr>
@@ -1912,15 +4542,15 @@
         </p:nvSpPr>
         <p:spPr>
           <a:xfrm>
-            <a:off x="839788" y="457200"/>
-            <a:ext cx="3932237" cy="1600200"/>
+            <a:off x="2589212" y="446088"/>
+            <a:ext cx="3505199" cy="976312"/>
           </a:xfrm>
         </p:spPr>
         <p:txBody>
           <a:bodyPr anchor="b"/>
           <a:lstStyle>
-            <a:lvl1pPr>
-              <a:defRPr sz="3200"/>
+            <a:lvl1pPr algn="l">
+              <a:defRPr sz="2000" b="0"/>
             </a:lvl1pPr>
           </a:lstStyle>
           <a:p>
@@ -1928,13 +4558,13 @@
               <a:rPr lang="es-ES" smtClean="0"/>
               <a:t>Haga clic para modificar el estilo de título del patrón</a:t>
             </a:r>
-            <a:endParaRPr lang="en-US"/>
-          </a:p>
-        </p:txBody>
-      </p:sp>
-      <p:sp>
-        <p:nvSpPr>
-          <p:cNvPr id="3" name="Marcador de contenido 2"/>
+            <a:endParaRPr lang="en-US" dirty="0"/>
+          </a:p>
+        </p:txBody>
+      </p:sp>
+      <p:sp>
+        <p:nvSpPr>
+          <p:cNvPr id="3" name="Content Placeholder 2"/>
           <p:cNvSpPr>
             <a:spLocks noGrp="1"/>
           </p:cNvSpPr>
@@ -1944,41 +4574,15 @@
         </p:nvSpPr>
         <p:spPr>
           <a:xfrm>
-            <a:off x="5183188" y="987425"/>
-            <a:ext cx="6172200" cy="4873625"/>
+            <a:off x="6323012" y="446088"/>
+            <a:ext cx="5181600" cy="5414963"/>
           </a:xfrm>
         </p:spPr>
         <p:txBody>
-          <a:bodyPr/>
-          <a:lstStyle>
-            <a:lvl1pPr>
-              <a:defRPr sz="3200"/>
-            </a:lvl1pPr>
-            <a:lvl2pPr>
-              <a:defRPr sz="2800"/>
-            </a:lvl2pPr>
-            <a:lvl3pPr>
-              <a:defRPr sz="2400"/>
-            </a:lvl3pPr>
-            <a:lvl4pPr>
-              <a:defRPr sz="2000"/>
-            </a:lvl4pPr>
-            <a:lvl5pPr>
-              <a:defRPr sz="2000"/>
-            </a:lvl5pPr>
-            <a:lvl6pPr>
-              <a:defRPr sz="2000"/>
-            </a:lvl6pPr>
-            <a:lvl7pPr>
-              <a:defRPr sz="2000"/>
-            </a:lvl7pPr>
-            <a:lvl8pPr>
-              <a:defRPr sz="2000"/>
-            </a:lvl8pPr>
-            <a:lvl9pPr>
-              <a:defRPr sz="2000"/>
-            </a:lvl9pPr>
-          </a:lstStyle>
+          <a:bodyPr anchor="ctr">
+            <a:normAutofit/>
+          </a:bodyPr>
+          <a:lstStyle/>
           <a:p>
             <a:pPr lvl="0"/>
             <a:r>
@@ -2013,13 +4617,13 @@
               <a:rPr lang="es-ES" smtClean="0"/>
               <a:t>Quinto nivel</a:t>
             </a:r>
-            <a:endParaRPr lang="en-US"/>
-          </a:p>
-        </p:txBody>
-      </p:sp>
-      <p:sp>
-        <p:nvSpPr>
-          <p:cNvPr id="4" name="Marcador de texto 3"/>
+            <a:endParaRPr lang="en-US" dirty="0"/>
+          </a:p>
+        </p:txBody>
+      </p:sp>
+      <p:sp>
+        <p:nvSpPr>
+          <p:cNvPr id="4" name="Text Placeholder 3"/>
           <p:cNvSpPr>
             <a:spLocks noGrp="1"/>
           </p:cNvSpPr>
@@ -2029,8 +4633,8 @@
         </p:nvSpPr>
         <p:spPr>
           <a:xfrm>
-            <a:off x="839788" y="2057400"/>
-            <a:ext cx="3932237" cy="3811588"/>
+            <a:off x="2589212" y="1598613"/>
+            <a:ext cx="3505199" cy="4262436"/>
           </a:xfrm>
         </p:spPr>
         <p:txBody>
@@ -2038,39 +4642,39 @@
           <a:lstStyle>
             <a:lvl1pPr marL="0" indent="0">
               <a:buNone/>
-              <a:defRPr sz="1600"/>
+              <a:defRPr sz="1400"/>
             </a:lvl1pPr>
             <a:lvl2pPr marL="457200" indent="0">
               <a:buNone/>
-              <a:defRPr sz="1400"/>
+              <a:defRPr sz="1200"/>
             </a:lvl2pPr>
             <a:lvl3pPr marL="914400" indent="0">
               <a:buNone/>
-              <a:defRPr sz="1200"/>
+              <a:defRPr sz="1000"/>
             </a:lvl3pPr>
             <a:lvl4pPr marL="1371600" indent="0">
               <a:buNone/>
-              <a:defRPr sz="1000"/>
+              <a:defRPr sz="900"/>
             </a:lvl4pPr>
             <a:lvl5pPr marL="1828800" indent="0">
               <a:buNone/>
-              <a:defRPr sz="1000"/>
+              <a:defRPr sz="900"/>
             </a:lvl5pPr>
             <a:lvl6pPr marL="2286000" indent="0">
               <a:buNone/>
-              <a:defRPr sz="1000"/>
+              <a:defRPr sz="900"/>
             </a:lvl6pPr>
             <a:lvl7pPr marL="2743200" indent="0">
               <a:buNone/>
-              <a:defRPr sz="1000"/>
+              <a:defRPr sz="900"/>
             </a:lvl7pPr>
             <a:lvl8pPr marL="3200400" indent="0">
               <a:buNone/>
-              <a:defRPr sz="1000"/>
+              <a:defRPr sz="900"/>
             </a:lvl8pPr>
             <a:lvl9pPr marL="3657600" indent="0">
               <a:buNone/>
-              <a:defRPr sz="1000"/>
+              <a:defRPr sz="900"/>
             </a:lvl9pPr>
           </a:lstStyle>
           <a:p>
@@ -2084,7 +4688,7 @@
       </p:sp>
       <p:sp>
         <p:nvSpPr>
-          <p:cNvPr id="5" name="Marcador de fecha 4"/>
+          <p:cNvPr id="5" name="Date Placeholder 4"/>
           <p:cNvSpPr>
             <a:spLocks noGrp="1"/>
           </p:cNvSpPr>
@@ -2099,7 +4703,7 @@
           <a:p>
             <a:fld id="{CA4F40FF-563B-4111-A958-728949FF0409}" type="datetimeFigureOut">
               <a:rPr lang="en-US" smtClean="0"/>
-              <a:t>10/20/2020</a:t>
+              <a:t>10/21/2020</a:t>
             </a:fld>
             <a:endParaRPr lang="en-US"/>
           </a:p>
@@ -2107,7 +4711,7 @@
       </p:sp>
       <p:sp>
         <p:nvSpPr>
-          <p:cNvPr id="6" name="Marcador de pie de página 5"/>
+          <p:cNvPr id="6" name="Footer Placeholder 5"/>
           <p:cNvSpPr>
             <a:spLocks noGrp="1"/>
           </p:cNvSpPr>
@@ -2126,7 +4730,89 @@
       </p:sp>
       <p:sp>
         <p:nvSpPr>
-          <p:cNvPr id="7" name="Marcador de número de diapositiva 6"/>
+          <p:cNvPr id="9" name="Freeform 11"/>
+          <p:cNvSpPr/>
+          <p:nvPr/>
+        </p:nvSpPr>
+        <p:spPr bwMode="auto">
+          <a:xfrm flipV="1">
+            <a:off x="-4189" y="714375"/>
+            <a:ext cx="1588527" cy="507297"/>
+          </a:xfrm>
+          <a:custGeom>
+            <a:avLst/>
+            <a:gdLst/>
+            <a:ahLst/>
+            <a:cxnLst/>
+            <a:rect l="l" t="t" r="r" b="b"/>
+            <a:pathLst>
+              <a:path w="9248" h="10000">
+                <a:moveTo>
+                  <a:pt x="9248" y="4701"/>
+                </a:moveTo>
+                <a:lnTo>
+                  <a:pt x="7915" y="188"/>
+                </a:lnTo>
+                <a:cubicBezTo>
+                  <a:pt x="7906" y="156"/>
+                  <a:pt x="7895" y="126"/>
+                  <a:pt x="7886" y="94"/>
+                </a:cubicBezTo>
+                <a:cubicBezTo>
+                  <a:pt x="7859" y="0"/>
+                  <a:pt x="7831" y="0"/>
+                  <a:pt x="7803" y="0"/>
+                </a:cubicBezTo>
+                <a:lnTo>
+                  <a:pt x="7275" y="0"/>
+                </a:lnTo>
+                <a:lnTo>
+                  <a:pt x="0" y="70"/>
+                </a:lnTo>
+                <a:cubicBezTo>
+                  <a:pt x="8" y="3380"/>
+                  <a:pt x="17" y="6690"/>
+                  <a:pt x="25" y="10000"/>
+                </a:cubicBezTo>
+                <a:lnTo>
+                  <a:pt x="7275" y="9966"/>
+                </a:lnTo>
+                <a:lnTo>
+                  <a:pt x="7803" y="9966"/>
+                </a:lnTo>
+                <a:cubicBezTo>
+                  <a:pt x="7831" y="9966"/>
+                  <a:pt x="7859" y="9872"/>
+                  <a:pt x="7886" y="9872"/>
+                </a:cubicBezTo>
+                <a:cubicBezTo>
+                  <a:pt x="7886" y="9778"/>
+                  <a:pt x="7915" y="9778"/>
+                  <a:pt x="7915" y="9778"/>
+                </a:cubicBezTo>
+                <a:lnTo>
+                  <a:pt x="9248" y="5265"/>
+                </a:lnTo>
+                <a:cubicBezTo>
+                  <a:pt x="9303" y="5077"/>
+                  <a:pt x="9303" y="4889"/>
+                  <a:pt x="9248" y="4701"/>
+                </a:cubicBezTo>
+                <a:close/>
+              </a:path>
+            </a:pathLst>
+          </a:custGeom>
+          <a:solidFill>
+            <a:schemeClr val="accent1"/>
+          </a:solidFill>
+          <a:ln>
+            <a:noFill/>
+          </a:ln>
+        </p:spPr>
+      </p:sp>
+      <p:sp>
+        <p:nvSpPr>
+          <p:cNvPr id="7" name="Slide Number Placeholder 6"/>
           <p:cNvSpPr>
             <a:spLocks noGrp="1"/>
           </p:cNvSpPr>
@@ -2150,7 +4836,7 @@
     </p:spTree>
     <p:extLst>
       <p:ext uri="{BB962C8B-B14F-4D97-AF65-F5344CB8AC3E}">
-        <p14:creationId xmlns:p14="http://schemas.microsoft.com/office/powerpoint/2010/main" val="249954820"/>
+        <p14:creationId xmlns:p14="http://schemas.microsoft.com/office/powerpoint/2010/main" val="277785223"/>
       </p:ext>
     </p:extLst>
   </p:cSld>
@@ -2179,7 +4865,7 @@
       </p:grpSpPr>
       <p:sp>
         <p:nvSpPr>
-          <p:cNvPr id="2" name="Título 1"/>
+          <p:cNvPr id="2" name="Title 1"/>
           <p:cNvSpPr>
             <a:spLocks noGrp="1"/>
           </p:cNvSpPr>
@@ -2189,15 +4875,17 @@
         </p:nvSpPr>
         <p:spPr>
           <a:xfrm>
-            <a:off x="839788" y="457200"/>
-            <a:ext cx="3932237" cy="1600200"/>
+            <a:off x="2589213" y="4800600"/>
+            <a:ext cx="8915400" cy="566738"/>
           </a:xfrm>
         </p:spPr>
         <p:txBody>
-          <a:bodyPr anchor="b"/>
+          <a:bodyPr anchor="b">
+            <a:normAutofit/>
+          </a:bodyPr>
           <a:lstStyle>
-            <a:lvl1pPr>
-              <a:defRPr sz="3200"/>
+            <a:lvl1pPr algn="l">
+              <a:defRPr sz="2400" b="0"/>
             </a:lvl1pPr>
           </a:lstStyle>
           <a:p>
@@ -2205,15 +4893,15 @@
               <a:rPr lang="es-ES" smtClean="0"/>
               <a:t>Haga clic para modificar el estilo de título del patrón</a:t>
             </a:r>
-            <a:endParaRPr lang="en-US"/>
-          </a:p>
-        </p:txBody>
-      </p:sp>
-      <p:sp>
-        <p:nvSpPr>
-          <p:cNvPr id="3" name="Marcador de posición de imagen 2"/>
-          <p:cNvSpPr>
-            <a:spLocks noGrp="1"/>
+            <a:endParaRPr lang="en-US" dirty="0"/>
+          </a:p>
+        </p:txBody>
+      </p:sp>
+      <p:sp>
+        <p:nvSpPr>
+          <p:cNvPr id="3" name="Picture Placeholder 2"/>
+          <p:cNvSpPr>
+            <a:spLocks noGrp="1" noChangeAspect="1"/>
           </p:cNvSpPr>
           <p:nvPr>
             <p:ph type="pic" idx="1"/>
@@ -2221,112 +4909,120 @@
         </p:nvSpPr>
         <p:spPr>
           <a:xfrm>
-            <a:off x="5183188" y="987425"/>
-            <a:ext cx="6172200" cy="4873625"/>
+            <a:off x="2589212" y="634965"/>
+            <a:ext cx="8915400" cy="3854970"/>
           </a:xfrm>
         </p:spPr>
         <p:txBody>
-          <a:bodyPr/>
+          <a:bodyPr anchor="t">
+            <a:normAutofit/>
+          </a:bodyPr>
           <a:lstStyle>
-            <a:lvl1pPr marL="0" indent="0">
-              <a:buNone/>
-              <a:defRPr sz="3200"/>
-            </a:lvl1pPr>
-            <a:lvl2pPr marL="457200" indent="0">
-              <a:buNone/>
-              <a:defRPr sz="2800"/>
-            </a:lvl2pPr>
-            <a:lvl3pPr marL="914400" indent="0">
-              <a:buNone/>
-              <a:defRPr sz="2400"/>
-            </a:lvl3pPr>
-            <a:lvl4pPr marL="1371600" indent="0">
-              <a:buNone/>
-              <a:defRPr sz="2000"/>
-            </a:lvl4pPr>
-            <a:lvl5pPr marL="1828800" indent="0">
-              <a:buNone/>
-              <a:defRPr sz="2000"/>
-            </a:lvl5pPr>
-            <a:lvl6pPr marL="2286000" indent="0">
-              <a:buNone/>
-              <a:defRPr sz="2000"/>
-            </a:lvl6pPr>
-            <a:lvl7pPr marL="2743200" indent="0">
-              <a:buNone/>
-              <a:defRPr sz="2000"/>
-            </a:lvl7pPr>
-            <a:lvl8pPr marL="3200400" indent="0">
-              <a:buNone/>
-              <a:defRPr sz="2000"/>
-            </a:lvl8pPr>
-            <a:lvl9pPr marL="3657600" indent="0">
-              <a:buNone/>
-              <a:defRPr sz="2000"/>
-            </a:lvl9pPr>
-          </a:lstStyle>
-          <a:p>
-            <a:endParaRPr lang="en-US"/>
-          </a:p>
-        </p:txBody>
-      </p:sp>
-      <p:sp>
-        <p:nvSpPr>
-          <p:cNvPr id="4" name="Marcador de texto 3"/>
-          <p:cNvSpPr>
-            <a:spLocks noGrp="1"/>
-          </p:cNvSpPr>
-          <p:nvPr>
-            <p:ph type="body" sz="half" idx="2"/>
-          </p:nvPr>
-        </p:nvSpPr>
-        <p:spPr>
-          <a:xfrm>
-            <a:off x="839788" y="2057400"/>
-            <a:ext cx="3932237" cy="3811588"/>
-          </a:xfrm>
-        </p:spPr>
-        <p:txBody>
-          <a:bodyPr/>
-          <a:lstStyle>
-            <a:lvl1pPr marL="0" indent="0">
+            <a:lvl1pPr marL="0" indent="0" algn="ctr">
               <a:buNone/>
               <a:defRPr sz="1600"/>
             </a:lvl1pPr>
             <a:lvl2pPr marL="457200" indent="0">
               <a:buNone/>
-              <a:defRPr sz="1400"/>
+              <a:defRPr sz="1600"/>
             </a:lvl2pPr>
             <a:lvl3pPr marL="914400" indent="0">
               <a:buNone/>
-              <a:defRPr sz="1200"/>
+              <a:defRPr sz="1600"/>
             </a:lvl3pPr>
             <a:lvl4pPr marL="1371600" indent="0">
               <a:buNone/>
-              <a:defRPr sz="1000"/>
+              <a:defRPr sz="1600"/>
             </a:lvl4pPr>
             <a:lvl5pPr marL="1828800" indent="0">
               <a:buNone/>
-              <a:defRPr sz="1000"/>
+              <a:defRPr sz="1600"/>
             </a:lvl5pPr>
             <a:lvl6pPr marL="2286000" indent="0">
               <a:buNone/>
-              <a:defRPr sz="1000"/>
+              <a:defRPr sz="1600"/>
             </a:lvl6pPr>
             <a:lvl7pPr marL="2743200" indent="0">
               <a:buNone/>
-              <a:defRPr sz="1000"/>
+              <a:defRPr sz="1600"/>
             </a:lvl7pPr>
             <a:lvl8pPr marL="3200400" indent="0">
               <a:buNone/>
-              <a:defRPr sz="1000"/>
+              <a:defRPr sz="1600"/>
             </a:lvl8pPr>
             <a:lvl9pPr marL="3657600" indent="0">
               <a:buNone/>
-              <a:defRPr sz="1000"/>
+              <a:defRPr sz="1600"/>
             </a:lvl9pPr>
           </a:lstStyle>
           <a:p>
+            <a:r>
+              <a:rPr lang="es-ES" smtClean="0"/>
+              <a:t>Haga clic en el icono para agregar una imagen</a:t>
+            </a:r>
+            <a:endParaRPr lang="en-US" dirty="0"/>
+          </a:p>
+        </p:txBody>
+      </p:sp>
+      <p:sp>
+        <p:nvSpPr>
+          <p:cNvPr id="4" name="Text Placeholder 3"/>
+          <p:cNvSpPr>
+            <a:spLocks noGrp="1"/>
+          </p:cNvSpPr>
+          <p:nvPr>
+            <p:ph type="body" sz="half" idx="2"/>
+          </p:nvPr>
+        </p:nvSpPr>
+        <p:spPr>
+          <a:xfrm>
+            <a:off x="2589213" y="5367338"/>
+            <a:ext cx="8915400" cy="493712"/>
+          </a:xfrm>
+        </p:spPr>
+        <p:txBody>
+          <a:bodyPr>
+            <a:normAutofit/>
+          </a:bodyPr>
+          <a:lstStyle>
+            <a:lvl1pPr marL="0" indent="0">
+              <a:buNone/>
+              <a:defRPr sz="1200"/>
+            </a:lvl1pPr>
+            <a:lvl2pPr marL="457200" indent="0">
+              <a:buNone/>
+              <a:defRPr sz="1200"/>
+            </a:lvl2pPr>
+            <a:lvl3pPr marL="914400" indent="0">
+              <a:buNone/>
+              <a:defRPr sz="1000"/>
+            </a:lvl3pPr>
+            <a:lvl4pPr marL="1371600" indent="0">
+              <a:buNone/>
+              <a:defRPr sz="900"/>
+            </a:lvl4pPr>
+            <a:lvl5pPr marL="1828800" indent="0">
+              <a:buNone/>
+              <a:defRPr sz="900"/>
+            </a:lvl5pPr>
+            <a:lvl6pPr marL="2286000" indent="0">
+              <a:buNone/>
+              <a:defRPr sz="900"/>
+            </a:lvl6pPr>
+            <a:lvl7pPr marL="2743200" indent="0">
+              <a:buNone/>
+              <a:defRPr sz="900"/>
+            </a:lvl7pPr>
+            <a:lvl8pPr marL="3200400" indent="0">
+              <a:buNone/>
+              <a:defRPr sz="900"/>
+            </a:lvl8pPr>
+            <a:lvl9pPr marL="3657600" indent="0">
+              <a:buNone/>
+              <a:defRPr sz="900"/>
+            </a:lvl9pPr>
+          </a:lstStyle>
+          <a:p>
             <a:pPr lvl="0"/>
             <a:r>
               <a:rPr lang="es-ES" smtClean="0"/>
@@ -2337,7 +5033,7 @@
       </p:sp>
       <p:sp>
         <p:nvSpPr>
-          <p:cNvPr id="5" name="Marcador de fecha 4"/>
+          <p:cNvPr id="5" name="Date Placeholder 4"/>
           <p:cNvSpPr>
             <a:spLocks noGrp="1"/>
           </p:cNvSpPr>
@@ -2352,7 +5048,7 @@
           <a:p>
             <a:fld id="{CA4F40FF-563B-4111-A958-728949FF0409}" type="datetimeFigureOut">
               <a:rPr lang="en-US" smtClean="0"/>
-              <a:t>10/20/2020</a:t>
+              <a:t>10/21/2020</a:t>
             </a:fld>
             <a:endParaRPr lang="en-US"/>
           </a:p>
@@ -2360,7 +5056,7 @@
       </p:sp>
       <p:sp>
         <p:nvSpPr>
-          <p:cNvPr id="6" name="Marcador de pie de página 5"/>
+          <p:cNvPr id="6" name="Footer Placeholder 5"/>
           <p:cNvSpPr>
             <a:spLocks noGrp="1"/>
           </p:cNvSpPr>
@@ -2379,7 +5075,89 @@
       </p:sp>
       <p:sp>
         <p:nvSpPr>
-          <p:cNvPr id="7" name="Marcador de número de diapositiva 6"/>
+          <p:cNvPr id="9" name="Freeform 11"/>
+          <p:cNvSpPr/>
+          <p:nvPr/>
+        </p:nvSpPr>
+        <p:spPr bwMode="auto">
+          <a:xfrm flipV="1">
+            <a:off x="-4189" y="4911725"/>
+            <a:ext cx="1588527" cy="507297"/>
+          </a:xfrm>
+          <a:custGeom>
+            <a:avLst/>
+            <a:gdLst/>
+            <a:ahLst/>
+            <a:cxnLst/>
+            <a:rect l="l" t="t" r="r" b="b"/>
+            <a:pathLst>
+              <a:path w="9248" h="10000">
+                <a:moveTo>
+                  <a:pt x="9248" y="4701"/>
+                </a:moveTo>
+                <a:lnTo>
+                  <a:pt x="7915" y="188"/>
+                </a:lnTo>
+                <a:cubicBezTo>
+                  <a:pt x="7906" y="156"/>
+                  <a:pt x="7895" y="126"/>
+                  <a:pt x="7886" y="94"/>
+                </a:cubicBezTo>
+                <a:cubicBezTo>
+                  <a:pt x="7859" y="0"/>
+                  <a:pt x="7831" y="0"/>
+                  <a:pt x="7803" y="0"/>
+                </a:cubicBezTo>
+                <a:lnTo>
+                  <a:pt x="7275" y="0"/>
+                </a:lnTo>
+                <a:lnTo>
+                  <a:pt x="0" y="70"/>
+                </a:lnTo>
+                <a:cubicBezTo>
+                  <a:pt x="8" y="3380"/>
+                  <a:pt x="17" y="6690"/>
+                  <a:pt x="25" y="10000"/>
+                </a:cubicBezTo>
+                <a:lnTo>
+                  <a:pt x="7275" y="9966"/>
+                </a:lnTo>
+                <a:lnTo>
+                  <a:pt x="7803" y="9966"/>
+                </a:lnTo>
+                <a:cubicBezTo>
+                  <a:pt x="7831" y="9966"/>
+                  <a:pt x="7859" y="9872"/>
+                  <a:pt x="7886" y="9872"/>
+                </a:cubicBezTo>
+                <a:cubicBezTo>
+                  <a:pt x="7886" y="9778"/>
+                  <a:pt x="7915" y="9778"/>
+                  <a:pt x="7915" y="9778"/>
+                </a:cubicBezTo>
+                <a:lnTo>
+                  <a:pt x="9248" y="5265"/>
+                </a:lnTo>
+                <a:cubicBezTo>
+                  <a:pt x="9303" y="5077"/>
+                  <a:pt x="9303" y="4889"/>
+                  <a:pt x="9248" y="4701"/>
+                </a:cubicBezTo>
+                <a:close/>
+              </a:path>
+            </a:pathLst>
+          </a:custGeom>
+          <a:solidFill>
+            <a:schemeClr val="accent1"/>
+          </a:solidFill>
+          <a:ln>
+            <a:noFill/>
+          </a:ln>
+        </p:spPr>
+      </p:sp>
+      <p:sp>
+        <p:nvSpPr>
+          <p:cNvPr id="7" name="Slide Number Placeholder 6"/>
           <p:cNvSpPr>
             <a:spLocks noGrp="1"/>
           </p:cNvSpPr>
@@ -2387,7 +5165,12 @@
             <p:ph type="sldNum" sz="quarter" idx="12"/>
           </p:nvPr>
         </p:nvSpPr>
-        <p:spPr/>
+        <p:spPr>
+          <a:xfrm>
+            <a:off x="531812" y="4983087"/>
+            <a:ext cx="779767" cy="365125"/>
+          </a:xfrm>
+        </p:spPr>
         <p:txBody>
           <a:bodyPr/>
           <a:lstStyle/>
@@ -2403,7 +5186,7 @@
     </p:spTree>
     <p:extLst>
       <p:ext uri="{BB962C8B-B14F-4D97-AF65-F5344CB8AC3E}">
-        <p14:creationId xmlns:p14="http://schemas.microsoft.com/office/powerpoint/2010/main" val="423444998"/>
+        <p14:creationId xmlns:p14="http://schemas.microsoft.com/office/powerpoint/2010/main" val="663312562"/>
       </p:ext>
     </p:extLst>
   </p:cSld>
@@ -2417,8 +5200,8 @@
 <p:sldMaster xmlns:a="http://schemas.openxmlformats.org/drawingml/2006/main" xmlns:r="http://schemas.openxmlformats.org/officeDocument/2006/relationships" xmlns:p="http://schemas.openxmlformats.org/presentationml/2006/main">
   <p:cSld>
     <p:bg>
-      <p:bgRef idx="1001">
-        <a:schemeClr val="bg1"/>
+      <p:bgRef idx="1003">
+        <a:schemeClr val="bg2"/>
       </p:bgRef>
     </p:bg>
     <p:spTree>
@@ -2435,27 +5218,1844 @@
           <a:chExt cx="0" cy="0"/>
         </a:xfrm>
       </p:grpSpPr>
-      <p:sp>
-        <p:nvSpPr>
-          <p:cNvPr id="2" name="Marcador de título 1"/>
-          <p:cNvSpPr>
-            <a:spLocks noGrp="1"/>
-          </p:cNvSpPr>
-          <p:nvPr>
-            <p:ph type="title"/>
-          </p:nvPr>
+      <p:grpSp>
+        <p:nvGrpSpPr>
+          <p:cNvPr id="23" name="Group 22"/>
+          <p:cNvGrpSpPr/>
+          <p:nvPr/>
+        </p:nvGrpSpPr>
+        <p:grpSpPr>
+          <a:xfrm>
+            <a:off x="1" y="228600"/>
+            <a:ext cx="2851516" cy="6638628"/>
+            <a:chOff x="2487613" y="285750"/>
+            <a:chExt cx="2428875" cy="5654676"/>
+          </a:xfrm>
+        </p:grpSpPr>
+        <p:sp>
+          <p:nvSpPr>
+            <p:cNvPr id="24" name="Freeform 11"/>
+            <p:cNvSpPr/>
+            <p:nvPr/>
+          </p:nvSpPr>
+          <p:spPr bwMode="auto">
+            <a:xfrm>
+              <a:off x="2487613" y="2284413"/>
+              <a:ext cx="85725" cy="533400"/>
+            </a:xfrm>
+            <a:custGeom>
+              <a:avLst/>
+              <a:gdLst/>
+              <a:ahLst/>
+              <a:cxnLst/>
+              <a:rect l="0" t="0" r="r" b="b"/>
+              <a:pathLst>
+                <a:path w="22" h="136">
+                  <a:moveTo>
+                    <a:pt x="22" y="136"/>
+                  </a:moveTo>
+                  <a:cubicBezTo>
+                    <a:pt x="20" y="117"/>
+                    <a:pt x="19" y="99"/>
+                    <a:pt x="17" y="80"/>
+                  </a:cubicBezTo>
+                  <a:cubicBezTo>
+                    <a:pt x="11" y="54"/>
+                    <a:pt x="6" y="27"/>
+                    <a:pt x="0" y="0"/>
+                  </a:cubicBezTo>
+                  <a:cubicBezTo>
+                    <a:pt x="0" y="35"/>
+                    <a:pt x="0" y="35"/>
+                    <a:pt x="0" y="35"/>
+                  </a:cubicBezTo>
+                  <a:cubicBezTo>
+                    <a:pt x="6" y="64"/>
+                    <a:pt x="13" y="94"/>
+                    <a:pt x="20" y="124"/>
+                  </a:cubicBezTo>
+                  <a:cubicBezTo>
+                    <a:pt x="20" y="128"/>
+                    <a:pt x="21" y="132"/>
+                    <a:pt x="22" y="136"/>
+                  </a:cubicBezTo>
+                  <a:close/>
+                </a:path>
+              </a:pathLst>
+            </a:custGeom>
+            <a:solidFill>
+              <a:schemeClr val="tx2">
+                <a:alpha val="20000"/>
+              </a:schemeClr>
+            </a:solidFill>
+            <a:ln>
+              <a:noFill/>
+            </a:ln>
+          </p:spPr>
+        </p:sp>
+        <p:sp>
+          <p:nvSpPr>
+            <p:cNvPr id="25" name="Freeform 12"/>
+            <p:cNvSpPr/>
+            <p:nvPr/>
+          </p:nvSpPr>
+          <p:spPr bwMode="auto">
+            <a:xfrm>
+              <a:off x="2597151" y="2779713"/>
+              <a:ext cx="550863" cy="1978025"/>
+            </a:xfrm>
+            <a:custGeom>
+              <a:avLst/>
+              <a:gdLst/>
+              <a:ahLst/>
+              <a:cxnLst/>
+              <a:rect l="0" t="0" r="r" b="b"/>
+              <a:pathLst>
+                <a:path w="140" h="504">
+                  <a:moveTo>
+                    <a:pt x="86" y="350"/>
+                  </a:moveTo>
+                  <a:cubicBezTo>
+                    <a:pt x="103" y="402"/>
+                    <a:pt x="120" y="453"/>
+                    <a:pt x="139" y="504"/>
+                  </a:cubicBezTo>
+                  <a:cubicBezTo>
+                    <a:pt x="139" y="495"/>
+                    <a:pt x="139" y="487"/>
+                    <a:pt x="140" y="478"/>
+                  </a:cubicBezTo>
+                  <a:cubicBezTo>
+                    <a:pt x="124" y="435"/>
+                    <a:pt x="109" y="391"/>
+                    <a:pt x="95" y="347"/>
+                  </a:cubicBezTo>
+                  <a:cubicBezTo>
+                    <a:pt x="58" y="233"/>
+                    <a:pt x="27" y="117"/>
+                    <a:pt x="0" y="0"/>
+                  </a:cubicBezTo>
+                  <a:cubicBezTo>
+                    <a:pt x="2" y="20"/>
+                    <a:pt x="4" y="41"/>
+                    <a:pt x="6" y="61"/>
+                  </a:cubicBezTo>
+                  <a:cubicBezTo>
+                    <a:pt x="30" y="158"/>
+                    <a:pt x="56" y="255"/>
+                    <a:pt x="86" y="350"/>
+                  </a:cubicBezTo>
+                  <a:close/>
+                </a:path>
+              </a:pathLst>
+            </a:custGeom>
+            <a:solidFill>
+              <a:schemeClr val="tx2">
+                <a:alpha val="20000"/>
+              </a:schemeClr>
+            </a:solidFill>
+            <a:ln>
+              <a:noFill/>
+            </a:ln>
+          </p:spPr>
+        </p:sp>
+        <p:sp>
+          <p:nvSpPr>
+            <p:cNvPr id="26" name="Freeform 13"/>
+            <p:cNvSpPr/>
+            <p:nvPr/>
+          </p:nvSpPr>
+          <p:spPr bwMode="auto">
+            <a:xfrm>
+              <a:off x="3175001" y="4730750"/>
+              <a:ext cx="519113" cy="1209675"/>
+            </a:xfrm>
+            <a:custGeom>
+              <a:avLst/>
+              <a:gdLst/>
+              <a:ahLst/>
+              <a:cxnLst/>
+              <a:rect l="0" t="0" r="r" b="b"/>
+              <a:pathLst>
+                <a:path w="132" h="308">
+                  <a:moveTo>
+                    <a:pt x="8" y="22"/>
+                  </a:moveTo>
+                  <a:cubicBezTo>
+                    <a:pt x="5" y="15"/>
+                    <a:pt x="2" y="8"/>
+                    <a:pt x="0" y="0"/>
+                  </a:cubicBezTo>
+                  <a:cubicBezTo>
+                    <a:pt x="0" y="10"/>
+                    <a:pt x="0" y="19"/>
+                    <a:pt x="0" y="29"/>
+                  </a:cubicBezTo>
+                  <a:cubicBezTo>
+                    <a:pt x="21" y="85"/>
+                    <a:pt x="44" y="140"/>
+                    <a:pt x="68" y="194"/>
+                  </a:cubicBezTo>
+                  <a:cubicBezTo>
+                    <a:pt x="85" y="232"/>
+                    <a:pt x="104" y="270"/>
+                    <a:pt x="123" y="308"/>
+                  </a:cubicBezTo>
+                  <a:cubicBezTo>
+                    <a:pt x="132" y="308"/>
+                    <a:pt x="132" y="308"/>
+                    <a:pt x="132" y="308"/>
+                  </a:cubicBezTo>
+                  <a:cubicBezTo>
+                    <a:pt x="113" y="269"/>
+                    <a:pt x="94" y="230"/>
+                    <a:pt x="77" y="190"/>
+                  </a:cubicBezTo>
+                  <a:cubicBezTo>
+                    <a:pt x="52" y="135"/>
+                    <a:pt x="29" y="79"/>
+                    <a:pt x="8" y="22"/>
+                  </a:cubicBezTo>
+                  <a:close/>
+                </a:path>
+              </a:pathLst>
+            </a:custGeom>
+            <a:solidFill>
+              <a:schemeClr val="tx2">
+                <a:alpha val="20000"/>
+              </a:schemeClr>
+            </a:solidFill>
+            <a:ln>
+              <a:noFill/>
+            </a:ln>
+          </p:spPr>
+        </p:sp>
+        <p:sp>
+          <p:nvSpPr>
+            <p:cNvPr id="27" name="Freeform 14"/>
+            <p:cNvSpPr/>
+            <p:nvPr/>
+          </p:nvSpPr>
+          <p:spPr bwMode="auto">
+            <a:xfrm>
+              <a:off x="3305176" y="5630863"/>
+              <a:ext cx="146050" cy="309563"/>
+            </a:xfrm>
+            <a:custGeom>
+              <a:avLst/>
+              <a:gdLst/>
+              <a:ahLst/>
+              <a:cxnLst/>
+              <a:rect l="0" t="0" r="r" b="b"/>
+              <a:pathLst>
+                <a:path w="37" h="79">
+                  <a:moveTo>
+                    <a:pt x="28" y="79"/>
+                  </a:moveTo>
+                  <a:cubicBezTo>
+                    <a:pt x="37" y="79"/>
+                    <a:pt x="37" y="79"/>
+                    <a:pt x="37" y="79"/>
+                  </a:cubicBezTo>
+                  <a:cubicBezTo>
+                    <a:pt x="24" y="53"/>
+                    <a:pt x="12" y="27"/>
+                    <a:pt x="0" y="0"/>
+                  </a:cubicBezTo>
+                  <a:cubicBezTo>
+                    <a:pt x="8" y="27"/>
+                    <a:pt x="17" y="53"/>
+                    <a:pt x="28" y="79"/>
+                  </a:cubicBezTo>
+                  <a:close/>
+                </a:path>
+              </a:pathLst>
+            </a:custGeom>
+            <a:solidFill>
+              <a:schemeClr val="tx2">
+                <a:alpha val="20000"/>
+              </a:schemeClr>
+            </a:solidFill>
+            <a:ln>
+              <a:noFill/>
+            </a:ln>
+          </p:spPr>
+        </p:sp>
+        <p:sp>
+          <p:nvSpPr>
+            <p:cNvPr id="28" name="Freeform 15"/>
+            <p:cNvSpPr/>
+            <p:nvPr/>
+          </p:nvSpPr>
+          <p:spPr bwMode="auto">
+            <a:xfrm>
+              <a:off x="2573338" y="2817813"/>
+              <a:ext cx="700088" cy="2835275"/>
+            </a:xfrm>
+            <a:custGeom>
+              <a:avLst/>
+              <a:gdLst/>
+              <a:ahLst/>
+              <a:cxnLst/>
+              <a:rect l="0" t="0" r="r" b="b"/>
+              <a:pathLst>
+                <a:path w="178" h="722">
+                  <a:moveTo>
+                    <a:pt x="162" y="660"/>
+                  </a:moveTo>
+                  <a:cubicBezTo>
+                    <a:pt x="145" y="618"/>
+                    <a:pt x="130" y="576"/>
+                    <a:pt x="116" y="534"/>
+                  </a:cubicBezTo>
+                  <a:cubicBezTo>
+                    <a:pt x="84" y="437"/>
+                    <a:pt x="59" y="337"/>
+                    <a:pt x="40" y="236"/>
+                  </a:cubicBezTo>
+                  <a:cubicBezTo>
+                    <a:pt x="29" y="175"/>
+                    <a:pt x="20" y="113"/>
+                    <a:pt x="12" y="51"/>
+                  </a:cubicBezTo>
+                  <a:cubicBezTo>
+                    <a:pt x="8" y="34"/>
+                    <a:pt x="4" y="17"/>
+                    <a:pt x="0" y="0"/>
+                  </a:cubicBezTo>
+                  <a:cubicBezTo>
+                    <a:pt x="8" y="79"/>
+                    <a:pt x="19" y="159"/>
+                    <a:pt x="33" y="237"/>
+                  </a:cubicBezTo>
+                  <a:cubicBezTo>
+                    <a:pt x="51" y="339"/>
+                    <a:pt x="76" y="439"/>
+                    <a:pt x="107" y="537"/>
+                  </a:cubicBezTo>
+                  <a:cubicBezTo>
+                    <a:pt x="123" y="586"/>
+                    <a:pt x="141" y="634"/>
+                    <a:pt x="160" y="681"/>
+                  </a:cubicBezTo>
+                  <a:cubicBezTo>
+                    <a:pt x="166" y="695"/>
+                    <a:pt x="172" y="708"/>
+                    <a:pt x="178" y="722"/>
+                  </a:cubicBezTo>
+                  <a:cubicBezTo>
+                    <a:pt x="176" y="717"/>
+                    <a:pt x="175" y="713"/>
+                    <a:pt x="174" y="708"/>
+                  </a:cubicBezTo>
+                  <a:cubicBezTo>
+                    <a:pt x="169" y="692"/>
+                    <a:pt x="165" y="676"/>
+                    <a:pt x="162" y="660"/>
+                  </a:cubicBezTo>
+                  <a:close/>
+                </a:path>
+              </a:pathLst>
+            </a:custGeom>
+            <a:solidFill>
+              <a:schemeClr val="tx2">
+                <a:alpha val="20000"/>
+              </a:schemeClr>
+            </a:solidFill>
+            <a:ln>
+              <a:noFill/>
+            </a:ln>
+          </p:spPr>
+        </p:sp>
+        <p:sp>
+          <p:nvSpPr>
+            <p:cNvPr id="29" name="Freeform 16"/>
+            <p:cNvSpPr/>
+            <p:nvPr/>
+          </p:nvSpPr>
+          <p:spPr bwMode="auto">
+            <a:xfrm>
+              <a:off x="2506663" y="285750"/>
+              <a:ext cx="90488" cy="2493963"/>
+            </a:xfrm>
+            <a:custGeom>
+              <a:avLst/>
+              <a:gdLst/>
+              <a:ahLst/>
+              <a:cxnLst/>
+              <a:rect l="0" t="0" r="r" b="b"/>
+              <a:pathLst>
+                <a:path w="23" h="635">
+                  <a:moveTo>
+                    <a:pt x="11" y="577"/>
+                  </a:moveTo>
+                  <a:cubicBezTo>
+                    <a:pt x="12" y="581"/>
+                    <a:pt x="12" y="585"/>
+                    <a:pt x="12" y="589"/>
+                  </a:cubicBezTo>
+                  <a:cubicBezTo>
+                    <a:pt x="15" y="603"/>
+                    <a:pt x="19" y="617"/>
+                    <a:pt x="22" y="632"/>
+                  </a:cubicBezTo>
+                  <a:cubicBezTo>
+                    <a:pt x="22" y="633"/>
+                    <a:pt x="22" y="634"/>
+                    <a:pt x="23" y="635"/>
+                  </a:cubicBezTo>
+                  <a:cubicBezTo>
+                    <a:pt x="21" y="615"/>
+                    <a:pt x="19" y="596"/>
+                    <a:pt x="17" y="576"/>
+                  </a:cubicBezTo>
+                  <a:cubicBezTo>
+                    <a:pt x="9" y="474"/>
+                    <a:pt x="5" y="372"/>
+                    <a:pt x="5" y="269"/>
+                  </a:cubicBezTo>
+                  <a:cubicBezTo>
+                    <a:pt x="6" y="179"/>
+                    <a:pt x="9" y="90"/>
+                    <a:pt x="15" y="0"/>
+                  </a:cubicBezTo>
+                  <a:cubicBezTo>
+                    <a:pt x="12" y="0"/>
+                    <a:pt x="12" y="0"/>
+                    <a:pt x="12" y="0"/>
+                  </a:cubicBezTo>
+                  <a:cubicBezTo>
+                    <a:pt x="5" y="89"/>
+                    <a:pt x="2" y="179"/>
+                    <a:pt x="1" y="269"/>
+                  </a:cubicBezTo>
+                  <a:cubicBezTo>
+                    <a:pt x="0" y="372"/>
+                    <a:pt x="3" y="474"/>
+                    <a:pt x="11" y="577"/>
+                  </a:cubicBezTo>
+                  <a:close/>
+                </a:path>
+              </a:pathLst>
+            </a:custGeom>
+            <a:solidFill>
+              <a:schemeClr val="tx2">
+                <a:alpha val="20000"/>
+              </a:schemeClr>
+            </a:solidFill>
+            <a:ln>
+              <a:noFill/>
+            </a:ln>
+          </p:spPr>
+        </p:sp>
+        <p:sp>
+          <p:nvSpPr>
+            <p:cNvPr id="30" name="Freeform 17"/>
+            <p:cNvSpPr/>
+            <p:nvPr/>
+          </p:nvSpPr>
+          <p:spPr bwMode="auto">
+            <a:xfrm>
+              <a:off x="2554288" y="2598738"/>
+              <a:ext cx="66675" cy="420688"/>
+            </a:xfrm>
+            <a:custGeom>
+              <a:avLst/>
+              <a:gdLst/>
+              <a:ahLst/>
+              <a:cxnLst/>
+              <a:rect l="0" t="0" r="r" b="b"/>
+              <a:pathLst>
+                <a:path w="17" h="107">
+                  <a:moveTo>
+                    <a:pt x="0" y="0"/>
+                  </a:moveTo>
+                  <a:cubicBezTo>
+                    <a:pt x="2" y="19"/>
+                    <a:pt x="3" y="37"/>
+                    <a:pt x="5" y="56"/>
+                  </a:cubicBezTo>
+                  <a:cubicBezTo>
+                    <a:pt x="9" y="73"/>
+                    <a:pt x="13" y="90"/>
+                    <a:pt x="17" y="107"/>
+                  </a:cubicBezTo>
+                  <a:cubicBezTo>
+                    <a:pt x="15" y="87"/>
+                    <a:pt x="13" y="66"/>
+                    <a:pt x="11" y="46"/>
+                  </a:cubicBezTo>
+                  <a:cubicBezTo>
+                    <a:pt x="10" y="45"/>
+                    <a:pt x="10" y="44"/>
+                    <a:pt x="10" y="43"/>
+                  </a:cubicBezTo>
+                  <a:cubicBezTo>
+                    <a:pt x="7" y="28"/>
+                    <a:pt x="3" y="14"/>
+                    <a:pt x="0" y="0"/>
+                  </a:cubicBezTo>
+                  <a:close/>
+                </a:path>
+              </a:pathLst>
+            </a:custGeom>
+            <a:solidFill>
+              <a:schemeClr val="tx2">
+                <a:alpha val="20000"/>
+              </a:schemeClr>
+            </a:solidFill>
+            <a:ln>
+              <a:noFill/>
+            </a:ln>
+          </p:spPr>
+        </p:sp>
+        <p:sp>
+          <p:nvSpPr>
+            <p:cNvPr id="31" name="Freeform 18"/>
+            <p:cNvSpPr/>
+            <p:nvPr/>
+          </p:nvSpPr>
+          <p:spPr bwMode="auto">
+            <a:xfrm>
+              <a:off x="3143251" y="4757738"/>
+              <a:ext cx="161925" cy="873125"/>
+            </a:xfrm>
+            <a:custGeom>
+              <a:avLst/>
+              <a:gdLst/>
+              <a:ahLst/>
+              <a:cxnLst/>
+              <a:rect l="0" t="0" r="r" b="b"/>
+              <a:pathLst>
+                <a:path w="41" h="222">
+                  <a:moveTo>
+                    <a:pt x="0" y="0"/>
+                  </a:moveTo>
+                  <a:cubicBezTo>
+                    <a:pt x="0" y="31"/>
+                    <a:pt x="2" y="62"/>
+                    <a:pt x="5" y="93"/>
+                  </a:cubicBezTo>
+                  <a:cubicBezTo>
+                    <a:pt x="8" y="117"/>
+                    <a:pt x="12" y="142"/>
+                    <a:pt x="17" y="166"/>
+                  </a:cubicBezTo>
+                  <a:cubicBezTo>
+                    <a:pt x="19" y="172"/>
+                    <a:pt x="22" y="178"/>
+                    <a:pt x="24" y="184"/>
+                  </a:cubicBezTo>
+                  <a:cubicBezTo>
+                    <a:pt x="30" y="197"/>
+                    <a:pt x="35" y="209"/>
+                    <a:pt x="41" y="222"/>
+                  </a:cubicBezTo>
+                  <a:cubicBezTo>
+                    <a:pt x="40" y="219"/>
+                    <a:pt x="39" y="215"/>
+                    <a:pt x="38" y="212"/>
+                  </a:cubicBezTo>
+                  <a:cubicBezTo>
+                    <a:pt x="26" y="172"/>
+                    <a:pt x="18" y="132"/>
+                    <a:pt x="13" y="92"/>
+                  </a:cubicBezTo>
+                  <a:cubicBezTo>
+                    <a:pt x="11" y="68"/>
+                    <a:pt x="9" y="45"/>
+                    <a:pt x="8" y="22"/>
+                  </a:cubicBezTo>
+                  <a:cubicBezTo>
+                    <a:pt x="8" y="21"/>
+                    <a:pt x="7" y="20"/>
+                    <a:pt x="7" y="18"/>
+                  </a:cubicBezTo>
+                  <a:cubicBezTo>
+                    <a:pt x="5" y="12"/>
+                    <a:pt x="2" y="6"/>
+                    <a:pt x="0" y="0"/>
+                  </a:cubicBezTo>
+                  <a:close/>
+                </a:path>
+              </a:pathLst>
+            </a:custGeom>
+            <a:solidFill>
+              <a:schemeClr val="tx2">
+                <a:alpha val="20000"/>
+              </a:schemeClr>
+            </a:solidFill>
+            <a:ln>
+              <a:noFill/>
+            </a:ln>
+          </p:spPr>
+        </p:sp>
+        <p:sp>
+          <p:nvSpPr>
+            <p:cNvPr id="32" name="Freeform 19"/>
+            <p:cNvSpPr/>
+            <p:nvPr/>
+          </p:nvSpPr>
+          <p:spPr bwMode="auto">
+            <a:xfrm>
+              <a:off x="3148013" y="1282700"/>
+              <a:ext cx="1768475" cy="3448050"/>
+            </a:xfrm>
+            <a:custGeom>
+              <a:avLst/>
+              <a:gdLst/>
+              <a:ahLst/>
+              <a:cxnLst/>
+              <a:rect l="0" t="0" r="r" b="b"/>
+              <a:pathLst>
+                <a:path w="450" h="878">
+                  <a:moveTo>
+                    <a:pt x="7" y="854"/>
+                  </a:moveTo>
+                  <a:cubicBezTo>
+                    <a:pt x="10" y="772"/>
+                    <a:pt x="26" y="691"/>
+                    <a:pt x="50" y="613"/>
+                  </a:cubicBezTo>
+                  <a:cubicBezTo>
+                    <a:pt x="75" y="535"/>
+                    <a:pt x="109" y="460"/>
+                    <a:pt x="149" y="388"/>
+                  </a:cubicBezTo>
+                  <a:cubicBezTo>
+                    <a:pt x="189" y="316"/>
+                    <a:pt x="235" y="248"/>
+                    <a:pt x="285" y="183"/>
+                  </a:cubicBezTo>
+                  <a:cubicBezTo>
+                    <a:pt x="310" y="151"/>
+                    <a:pt x="337" y="119"/>
+                    <a:pt x="364" y="89"/>
+                  </a:cubicBezTo>
+                  <a:cubicBezTo>
+                    <a:pt x="378" y="74"/>
+                    <a:pt x="392" y="58"/>
+                    <a:pt x="406" y="44"/>
+                  </a:cubicBezTo>
+                  <a:cubicBezTo>
+                    <a:pt x="421" y="29"/>
+                    <a:pt x="435" y="15"/>
+                    <a:pt x="450" y="1"/>
+                  </a:cubicBezTo>
+                  <a:cubicBezTo>
+                    <a:pt x="450" y="0"/>
+                    <a:pt x="450" y="0"/>
+                    <a:pt x="450" y="0"/>
+                  </a:cubicBezTo>
+                  <a:cubicBezTo>
+                    <a:pt x="434" y="14"/>
+                    <a:pt x="420" y="28"/>
+                    <a:pt x="405" y="43"/>
+                  </a:cubicBezTo>
+                  <a:cubicBezTo>
+                    <a:pt x="391" y="57"/>
+                    <a:pt x="377" y="72"/>
+                    <a:pt x="363" y="88"/>
+                  </a:cubicBezTo>
+                  <a:cubicBezTo>
+                    <a:pt x="335" y="118"/>
+                    <a:pt x="308" y="149"/>
+                    <a:pt x="283" y="181"/>
+                  </a:cubicBezTo>
+                  <a:cubicBezTo>
+                    <a:pt x="232" y="246"/>
+                    <a:pt x="185" y="314"/>
+                    <a:pt x="145" y="386"/>
+                  </a:cubicBezTo>
+                  <a:cubicBezTo>
+                    <a:pt x="104" y="457"/>
+                    <a:pt x="70" y="533"/>
+                    <a:pt x="45" y="611"/>
+                  </a:cubicBezTo>
+                  <a:cubicBezTo>
+                    <a:pt x="19" y="690"/>
+                    <a:pt x="3" y="771"/>
+                    <a:pt x="0" y="854"/>
+                  </a:cubicBezTo>
+                  <a:cubicBezTo>
+                    <a:pt x="0" y="856"/>
+                    <a:pt x="0" y="857"/>
+                    <a:pt x="0" y="859"/>
+                  </a:cubicBezTo>
+                  <a:cubicBezTo>
+                    <a:pt x="2" y="865"/>
+                    <a:pt x="4" y="872"/>
+                    <a:pt x="7" y="878"/>
+                  </a:cubicBezTo>
+                  <a:cubicBezTo>
+                    <a:pt x="7" y="870"/>
+                    <a:pt x="7" y="862"/>
+                    <a:pt x="7" y="854"/>
+                  </a:cubicBezTo>
+                  <a:close/>
+                </a:path>
+              </a:pathLst>
+            </a:custGeom>
+            <a:solidFill>
+              <a:schemeClr val="tx2">
+                <a:alpha val="20000"/>
+              </a:schemeClr>
+            </a:solidFill>
+            <a:ln>
+              <a:noFill/>
+            </a:ln>
+          </p:spPr>
+        </p:sp>
+        <p:sp>
+          <p:nvSpPr>
+            <p:cNvPr id="33" name="Freeform 20"/>
+            <p:cNvSpPr/>
+            <p:nvPr/>
+          </p:nvSpPr>
+          <p:spPr bwMode="auto">
+            <a:xfrm>
+              <a:off x="3273426" y="5653088"/>
+              <a:ext cx="138113" cy="287338"/>
+            </a:xfrm>
+            <a:custGeom>
+              <a:avLst/>
+              <a:gdLst/>
+              <a:ahLst/>
+              <a:cxnLst/>
+              <a:rect l="0" t="0" r="r" b="b"/>
+              <a:pathLst>
+                <a:path w="35" h="73">
+                  <a:moveTo>
+                    <a:pt x="0" y="0"/>
+                  </a:moveTo>
+                  <a:cubicBezTo>
+                    <a:pt x="7" y="24"/>
+                    <a:pt x="16" y="49"/>
+                    <a:pt x="26" y="73"/>
+                  </a:cubicBezTo>
+                  <a:cubicBezTo>
+                    <a:pt x="35" y="73"/>
+                    <a:pt x="35" y="73"/>
+                    <a:pt x="35" y="73"/>
+                  </a:cubicBezTo>
+                  <a:cubicBezTo>
+                    <a:pt x="23" y="49"/>
+                    <a:pt x="11" y="24"/>
+                    <a:pt x="0" y="0"/>
+                  </a:cubicBezTo>
+                  <a:close/>
+                </a:path>
+              </a:pathLst>
+            </a:custGeom>
+            <a:solidFill>
+              <a:schemeClr val="tx2">
+                <a:alpha val="20000"/>
+              </a:schemeClr>
+            </a:solidFill>
+            <a:ln>
+              <a:noFill/>
+            </a:ln>
+          </p:spPr>
+        </p:sp>
+        <p:sp>
+          <p:nvSpPr>
+            <p:cNvPr id="34" name="Freeform 21"/>
+            <p:cNvSpPr/>
+            <p:nvPr/>
+          </p:nvSpPr>
+          <p:spPr bwMode="auto">
+            <a:xfrm>
+              <a:off x="3143251" y="4656138"/>
+              <a:ext cx="31750" cy="188913"/>
+            </a:xfrm>
+            <a:custGeom>
+              <a:avLst/>
+              <a:gdLst/>
+              <a:ahLst/>
+              <a:cxnLst/>
+              <a:rect l="0" t="0" r="r" b="b"/>
+              <a:pathLst>
+                <a:path w="8" h="48">
+                  <a:moveTo>
+                    <a:pt x="7" y="44"/>
+                  </a:moveTo>
+                  <a:cubicBezTo>
+                    <a:pt x="7" y="46"/>
+                    <a:pt x="8" y="47"/>
+                    <a:pt x="8" y="48"/>
+                  </a:cubicBezTo>
+                  <a:cubicBezTo>
+                    <a:pt x="8" y="38"/>
+                    <a:pt x="8" y="29"/>
+                    <a:pt x="8" y="19"/>
+                  </a:cubicBezTo>
+                  <a:cubicBezTo>
+                    <a:pt x="5" y="13"/>
+                    <a:pt x="3" y="6"/>
+                    <a:pt x="1" y="0"/>
+                  </a:cubicBezTo>
+                  <a:cubicBezTo>
+                    <a:pt x="0" y="9"/>
+                    <a:pt x="0" y="17"/>
+                    <a:pt x="0" y="26"/>
+                  </a:cubicBezTo>
+                  <a:cubicBezTo>
+                    <a:pt x="2" y="32"/>
+                    <a:pt x="5" y="38"/>
+                    <a:pt x="7" y="44"/>
+                  </a:cubicBezTo>
+                  <a:close/>
+                </a:path>
+              </a:pathLst>
+            </a:custGeom>
+            <a:solidFill>
+              <a:schemeClr val="tx2">
+                <a:alpha val="20000"/>
+              </a:schemeClr>
+            </a:solidFill>
+            <a:ln>
+              <a:noFill/>
+            </a:ln>
+          </p:spPr>
+        </p:sp>
+        <p:sp>
+          <p:nvSpPr>
+            <p:cNvPr id="35" name="Freeform 22"/>
+            <p:cNvSpPr/>
+            <p:nvPr/>
+          </p:nvSpPr>
+          <p:spPr bwMode="auto">
+            <a:xfrm>
+              <a:off x="3211513" y="5410200"/>
+              <a:ext cx="203200" cy="530225"/>
+            </a:xfrm>
+            <a:custGeom>
+              <a:avLst/>
+              <a:gdLst/>
+              <a:ahLst/>
+              <a:cxnLst/>
+              <a:rect l="0" t="0" r="r" b="b"/>
+              <a:pathLst>
+                <a:path w="52" h="135">
+                  <a:moveTo>
+                    <a:pt x="7" y="18"/>
+                  </a:moveTo>
+                  <a:cubicBezTo>
+                    <a:pt x="5" y="12"/>
+                    <a:pt x="2" y="6"/>
+                    <a:pt x="0" y="0"/>
+                  </a:cubicBezTo>
+                  <a:cubicBezTo>
+                    <a:pt x="3" y="16"/>
+                    <a:pt x="7" y="32"/>
+                    <a:pt x="12" y="48"/>
+                  </a:cubicBezTo>
+                  <a:cubicBezTo>
+                    <a:pt x="13" y="53"/>
+                    <a:pt x="14" y="57"/>
+                    <a:pt x="16" y="62"/>
+                  </a:cubicBezTo>
+                  <a:cubicBezTo>
+                    <a:pt x="27" y="86"/>
+                    <a:pt x="39" y="111"/>
+                    <a:pt x="51" y="135"/>
+                  </a:cubicBezTo>
+                  <a:cubicBezTo>
+                    <a:pt x="52" y="135"/>
+                    <a:pt x="52" y="135"/>
+                    <a:pt x="52" y="135"/>
+                  </a:cubicBezTo>
+                  <a:cubicBezTo>
+                    <a:pt x="41" y="109"/>
+                    <a:pt x="32" y="83"/>
+                    <a:pt x="24" y="56"/>
+                  </a:cubicBezTo>
+                  <a:cubicBezTo>
+                    <a:pt x="18" y="43"/>
+                    <a:pt x="13" y="31"/>
+                    <a:pt x="7" y="18"/>
+                  </a:cubicBezTo>
+                  <a:close/>
+                </a:path>
+              </a:pathLst>
+            </a:custGeom>
+            <a:solidFill>
+              <a:schemeClr val="tx2">
+                <a:alpha val="20000"/>
+              </a:schemeClr>
+            </a:solidFill>
+            <a:ln>
+              <a:noFill/>
+            </a:ln>
+          </p:spPr>
+        </p:sp>
+      </p:grpSp>
+      <p:grpSp>
+        <p:nvGrpSpPr>
+          <p:cNvPr id="10" name="Group 9"/>
+          <p:cNvGrpSpPr/>
+          <p:nvPr/>
+        </p:nvGrpSpPr>
+        <p:grpSpPr>
+          <a:xfrm>
+            <a:off x="27221" y="-786"/>
+            <a:ext cx="2356674" cy="6854039"/>
+            <a:chOff x="6627813" y="194833"/>
+            <a:chExt cx="1952625" cy="5678918"/>
+          </a:xfrm>
+        </p:grpSpPr>
+        <p:sp>
+          <p:nvSpPr>
+            <p:cNvPr id="11" name="Freeform 27"/>
+            <p:cNvSpPr/>
+            <p:nvPr/>
+          </p:nvSpPr>
+          <p:spPr bwMode="auto">
+            <a:xfrm>
+              <a:off x="6627813" y="194833"/>
+              <a:ext cx="409575" cy="3646488"/>
+            </a:xfrm>
+            <a:custGeom>
+              <a:avLst/>
+              <a:gdLst/>
+              <a:ahLst/>
+              <a:cxnLst/>
+              <a:rect l="0" t="0" r="r" b="b"/>
+              <a:pathLst>
+                <a:path w="103" h="920">
+                  <a:moveTo>
+                    <a:pt x="7" y="210"/>
+                  </a:moveTo>
+                  <a:cubicBezTo>
+                    <a:pt x="11" y="288"/>
+                    <a:pt x="17" y="367"/>
+                    <a:pt x="26" y="445"/>
+                  </a:cubicBezTo>
+                  <a:cubicBezTo>
+                    <a:pt x="34" y="523"/>
+                    <a:pt x="44" y="601"/>
+                    <a:pt x="57" y="679"/>
+                  </a:cubicBezTo>
+                  <a:cubicBezTo>
+                    <a:pt x="69" y="757"/>
+                    <a:pt x="84" y="834"/>
+                    <a:pt x="101" y="911"/>
+                  </a:cubicBezTo>
+                  <a:cubicBezTo>
+                    <a:pt x="102" y="914"/>
+                    <a:pt x="103" y="917"/>
+                    <a:pt x="103" y="920"/>
+                  </a:cubicBezTo>
+                  <a:cubicBezTo>
+                    <a:pt x="102" y="905"/>
+                    <a:pt x="100" y="889"/>
+                    <a:pt x="99" y="874"/>
+                  </a:cubicBezTo>
+                  <a:cubicBezTo>
+                    <a:pt x="99" y="871"/>
+                    <a:pt x="99" y="868"/>
+                    <a:pt x="99" y="866"/>
+                  </a:cubicBezTo>
+                  <a:cubicBezTo>
+                    <a:pt x="85" y="803"/>
+                    <a:pt x="73" y="741"/>
+                    <a:pt x="63" y="678"/>
+                  </a:cubicBezTo>
+                  <a:cubicBezTo>
+                    <a:pt x="50" y="600"/>
+                    <a:pt x="39" y="523"/>
+                    <a:pt x="30" y="444"/>
+                  </a:cubicBezTo>
+                  <a:cubicBezTo>
+                    <a:pt x="21" y="366"/>
+                    <a:pt x="14" y="288"/>
+                    <a:pt x="9" y="209"/>
+                  </a:cubicBezTo>
+                  <a:cubicBezTo>
+                    <a:pt x="7" y="170"/>
+                    <a:pt x="5" y="131"/>
+                    <a:pt x="3" y="92"/>
+                  </a:cubicBezTo>
+                  <a:cubicBezTo>
+                    <a:pt x="2" y="61"/>
+                    <a:pt x="1" y="31"/>
+                    <a:pt x="1" y="0"/>
+                  </a:cubicBezTo>
+                  <a:cubicBezTo>
+                    <a:pt x="0" y="0"/>
+                    <a:pt x="0" y="0"/>
+                    <a:pt x="0" y="0"/>
+                  </a:cubicBezTo>
+                  <a:cubicBezTo>
+                    <a:pt x="0" y="31"/>
+                    <a:pt x="1" y="61"/>
+                    <a:pt x="1" y="92"/>
+                  </a:cubicBezTo>
+                  <a:cubicBezTo>
+                    <a:pt x="3" y="131"/>
+                    <a:pt x="4" y="170"/>
+                    <a:pt x="7" y="210"/>
+                  </a:cubicBezTo>
+                  <a:close/>
+                </a:path>
+              </a:pathLst>
+            </a:custGeom>
+            <a:solidFill>
+              <a:schemeClr val="tx2"/>
+            </a:solidFill>
+            <a:ln>
+              <a:noFill/>
+            </a:ln>
+          </p:spPr>
+        </p:sp>
+        <p:sp>
+          <p:nvSpPr>
+            <p:cNvPr id="12" name="Freeform 28"/>
+            <p:cNvSpPr/>
+            <p:nvPr/>
+          </p:nvSpPr>
+          <p:spPr bwMode="auto">
+            <a:xfrm>
+              <a:off x="7061201" y="3771900"/>
+              <a:ext cx="350838" cy="1309688"/>
+            </a:xfrm>
+            <a:custGeom>
+              <a:avLst/>
+              <a:gdLst/>
+              <a:ahLst/>
+              <a:cxnLst/>
+              <a:rect l="0" t="0" r="r" b="b"/>
+              <a:pathLst>
+                <a:path w="88" h="330">
+                  <a:moveTo>
+                    <a:pt x="53" y="229"/>
+                  </a:moveTo>
+                  <a:cubicBezTo>
+                    <a:pt x="64" y="263"/>
+                    <a:pt x="75" y="297"/>
+                    <a:pt x="88" y="330"/>
+                  </a:cubicBezTo>
+                  <a:cubicBezTo>
+                    <a:pt x="88" y="323"/>
+                    <a:pt x="88" y="315"/>
+                    <a:pt x="88" y="308"/>
+                  </a:cubicBezTo>
+                  <a:cubicBezTo>
+                    <a:pt x="88" y="307"/>
+                    <a:pt x="88" y="305"/>
+                    <a:pt x="88" y="304"/>
+                  </a:cubicBezTo>
+                  <a:cubicBezTo>
+                    <a:pt x="79" y="278"/>
+                    <a:pt x="70" y="252"/>
+                    <a:pt x="62" y="226"/>
+                  </a:cubicBezTo>
+                  <a:cubicBezTo>
+                    <a:pt x="38" y="152"/>
+                    <a:pt x="17" y="76"/>
+                    <a:pt x="0" y="0"/>
+                  </a:cubicBezTo>
+                  <a:cubicBezTo>
+                    <a:pt x="2" y="21"/>
+                    <a:pt x="4" y="42"/>
+                    <a:pt x="7" y="63"/>
+                  </a:cubicBezTo>
+                  <a:cubicBezTo>
+                    <a:pt x="21" y="119"/>
+                    <a:pt x="36" y="174"/>
+                    <a:pt x="53" y="229"/>
+                  </a:cubicBezTo>
+                  <a:close/>
+                </a:path>
+              </a:pathLst>
+            </a:custGeom>
+            <a:solidFill>
+              <a:schemeClr val="tx2"/>
+            </a:solidFill>
+            <a:ln>
+              <a:noFill/>
+            </a:ln>
+          </p:spPr>
+        </p:sp>
+        <p:sp>
+          <p:nvSpPr>
+            <p:cNvPr id="13" name="Freeform 29"/>
+            <p:cNvSpPr/>
+            <p:nvPr/>
+          </p:nvSpPr>
+          <p:spPr bwMode="auto">
+            <a:xfrm>
+              <a:off x="7439026" y="5053013"/>
+              <a:ext cx="357188" cy="820738"/>
+            </a:xfrm>
+            <a:custGeom>
+              <a:avLst/>
+              <a:gdLst/>
+              <a:ahLst/>
+              <a:cxnLst/>
+              <a:rect l="0" t="0" r="r" b="b"/>
+              <a:pathLst>
+                <a:path w="90" h="207">
+                  <a:moveTo>
+                    <a:pt x="6" y="15"/>
+                  </a:moveTo>
+                  <a:cubicBezTo>
+                    <a:pt x="4" y="10"/>
+                    <a:pt x="2" y="5"/>
+                    <a:pt x="0" y="0"/>
+                  </a:cubicBezTo>
+                  <a:cubicBezTo>
+                    <a:pt x="0" y="9"/>
+                    <a:pt x="0" y="19"/>
+                    <a:pt x="1" y="29"/>
+                  </a:cubicBezTo>
+                  <a:cubicBezTo>
+                    <a:pt x="14" y="62"/>
+                    <a:pt x="27" y="95"/>
+                    <a:pt x="42" y="127"/>
+                  </a:cubicBezTo>
+                  <a:cubicBezTo>
+                    <a:pt x="54" y="154"/>
+                    <a:pt x="67" y="181"/>
+                    <a:pt x="80" y="207"/>
+                  </a:cubicBezTo>
+                  <a:cubicBezTo>
+                    <a:pt x="90" y="207"/>
+                    <a:pt x="90" y="207"/>
+                    <a:pt x="90" y="207"/>
+                  </a:cubicBezTo>
+                  <a:cubicBezTo>
+                    <a:pt x="76" y="180"/>
+                    <a:pt x="63" y="152"/>
+                    <a:pt x="50" y="123"/>
+                  </a:cubicBezTo>
+                  <a:cubicBezTo>
+                    <a:pt x="34" y="88"/>
+                    <a:pt x="20" y="51"/>
+                    <a:pt x="6" y="15"/>
+                  </a:cubicBezTo>
+                  <a:close/>
+                </a:path>
+              </a:pathLst>
+            </a:custGeom>
+            <a:solidFill>
+              <a:schemeClr val="tx2"/>
+            </a:solidFill>
+            <a:ln>
+              <a:noFill/>
+            </a:ln>
+          </p:spPr>
+        </p:sp>
+        <p:sp>
+          <p:nvSpPr>
+            <p:cNvPr id="14" name="Freeform 30"/>
+            <p:cNvSpPr/>
+            <p:nvPr/>
+          </p:nvSpPr>
+          <p:spPr bwMode="auto">
+            <a:xfrm>
+              <a:off x="7037388" y="3811588"/>
+              <a:ext cx="457200" cy="1852613"/>
+            </a:xfrm>
+            <a:custGeom>
+              <a:avLst/>
+              <a:gdLst/>
+              <a:ahLst/>
+              <a:cxnLst/>
+              <a:rect l="0" t="0" r="r" b="b"/>
+              <a:pathLst>
+                <a:path w="115" h="467">
+                  <a:moveTo>
+                    <a:pt x="101" y="409"/>
+                  </a:moveTo>
+                  <a:cubicBezTo>
+                    <a:pt x="93" y="388"/>
+                    <a:pt x="85" y="366"/>
+                    <a:pt x="78" y="344"/>
+                  </a:cubicBezTo>
+                  <a:cubicBezTo>
+                    <a:pt x="57" y="281"/>
+                    <a:pt x="41" y="216"/>
+                    <a:pt x="29" y="151"/>
+                  </a:cubicBezTo>
+                  <a:cubicBezTo>
+                    <a:pt x="22" y="119"/>
+                    <a:pt x="17" y="86"/>
+                    <a:pt x="13" y="53"/>
+                  </a:cubicBezTo>
+                  <a:cubicBezTo>
+                    <a:pt x="9" y="35"/>
+                    <a:pt x="4" y="18"/>
+                    <a:pt x="0" y="0"/>
+                  </a:cubicBezTo>
+                  <a:cubicBezTo>
+                    <a:pt x="5" y="51"/>
+                    <a:pt x="12" y="102"/>
+                    <a:pt x="21" y="152"/>
+                  </a:cubicBezTo>
+                  <a:cubicBezTo>
+                    <a:pt x="33" y="218"/>
+                    <a:pt x="49" y="283"/>
+                    <a:pt x="69" y="347"/>
+                  </a:cubicBezTo>
+                  <a:cubicBezTo>
+                    <a:pt x="79" y="378"/>
+                    <a:pt x="90" y="410"/>
+                    <a:pt x="103" y="441"/>
+                  </a:cubicBezTo>
+                  <a:cubicBezTo>
+                    <a:pt x="107" y="449"/>
+                    <a:pt x="111" y="458"/>
+                    <a:pt x="115" y="467"/>
+                  </a:cubicBezTo>
+                  <a:cubicBezTo>
+                    <a:pt x="114" y="464"/>
+                    <a:pt x="113" y="461"/>
+                    <a:pt x="112" y="458"/>
+                  </a:cubicBezTo>
+                  <a:cubicBezTo>
+                    <a:pt x="108" y="442"/>
+                    <a:pt x="104" y="425"/>
+                    <a:pt x="101" y="409"/>
+                  </a:cubicBezTo>
+                  <a:close/>
+                </a:path>
+              </a:pathLst>
+            </a:custGeom>
+            <a:solidFill>
+              <a:schemeClr val="tx2"/>
+            </a:solidFill>
+            <a:ln>
+              <a:noFill/>
+            </a:ln>
+          </p:spPr>
+        </p:sp>
+        <p:sp>
+          <p:nvSpPr>
+            <p:cNvPr id="15" name="Freeform 31"/>
+            <p:cNvSpPr/>
+            <p:nvPr/>
+          </p:nvSpPr>
+          <p:spPr bwMode="auto">
+            <a:xfrm>
+              <a:off x="6992938" y="1263650"/>
+              <a:ext cx="144463" cy="2508250"/>
+            </a:xfrm>
+            <a:custGeom>
+              <a:avLst/>
+              <a:gdLst/>
+              <a:ahLst/>
+              <a:cxnLst/>
+              <a:rect l="0" t="0" r="r" b="b"/>
+              <a:pathLst>
+                <a:path w="36" h="633">
+                  <a:moveTo>
+                    <a:pt x="17" y="633"/>
+                  </a:moveTo>
+                  <a:cubicBezTo>
+                    <a:pt x="15" y="621"/>
+                    <a:pt x="14" y="609"/>
+                    <a:pt x="13" y="597"/>
+                  </a:cubicBezTo>
+                  <a:cubicBezTo>
+                    <a:pt x="8" y="530"/>
+                    <a:pt x="5" y="464"/>
+                    <a:pt x="5" y="398"/>
+                  </a:cubicBezTo>
+                  <a:cubicBezTo>
+                    <a:pt x="5" y="331"/>
+                    <a:pt x="8" y="265"/>
+                    <a:pt x="13" y="198"/>
+                  </a:cubicBezTo>
+                  <a:cubicBezTo>
+                    <a:pt x="15" y="165"/>
+                    <a:pt x="18" y="132"/>
+                    <a:pt x="22" y="99"/>
+                  </a:cubicBezTo>
+                  <a:cubicBezTo>
+                    <a:pt x="26" y="66"/>
+                    <a:pt x="30" y="33"/>
+                    <a:pt x="36" y="0"/>
+                  </a:cubicBezTo>
+                  <a:cubicBezTo>
+                    <a:pt x="35" y="0"/>
+                    <a:pt x="35" y="0"/>
+                    <a:pt x="35" y="0"/>
+                  </a:cubicBezTo>
+                  <a:cubicBezTo>
+                    <a:pt x="29" y="33"/>
+                    <a:pt x="24" y="66"/>
+                    <a:pt x="20" y="99"/>
+                  </a:cubicBezTo>
+                  <a:cubicBezTo>
+                    <a:pt x="16" y="132"/>
+                    <a:pt x="13" y="165"/>
+                    <a:pt x="10" y="198"/>
+                  </a:cubicBezTo>
+                  <a:cubicBezTo>
+                    <a:pt x="4" y="264"/>
+                    <a:pt x="1" y="331"/>
+                    <a:pt x="1" y="398"/>
+                  </a:cubicBezTo>
+                  <a:cubicBezTo>
+                    <a:pt x="0" y="461"/>
+                    <a:pt x="2" y="525"/>
+                    <a:pt x="7" y="589"/>
+                  </a:cubicBezTo>
+                  <a:cubicBezTo>
+                    <a:pt x="10" y="603"/>
+                    <a:pt x="13" y="618"/>
+                    <a:pt x="16" y="632"/>
+                  </a:cubicBezTo>
+                  <a:cubicBezTo>
+                    <a:pt x="16" y="632"/>
+                    <a:pt x="17" y="633"/>
+                    <a:pt x="17" y="633"/>
+                  </a:cubicBezTo>
+                  <a:close/>
+                </a:path>
+              </a:pathLst>
+            </a:custGeom>
+            <a:solidFill>
+              <a:schemeClr val="tx2"/>
+            </a:solidFill>
+            <a:ln>
+              <a:noFill/>
+            </a:ln>
+          </p:spPr>
+        </p:sp>
+        <p:sp>
+          <p:nvSpPr>
+            <p:cNvPr id="16" name="Freeform 32"/>
+            <p:cNvSpPr/>
+            <p:nvPr/>
+          </p:nvSpPr>
+          <p:spPr bwMode="auto">
+            <a:xfrm>
+              <a:off x="7526338" y="5640388"/>
+              <a:ext cx="111125" cy="233363"/>
+            </a:xfrm>
+            <a:custGeom>
+              <a:avLst/>
+              <a:gdLst/>
+              <a:ahLst/>
+              <a:cxnLst/>
+              <a:rect l="0" t="0" r="r" b="b"/>
+              <a:pathLst>
+                <a:path w="28" h="59">
+                  <a:moveTo>
+                    <a:pt x="22" y="59"/>
+                  </a:moveTo>
+                  <a:cubicBezTo>
+                    <a:pt x="28" y="59"/>
+                    <a:pt x="28" y="59"/>
+                    <a:pt x="28" y="59"/>
+                  </a:cubicBezTo>
+                  <a:cubicBezTo>
+                    <a:pt x="18" y="40"/>
+                    <a:pt x="9" y="20"/>
+                    <a:pt x="0" y="0"/>
+                  </a:cubicBezTo>
+                  <a:cubicBezTo>
+                    <a:pt x="6" y="20"/>
+                    <a:pt x="13" y="40"/>
+                    <a:pt x="22" y="59"/>
+                  </a:cubicBezTo>
+                  <a:close/>
+                </a:path>
+              </a:pathLst>
+            </a:custGeom>
+            <a:solidFill>
+              <a:schemeClr val="tx2"/>
+            </a:solidFill>
+            <a:ln>
+              <a:noFill/>
+            </a:ln>
+          </p:spPr>
+        </p:sp>
+        <p:sp>
+          <p:nvSpPr>
+            <p:cNvPr id="17" name="Freeform 33"/>
+            <p:cNvSpPr/>
+            <p:nvPr/>
+          </p:nvSpPr>
+          <p:spPr bwMode="auto">
+            <a:xfrm>
+              <a:off x="7021513" y="3598863"/>
+              <a:ext cx="68263" cy="423863"/>
+            </a:xfrm>
+            <a:custGeom>
+              <a:avLst/>
+              <a:gdLst/>
+              <a:ahLst/>
+              <a:cxnLst/>
+              <a:rect l="0" t="0" r="r" b="b"/>
+              <a:pathLst>
+                <a:path w="17" h="107">
+                  <a:moveTo>
+                    <a:pt x="4" y="54"/>
+                  </a:moveTo>
+                  <a:cubicBezTo>
+                    <a:pt x="8" y="72"/>
+                    <a:pt x="13" y="89"/>
+                    <a:pt x="17" y="107"/>
+                  </a:cubicBezTo>
+                  <a:cubicBezTo>
+                    <a:pt x="14" y="86"/>
+                    <a:pt x="12" y="65"/>
+                    <a:pt x="10" y="44"/>
+                  </a:cubicBezTo>
+                  <a:cubicBezTo>
+                    <a:pt x="10" y="44"/>
+                    <a:pt x="9" y="43"/>
+                    <a:pt x="9" y="43"/>
+                  </a:cubicBezTo>
+                  <a:cubicBezTo>
+                    <a:pt x="6" y="29"/>
+                    <a:pt x="3" y="14"/>
+                    <a:pt x="0" y="0"/>
+                  </a:cubicBezTo>
+                  <a:cubicBezTo>
+                    <a:pt x="0" y="2"/>
+                    <a:pt x="0" y="5"/>
+                    <a:pt x="0" y="8"/>
+                  </a:cubicBezTo>
+                  <a:cubicBezTo>
+                    <a:pt x="1" y="23"/>
+                    <a:pt x="3" y="39"/>
+                    <a:pt x="4" y="54"/>
+                  </a:cubicBezTo>
+                  <a:close/>
+                </a:path>
+              </a:pathLst>
+            </a:custGeom>
+            <a:solidFill>
+              <a:schemeClr val="tx2"/>
+            </a:solidFill>
+            <a:ln>
+              <a:noFill/>
+            </a:ln>
+          </p:spPr>
+        </p:sp>
+        <p:sp>
+          <p:nvSpPr>
+            <p:cNvPr id="18" name="Freeform 34"/>
+            <p:cNvSpPr/>
+            <p:nvPr/>
+          </p:nvSpPr>
+          <p:spPr bwMode="auto">
+            <a:xfrm>
+              <a:off x="7412038" y="2801938"/>
+              <a:ext cx="1168400" cy="2251075"/>
+            </a:xfrm>
+            <a:custGeom>
+              <a:avLst/>
+              <a:gdLst/>
+              <a:ahLst/>
+              <a:cxnLst/>
+              <a:rect l="0" t="0" r="r" b="b"/>
+              <a:pathLst>
+                <a:path w="294" h="568">
+                  <a:moveTo>
+                    <a:pt x="8" y="553"/>
+                  </a:moveTo>
+                  <a:cubicBezTo>
+                    <a:pt x="9" y="501"/>
+                    <a:pt x="19" y="448"/>
+                    <a:pt x="35" y="397"/>
+                  </a:cubicBezTo>
+                  <a:cubicBezTo>
+                    <a:pt x="51" y="347"/>
+                    <a:pt x="73" y="298"/>
+                    <a:pt x="99" y="252"/>
+                  </a:cubicBezTo>
+                  <a:cubicBezTo>
+                    <a:pt x="124" y="205"/>
+                    <a:pt x="154" y="161"/>
+                    <a:pt x="187" y="119"/>
+                  </a:cubicBezTo>
+                  <a:cubicBezTo>
+                    <a:pt x="203" y="98"/>
+                    <a:pt x="220" y="77"/>
+                    <a:pt x="238" y="58"/>
+                  </a:cubicBezTo>
+                  <a:cubicBezTo>
+                    <a:pt x="247" y="48"/>
+                    <a:pt x="256" y="38"/>
+                    <a:pt x="265" y="28"/>
+                  </a:cubicBezTo>
+                  <a:cubicBezTo>
+                    <a:pt x="274" y="19"/>
+                    <a:pt x="284" y="9"/>
+                    <a:pt x="294" y="0"/>
+                  </a:cubicBezTo>
+                  <a:cubicBezTo>
+                    <a:pt x="293" y="0"/>
+                    <a:pt x="293" y="0"/>
+                    <a:pt x="293" y="0"/>
+                  </a:cubicBezTo>
+                  <a:cubicBezTo>
+                    <a:pt x="283" y="9"/>
+                    <a:pt x="273" y="18"/>
+                    <a:pt x="264" y="27"/>
+                  </a:cubicBezTo>
+                  <a:cubicBezTo>
+                    <a:pt x="255" y="37"/>
+                    <a:pt x="246" y="47"/>
+                    <a:pt x="237" y="56"/>
+                  </a:cubicBezTo>
+                  <a:cubicBezTo>
+                    <a:pt x="218" y="76"/>
+                    <a:pt x="201" y="96"/>
+                    <a:pt x="185" y="117"/>
+                  </a:cubicBezTo>
+                  <a:cubicBezTo>
+                    <a:pt x="151" y="159"/>
+                    <a:pt x="121" y="203"/>
+                    <a:pt x="95" y="249"/>
+                  </a:cubicBezTo>
+                  <a:cubicBezTo>
+                    <a:pt x="68" y="296"/>
+                    <a:pt x="46" y="345"/>
+                    <a:pt x="30" y="396"/>
+                  </a:cubicBezTo>
+                  <a:cubicBezTo>
+                    <a:pt x="13" y="445"/>
+                    <a:pt x="3" y="497"/>
+                    <a:pt x="0" y="549"/>
+                  </a:cubicBezTo>
+                  <a:cubicBezTo>
+                    <a:pt x="3" y="555"/>
+                    <a:pt x="5" y="561"/>
+                    <a:pt x="7" y="568"/>
+                  </a:cubicBezTo>
+                  <a:cubicBezTo>
+                    <a:pt x="7" y="563"/>
+                    <a:pt x="7" y="558"/>
+                    <a:pt x="8" y="553"/>
+                  </a:cubicBezTo>
+                  <a:close/>
+                </a:path>
+              </a:pathLst>
+            </a:custGeom>
+            <a:solidFill>
+              <a:schemeClr val="tx2"/>
+            </a:solidFill>
+            <a:ln>
+              <a:noFill/>
+            </a:ln>
+          </p:spPr>
+        </p:sp>
+        <p:sp>
+          <p:nvSpPr>
+            <p:cNvPr id="19" name="Freeform 35"/>
+            <p:cNvSpPr/>
+            <p:nvPr/>
+          </p:nvSpPr>
+          <p:spPr bwMode="auto">
+            <a:xfrm>
+              <a:off x="7494588" y="5664200"/>
+              <a:ext cx="100013" cy="209550"/>
+            </a:xfrm>
+            <a:custGeom>
+              <a:avLst/>
+              <a:gdLst/>
+              <a:ahLst/>
+              <a:cxnLst/>
+              <a:rect l="0" t="0" r="r" b="b"/>
+              <a:pathLst>
+                <a:path w="25" h="53">
+                  <a:moveTo>
+                    <a:pt x="0" y="0"/>
+                  </a:moveTo>
+                  <a:cubicBezTo>
+                    <a:pt x="5" y="18"/>
+                    <a:pt x="12" y="36"/>
+                    <a:pt x="19" y="53"/>
+                  </a:cubicBezTo>
+                  <a:cubicBezTo>
+                    <a:pt x="25" y="53"/>
+                    <a:pt x="25" y="53"/>
+                    <a:pt x="25" y="53"/>
+                  </a:cubicBezTo>
+                  <a:cubicBezTo>
+                    <a:pt x="16" y="36"/>
+                    <a:pt x="8" y="18"/>
+                    <a:pt x="0" y="0"/>
+                  </a:cubicBezTo>
+                  <a:close/>
+                </a:path>
+              </a:pathLst>
+            </a:custGeom>
+            <a:solidFill>
+              <a:schemeClr val="tx2"/>
+            </a:solidFill>
+            <a:ln>
+              <a:noFill/>
+            </a:ln>
+          </p:spPr>
+        </p:sp>
+        <p:sp>
+          <p:nvSpPr>
+            <p:cNvPr id="20" name="Freeform 36"/>
+            <p:cNvSpPr/>
+            <p:nvPr/>
+          </p:nvSpPr>
+          <p:spPr bwMode="auto">
+            <a:xfrm>
+              <a:off x="7412038" y="5081588"/>
+              <a:ext cx="114300" cy="558800"/>
+            </a:xfrm>
+            <a:custGeom>
+              <a:avLst/>
+              <a:gdLst/>
+              <a:ahLst/>
+              <a:cxnLst/>
+              <a:rect l="0" t="0" r="r" b="b"/>
+              <a:pathLst>
+                <a:path w="29" h="141">
+                  <a:moveTo>
+                    <a:pt x="0" y="0"/>
+                  </a:moveTo>
+                  <a:cubicBezTo>
+                    <a:pt x="0" y="30"/>
+                    <a:pt x="2" y="60"/>
+                    <a:pt x="7" y="89"/>
+                  </a:cubicBezTo>
+                  <a:cubicBezTo>
+                    <a:pt x="11" y="98"/>
+                    <a:pt x="14" y="108"/>
+                    <a:pt x="18" y="117"/>
+                  </a:cubicBezTo>
+                  <a:cubicBezTo>
+                    <a:pt x="22" y="125"/>
+                    <a:pt x="25" y="133"/>
+                    <a:pt x="29" y="141"/>
+                  </a:cubicBezTo>
+                  <a:cubicBezTo>
+                    <a:pt x="28" y="139"/>
+                    <a:pt x="28" y="137"/>
+                    <a:pt x="27" y="135"/>
+                  </a:cubicBezTo>
+                  <a:cubicBezTo>
+                    <a:pt x="16" y="98"/>
+                    <a:pt x="10" y="60"/>
+                    <a:pt x="8" y="22"/>
+                  </a:cubicBezTo>
+                  <a:cubicBezTo>
+                    <a:pt x="7" y="18"/>
+                    <a:pt x="5" y="15"/>
+                    <a:pt x="4" y="11"/>
+                  </a:cubicBezTo>
+                  <a:cubicBezTo>
+                    <a:pt x="2" y="7"/>
+                    <a:pt x="1" y="3"/>
+                    <a:pt x="0" y="0"/>
+                  </a:cubicBezTo>
+                  <a:close/>
+                </a:path>
+              </a:pathLst>
+            </a:custGeom>
+            <a:solidFill>
+              <a:schemeClr val="tx2"/>
+            </a:solidFill>
+            <a:ln>
+              <a:noFill/>
+            </a:ln>
+          </p:spPr>
+        </p:sp>
+        <p:sp>
+          <p:nvSpPr>
+            <p:cNvPr id="21" name="Freeform 37"/>
+            <p:cNvSpPr/>
+            <p:nvPr/>
+          </p:nvSpPr>
+          <p:spPr bwMode="auto">
+            <a:xfrm>
+              <a:off x="7412038" y="4978400"/>
+              <a:ext cx="31750" cy="188913"/>
+            </a:xfrm>
+            <a:custGeom>
+              <a:avLst/>
+              <a:gdLst/>
+              <a:ahLst/>
+              <a:cxnLst/>
+              <a:rect l="0" t="0" r="r" b="b"/>
+              <a:pathLst>
+                <a:path w="8" h="48">
+                  <a:moveTo>
+                    <a:pt x="0" y="26"/>
+                  </a:moveTo>
+                  <a:cubicBezTo>
+                    <a:pt x="1" y="29"/>
+                    <a:pt x="2" y="33"/>
+                    <a:pt x="4" y="37"/>
+                  </a:cubicBezTo>
+                  <a:cubicBezTo>
+                    <a:pt x="5" y="41"/>
+                    <a:pt x="7" y="44"/>
+                    <a:pt x="8" y="48"/>
+                  </a:cubicBezTo>
+                  <a:cubicBezTo>
+                    <a:pt x="7" y="38"/>
+                    <a:pt x="7" y="28"/>
+                    <a:pt x="7" y="19"/>
+                  </a:cubicBezTo>
+                  <a:cubicBezTo>
+                    <a:pt x="5" y="12"/>
+                    <a:pt x="3" y="6"/>
+                    <a:pt x="0" y="0"/>
+                  </a:cubicBezTo>
+                  <a:cubicBezTo>
+                    <a:pt x="0" y="1"/>
+                    <a:pt x="0" y="3"/>
+                    <a:pt x="0" y="4"/>
+                  </a:cubicBezTo>
+                  <a:cubicBezTo>
+                    <a:pt x="0" y="11"/>
+                    <a:pt x="0" y="19"/>
+                    <a:pt x="0" y="26"/>
+                  </a:cubicBezTo>
+                  <a:close/>
+                </a:path>
+              </a:pathLst>
+            </a:custGeom>
+            <a:solidFill>
+              <a:schemeClr val="tx2"/>
+            </a:solidFill>
+            <a:ln>
+              <a:noFill/>
+            </a:ln>
+          </p:spPr>
+        </p:sp>
+        <p:sp>
+          <p:nvSpPr>
+            <p:cNvPr id="22" name="Freeform 38"/>
+            <p:cNvSpPr/>
+            <p:nvPr/>
+          </p:nvSpPr>
+          <p:spPr bwMode="auto">
+            <a:xfrm>
+              <a:off x="7439026" y="5434013"/>
+              <a:ext cx="174625" cy="439738"/>
+            </a:xfrm>
+            <a:custGeom>
+              <a:avLst/>
+              <a:gdLst/>
+              <a:ahLst/>
+              <a:cxnLst/>
+              <a:rect l="0" t="0" r="r" b="b"/>
+              <a:pathLst>
+                <a:path w="44" h="111">
+                  <a:moveTo>
+                    <a:pt x="11" y="28"/>
+                  </a:moveTo>
+                  <a:cubicBezTo>
+                    <a:pt x="7" y="19"/>
+                    <a:pt x="4" y="9"/>
+                    <a:pt x="0" y="0"/>
+                  </a:cubicBezTo>
+                  <a:cubicBezTo>
+                    <a:pt x="3" y="16"/>
+                    <a:pt x="7" y="33"/>
+                    <a:pt x="11" y="49"/>
+                  </a:cubicBezTo>
+                  <a:cubicBezTo>
+                    <a:pt x="12" y="52"/>
+                    <a:pt x="13" y="55"/>
+                    <a:pt x="14" y="58"/>
+                  </a:cubicBezTo>
+                  <a:cubicBezTo>
+                    <a:pt x="22" y="76"/>
+                    <a:pt x="30" y="94"/>
+                    <a:pt x="39" y="111"/>
+                  </a:cubicBezTo>
+                  <a:cubicBezTo>
+                    <a:pt x="44" y="111"/>
+                    <a:pt x="44" y="111"/>
+                    <a:pt x="44" y="111"/>
+                  </a:cubicBezTo>
+                  <a:cubicBezTo>
+                    <a:pt x="35" y="92"/>
+                    <a:pt x="28" y="72"/>
+                    <a:pt x="22" y="52"/>
+                  </a:cubicBezTo>
+                  <a:cubicBezTo>
+                    <a:pt x="18" y="44"/>
+                    <a:pt x="15" y="36"/>
+                    <a:pt x="11" y="28"/>
+                  </a:cubicBezTo>
+                  <a:close/>
+                </a:path>
+              </a:pathLst>
+            </a:custGeom>
+            <a:solidFill>
+              <a:schemeClr val="tx2"/>
+            </a:solidFill>
+            <a:ln>
+              <a:noFill/>
+            </a:ln>
+          </p:spPr>
+        </p:sp>
+      </p:grpSp>
+      <p:sp>
+        <p:nvSpPr>
+          <p:cNvPr id="7" name="Rectangle 6"/>
+          <p:cNvSpPr/>
+          <p:nvPr/>
         </p:nvSpPr>
         <p:spPr>
           <a:xfrm>
-            <a:off x="838200" y="365125"/>
-            <a:ext cx="10515600" cy="1325563"/>
+            <a:off x="0" y="0"/>
+            <a:ext cx="182880" cy="6858000"/>
+          </a:xfrm>
+          <a:prstGeom prst="rect">
+            <a:avLst/>
+          </a:prstGeom>
+          <a:solidFill>
+            <a:schemeClr val="tx2"/>
+          </a:solidFill>
+          <a:ln>
+            <a:noFill/>
+          </a:ln>
+          <a:effectLst/>
+        </p:spPr>
+        <p:style>
+          <a:lnRef idx="1">
+            <a:schemeClr val="accent1"/>
+          </a:lnRef>
+          <a:fillRef idx="3">
+            <a:schemeClr val="accent1"/>
+          </a:fillRef>
+          <a:effectRef idx="2">
+            <a:schemeClr val="accent1"/>
+          </a:effectRef>
+          <a:fontRef idx="minor">
+            <a:schemeClr val="lt1"/>
+          </a:fontRef>
+        </p:style>
+      </p:sp>
+      <p:sp>
+        <p:nvSpPr>
+          <p:cNvPr id="2" name="Title Placeholder 1"/>
+          <p:cNvSpPr>
+            <a:spLocks noGrp="1"/>
+          </p:cNvSpPr>
+          <p:nvPr>
+            <p:ph type="title"/>
+          </p:nvPr>
+        </p:nvSpPr>
+        <p:spPr>
+          <a:xfrm>
+            <a:off x="2592924" y="624110"/>
+            <a:ext cx="8911687" cy="1280890"/>
           </a:xfrm>
           <a:prstGeom prst="rect">
             <a:avLst/>
           </a:prstGeom>
         </p:spPr>
         <p:txBody>
-          <a:bodyPr vert="horz" lIns="91440" tIns="45720" rIns="91440" bIns="45720" rtlCol="0" anchor="ctr">
+          <a:bodyPr vert="horz" lIns="91440" tIns="45720" rIns="91440" bIns="45720" rtlCol="0" anchor="t">
             <a:normAutofit/>
           </a:bodyPr>
           <a:lstStyle/>
@@ -2464,13 +7064,13 @@
               <a:rPr lang="es-ES" smtClean="0"/>
               <a:t>Haga clic para modificar el estilo de título del patrón</a:t>
             </a:r>
-            <a:endParaRPr lang="en-US"/>
-          </a:p>
-        </p:txBody>
-      </p:sp>
-      <p:sp>
-        <p:nvSpPr>
-          <p:cNvPr id="3" name="Marcador de texto 2"/>
+            <a:endParaRPr lang="en-US" dirty="0"/>
+          </a:p>
+        </p:txBody>
+      </p:sp>
+      <p:sp>
+        <p:nvSpPr>
+          <p:cNvPr id="3" name="Text Placeholder 2"/>
           <p:cNvSpPr>
             <a:spLocks noGrp="1"/>
           </p:cNvSpPr>
@@ -2480,8 +7080,8 @@
         </p:nvSpPr>
         <p:spPr>
           <a:xfrm>
-            <a:off x="838200" y="1825625"/>
-            <a:ext cx="10515600" cy="4351338"/>
+            <a:off x="2589212" y="2133600"/>
+            <a:ext cx="8915400" cy="3886200"/>
           </a:xfrm>
           <a:prstGeom prst="rect">
             <a:avLst/>
@@ -2526,13 +7126,13 @@
               <a:rPr lang="es-ES" smtClean="0"/>
               <a:t>Quinto nivel</a:t>
             </a:r>
-            <a:endParaRPr lang="en-US"/>
-          </a:p>
-        </p:txBody>
-      </p:sp>
-      <p:sp>
-        <p:nvSpPr>
-          <p:cNvPr id="4" name="Marcador de fecha 3"/>
+            <a:endParaRPr lang="en-US" dirty="0"/>
+          </a:p>
+        </p:txBody>
+      </p:sp>
+      <p:sp>
+        <p:nvSpPr>
+          <p:cNvPr id="4" name="Date Placeholder 3"/>
           <p:cNvSpPr>
             <a:spLocks noGrp="1"/>
           </p:cNvSpPr>
@@ -2542,8 +7142,8 @@
         </p:nvSpPr>
         <p:spPr>
           <a:xfrm>
-            <a:off x="838200" y="6356350"/>
-            <a:ext cx="2743200" cy="365125"/>
+            <a:off x="10361612" y="6130437"/>
+            <a:ext cx="1146283" cy="370396"/>
           </a:xfrm>
           <a:prstGeom prst="rect">
             <a:avLst/>
@@ -2552,8 +7152,8 @@
         <p:txBody>
           <a:bodyPr vert="horz" lIns="91440" tIns="45720" rIns="91440" bIns="45720" rtlCol="0" anchor="ctr"/>
           <a:lstStyle>
-            <a:lvl1pPr algn="l">
-              <a:defRPr sz="1200">
+            <a:lvl1pPr algn="r">
+              <a:defRPr sz="900">
                 <a:solidFill>
                   <a:schemeClr val="tx1">
                     <a:tint val="75000"/>
@@ -2565,7 +7165,7 @@
           <a:p>
             <a:fld id="{CA4F40FF-563B-4111-A958-728949FF0409}" type="datetimeFigureOut">
               <a:rPr lang="en-US" smtClean="0"/>
-              <a:t>10/20/2020</a:t>
+              <a:t>10/21/2020</a:t>
             </a:fld>
             <a:endParaRPr lang="en-US"/>
           </a:p>
@@ -2573,7 +7173,7 @@
       </p:sp>
       <p:sp>
         <p:nvSpPr>
-          <p:cNvPr id="5" name="Marcador de pie de página 4"/>
+          <p:cNvPr id="5" name="Footer Placeholder 4"/>
           <p:cNvSpPr>
             <a:spLocks noGrp="1"/>
           </p:cNvSpPr>
@@ -2583,8 +7183,8 @@
         </p:nvSpPr>
         <p:spPr>
           <a:xfrm>
-            <a:off x="4038600" y="6356350"/>
-            <a:ext cx="4114800" cy="365125"/>
+            <a:off x="2589212" y="6135808"/>
+            <a:ext cx="7619999" cy="365125"/>
           </a:xfrm>
           <a:prstGeom prst="rect">
             <a:avLst/>
@@ -2593,8 +7193,8 @@
         <p:txBody>
           <a:bodyPr vert="horz" lIns="91440" tIns="45720" rIns="91440" bIns="45720" rtlCol="0" anchor="ctr"/>
           <a:lstStyle>
-            <a:lvl1pPr algn="ctr">
-              <a:defRPr sz="1200">
+            <a:lvl1pPr algn="l">
+              <a:defRPr sz="900">
                 <a:solidFill>
                   <a:schemeClr val="tx1">
                     <a:tint val="75000"/>
@@ -2610,7 +7210,7 @@
       </p:sp>
       <p:sp>
         <p:nvSpPr>
-          <p:cNvPr id="6" name="Marcador de número de diapositiva 5"/>
+          <p:cNvPr id="6" name="Slide Number Placeholder 5"/>
           <p:cNvSpPr>
             <a:spLocks noGrp="1"/>
           </p:cNvSpPr>
@@ -2618,10 +7218,10 @@
             <p:ph type="sldNum" sz="quarter" idx="4"/>
           </p:nvPr>
         </p:nvSpPr>
-        <p:spPr>
+        <p:spPr bwMode="gray">
           <a:xfrm>
-            <a:off x="8610600" y="6356350"/>
-            <a:ext cx="2743200" cy="365125"/>
+            <a:off x="531812" y="787782"/>
+            <a:ext cx="779767" cy="365125"/>
           </a:xfrm>
           <a:prstGeom prst="rect">
             <a:avLst/>
@@ -2631,11 +7231,9 @@
           <a:bodyPr vert="horz" lIns="91440" tIns="45720" rIns="91440" bIns="45720" rtlCol="0" anchor="ctr"/>
           <a:lstStyle>
             <a:lvl1pPr algn="r">
-              <a:defRPr sz="1200">
+              <a:defRPr sz="2000">
                 <a:solidFill>
-                  <a:schemeClr val="tx1">
-                    <a:tint val="75000"/>
-                  </a:schemeClr>
+                  <a:srgbClr val="FEFFFF"/>
                 </a:solidFill>
               </a:defRPr>
             </a:lvl1pPr>
@@ -2652,201 +7250,316 @@
     </p:spTree>
     <p:extLst>
       <p:ext uri="{BB962C8B-B14F-4D97-AF65-F5344CB8AC3E}">
-        <p14:creationId xmlns:p14="http://schemas.microsoft.com/office/powerpoint/2010/main" val="3709333012"/>
+        <p14:creationId xmlns:p14="http://schemas.microsoft.com/office/powerpoint/2010/main" val="2128697177"/>
       </p:ext>
     </p:extLst>
   </p:cSld>
   <p:clrMap bg1="lt1" tx1="dk1" bg2="lt2" tx2="dk2" accent1="accent1" accent2="accent2" accent3="accent3" accent4="accent4" accent5="accent5" accent6="accent6" hlink="hlink" folHlink="folHlink"/>
   <p:sldLayoutIdLst>
-    <p:sldLayoutId id="2147483649" r:id="rId1"/>
-    <p:sldLayoutId id="2147483650" r:id="rId2"/>
-    <p:sldLayoutId id="2147483651" r:id="rId3"/>
-    <p:sldLayoutId id="2147483652" r:id="rId4"/>
-    <p:sldLayoutId id="2147483653" r:id="rId5"/>
-    <p:sldLayoutId id="2147483654" r:id="rId6"/>
-    <p:sldLayoutId id="2147483655" r:id="rId7"/>
-    <p:sldLayoutId id="2147483656" r:id="rId8"/>
-    <p:sldLayoutId id="2147483657" r:id="rId9"/>
-    <p:sldLayoutId id="2147483658" r:id="rId10"/>
-    <p:sldLayoutId id="2147483659" r:id="rId11"/>
+    <p:sldLayoutId id="2147483661" r:id="rId1"/>
+    <p:sldLayoutId id="2147483662" r:id="rId2"/>
+    <p:sldLayoutId id="2147483663" r:id="rId3"/>
+    <p:sldLayoutId id="2147483664" r:id="rId4"/>
+    <p:sldLayoutId id="2147483665" r:id="rId5"/>
+    <p:sldLayoutId id="2147483666" r:id="rId6"/>
+    <p:sldLayoutId id="2147483667" r:id="rId7"/>
+    <p:sldLayoutId id="2147483668" r:id="rId8"/>
+    <p:sldLayoutId id="2147483669" r:id="rId9"/>
+    <p:sldLayoutId id="2147483670" r:id="rId10"/>
+    <p:sldLayoutId id="2147483671" r:id="rId11"/>
+    <p:sldLayoutId id="2147483672" r:id="rId12"/>
+    <p:sldLayoutId id="2147483673" r:id="rId13"/>
+    <p:sldLayoutId id="2147483674" r:id="rId14"/>
+    <p:sldLayoutId id="2147483675" r:id="rId15"/>
+    <p:sldLayoutId id="2147483676" r:id="rId16"/>
   </p:sldLayoutIdLst>
   <p:txStyles>
     <p:titleStyle>
-      <a:lvl1pPr algn="l" defTabSz="914400" rtl="0" eaLnBrk="1" latinLnBrk="0" hangingPunct="1">
-        <a:lnSpc>
-          <a:spcPct val="90000"/>
-        </a:lnSpc>
+      <a:lvl1pPr algn="l" defTabSz="457200" rtl="0" eaLnBrk="1" latinLnBrk="0" hangingPunct="1">
         <a:spcBef>
           <a:spcPct val="0"/>
         </a:spcBef>
         <a:buNone/>
-        <a:defRPr sz="4400" kern="1200">
+        <a:defRPr sz="3600" kern="1200">
           <a:solidFill>
-            <a:schemeClr val="tx1"/>
+            <a:schemeClr val="tx1">
+              <a:lumMod val="85000"/>
+              <a:lumOff val="15000"/>
+            </a:schemeClr>
           </a:solidFill>
           <a:latin typeface="+mj-lt"/>
           <a:ea typeface="+mj-ea"/>
           <a:cs typeface="+mj-cs"/>
         </a:defRPr>
       </a:lvl1pPr>
+      <a:lvl2pPr eaLnBrk="1" hangingPunct="1">
+        <a:defRPr>
+          <a:solidFill>
+            <a:schemeClr val="tx2"/>
+          </a:solidFill>
+        </a:defRPr>
+      </a:lvl2pPr>
+      <a:lvl3pPr eaLnBrk="1" hangingPunct="1">
+        <a:defRPr>
+          <a:solidFill>
+            <a:schemeClr val="tx2"/>
+          </a:solidFill>
+        </a:defRPr>
+      </a:lvl3pPr>
+      <a:lvl4pPr eaLnBrk="1" hangingPunct="1">
+        <a:defRPr>
+          <a:solidFill>
+            <a:schemeClr val="tx2"/>
+          </a:solidFill>
+        </a:defRPr>
+      </a:lvl4pPr>
+      <a:lvl5pPr eaLnBrk="1" hangingPunct="1">
+        <a:defRPr>
+          <a:solidFill>
+            <a:schemeClr val="tx2"/>
+          </a:solidFill>
+        </a:defRPr>
+      </a:lvl5pPr>
+      <a:lvl6pPr eaLnBrk="1" hangingPunct="1">
+        <a:defRPr>
+          <a:solidFill>
+            <a:schemeClr val="tx2"/>
+          </a:solidFill>
+        </a:defRPr>
+      </a:lvl6pPr>
+      <a:lvl7pPr eaLnBrk="1" hangingPunct="1">
+        <a:defRPr>
+          <a:solidFill>
+            <a:schemeClr val="tx2"/>
+          </a:solidFill>
+        </a:defRPr>
+      </a:lvl7pPr>
+      <a:lvl8pPr eaLnBrk="1" hangingPunct="1">
+        <a:defRPr>
+          <a:solidFill>
+            <a:schemeClr val="tx2"/>
+          </a:solidFill>
+        </a:defRPr>
+      </a:lvl8pPr>
+      <a:lvl9pPr eaLnBrk="1" hangingPunct="1">
+        <a:defRPr>
+          <a:solidFill>
+            <a:schemeClr val="tx2"/>
+          </a:solidFill>
+        </a:defRPr>
+      </a:lvl9pPr>
     </p:titleStyle>
     <p:bodyStyle>
-      <a:lvl1pPr marL="228600" indent="-228600" algn="l" defTabSz="914400" rtl="0" eaLnBrk="1" latinLnBrk="0" hangingPunct="1">
-        <a:lnSpc>
-          <a:spcPct val="90000"/>
-        </a:lnSpc>
+      <a:lvl1pPr marL="342900" indent="-342900" algn="l" defTabSz="457200" rtl="0" eaLnBrk="1" latinLnBrk="0" hangingPunct="1">
         <a:spcBef>
           <a:spcPts val="1000"/>
         </a:spcBef>
-        <a:buFont typeface="Arial" panose="020B0604020202020204" pitchFamily="34" charset="0"/>
-        <a:buChar char="•"/>
-        <a:defRPr sz="2800" kern="1200">
+        <a:spcAft>
+          <a:spcPts val="0"/>
+        </a:spcAft>
+        <a:buClr>
+          <a:schemeClr val="accent1"/>
+        </a:buClr>
+        <a:buFont typeface="Wingdings 3" charset="2"/>
+        <a:buChar char=""/>
+        <a:defRPr sz="1800" kern="1200">
           <a:solidFill>
-            <a:schemeClr val="tx1"/>
+            <a:schemeClr val="tx1">
+              <a:lumMod val="75000"/>
+              <a:lumOff val="25000"/>
+            </a:schemeClr>
           </a:solidFill>
           <a:latin typeface="+mn-lt"/>
           <a:ea typeface="+mn-ea"/>
           <a:cs typeface="+mn-cs"/>
         </a:defRPr>
       </a:lvl1pPr>
-      <a:lvl2pPr marL="685800" indent="-228600" algn="l" defTabSz="914400" rtl="0" eaLnBrk="1" latinLnBrk="0" hangingPunct="1">
-        <a:lnSpc>
-          <a:spcPct val="90000"/>
-        </a:lnSpc>
+      <a:lvl2pPr marL="742950" indent="-285750" algn="l" defTabSz="457200" rtl="0" eaLnBrk="1" latinLnBrk="0" hangingPunct="1">
         <a:spcBef>
-          <a:spcPts val="500"/>
+          <a:spcPts val="1000"/>
         </a:spcBef>
-        <a:buFont typeface="Arial" panose="020B0604020202020204" pitchFamily="34" charset="0"/>
-        <a:buChar char="•"/>
-        <a:defRPr sz="2400" kern="1200">
+        <a:spcAft>
+          <a:spcPts val="0"/>
+        </a:spcAft>
+        <a:buClr>
+          <a:schemeClr val="accent1"/>
+        </a:buClr>
+        <a:buFont typeface="Wingdings 3" charset="2"/>
+        <a:buChar char=""/>
+        <a:defRPr sz="1600" kern="1200">
           <a:solidFill>
-            <a:schemeClr val="tx1"/>
+            <a:schemeClr val="tx1">
+              <a:lumMod val="75000"/>
+              <a:lumOff val="25000"/>
+            </a:schemeClr>
           </a:solidFill>
           <a:latin typeface="+mn-lt"/>
           <a:ea typeface="+mn-ea"/>
           <a:cs typeface="+mn-cs"/>
         </a:defRPr>
       </a:lvl2pPr>
-      <a:lvl3pPr marL="1143000" indent="-228600" algn="l" defTabSz="914400" rtl="0" eaLnBrk="1" latinLnBrk="0" hangingPunct="1">
-        <a:lnSpc>
-          <a:spcPct val="90000"/>
-        </a:lnSpc>
+      <a:lvl3pPr marL="1143000" indent="-228600" algn="l" defTabSz="457200" rtl="0" eaLnBrk="1" latinLnBrk="0" hangingPunct="1">
         <a:spcBef>
-          <a:spcPts val="500"/>
+          <a:spcPts val="1000"/>
         </a:spcBef>
-        <a:buFont typeface="Arial" panose="020B0604020202020204" pitchFamily="34" charset="0"/>
-        <a:buChar char="•"/>
-        <a:defRPr sz="2000" kern="1200">
+        <a:spcAft>
+          <a:spcPts val="0"/>
+        </a:spcAft>
+        <a:buClr>
+          <a:schemeClr val="accent1"/>
+        </a:buClr>
+        <a:buFont typeface="Wingdings 3" charset="2"/>
+        <a:buChar char=""/>
+        <a:defRPr sz="1400" kern="1200">
           <a:solidFill>
-            <a:schemeClr val="tx1"/>
+            <a:schemeClr val="tx1">
+              <a:lumMod val="75000"/>
+              <a:lumOff val="25000"/>
+            </a:schemeClr>
           </a:solidFill>
           <a:latin typeface="+mn-lt"/>
           <a:ea typeface="+mn-ea"/>
           <a:cs typeface="+mn-cs"/>
         </a:defRPr>
       </a:lvl3pPr>
-      <a:lvl4pPr marL="1600200" indent="-228600" algn="l" defTabSz="914400" rtl="0" eaLnBrk="1" latinLnBrk="0" hangingPunct="1">
-        <a:lnSpc>
-          <a:spcPct val="90000"/>
-        </a:lnSpc>
+      <a:lvl4pPr marL="1600200" indent="-228600" algn="l" defTabSz="457200" rtl="0" eaLnBrk="1" latinLnBrk="0" hangingPunct="1">
         <a:spcBef>
-          <a:spcPts val="500"/>
+          <a:spcPts val="1000"/>
         </a:spcBef>
-        <a:buFont typeface="Arial" panose="020B0604020202020204" pitchFamily="34" charset="0"/>
-        <a:buChar char="•"/>
-        <a:defRPr sz="1800" kern="1200">
+        <a:spcAft>
+          <a:spcPts val="0"/>
+        </a:spcAft>
+        <a:buClr>
+          <a:schemeClr val="accent1"/>
+        </a:buClr>
+        <a:buFont typeface="Wingdings 3" charset="2"/>
+        <a:buChar char=""/>
+        <a:defRPr sz="1200" kern="1200">
           <a:solidFill>
-            <a:schemeClr val="tx1"/>
+            <a:schemeClr val="tx1">
+              <a:lumMod val="75000"/>
+              <a:lumOff val="25000"/>
+            </a:schemeClr>
           </a:solidFill>
           <a:latin typeface="+mn-lt"/>
           <a:ea typeface="+mn-ea"/>
           <a:cs typeface="+mn-cs"/>
         </a:defRPr>
       </a:lvl4pPr>
-      <a:lvl5pPr marL="2057400" indent="-228600" algn="l" defTabSz="914400" rtl="0" eaLnBrk="1" latinLnBrk="0" hangingPunct="1">
-        <a:lnSpc>
-          <a:spcPct val="90000"/>
-        </a:lnSpc>
+      <a:lvl5pPr marL="2057400" indent="-228600" algn="l" defTabSz="457200" rtl="0" eaLnBrk="1" latinLnBrk="0" hangingPunct="1">
         <a:spcBef>
-          <a:spcPts val="500"/>
+          <a:spcPts val="1000"/>
         </a:spcBef>
-        <a:buFont typeface="Arial" panose="020B0604020202020204" pitchFamily="34" charset="0"/>
-        <a:buChar char="•"/>
-        <a:defRPr sz="1800" kern="1200">
+        <a:spcAft>
+          <a:spcPts val="0"/>
+        </a:spcAft>
+        <a:buClr>
+          <a:schemeClr val="accent1"/>
+        </a:buClr>
+        <a:buFont typeface="Wingdings 3" charset="2"/>
+        <a:buChar char=""/>
+        <a:defRPr sz="1200" kern="1200">
           <a:solidFill>
-            <a:schemeClr val="tx1"/>
+            <a:schemeClr val="tx1">
+              <a:lumMod val="75000"/>
+              <a:lumOff val="25000"/>
+            </a:schemeClr>
           </a:solidFill>
           <a:latin typeface="+mn-lt"/>
           <a:ea typeface="+mn-ea"/>
           <a:cs typeface="+mn-cs"/>
         </a:defRPr>
       </a:lvl5pPr>
-      <a:lvl6pPr marL="2514600" indent="-228600" algn="l" defTabSz="914400" rtl="0" eaLnBrk="1" latinLnBrk="0" hangingPunct="1">
-        <a:lnSpc>
-          <a:spcPct val="90000"/>
-        </a:lnSpc>
+      <a:lvl6pPr marL="2514600" indent="-228600" algn="l" defTabSz="457200" rtl="0" eaLnBrk="1" latinLnBrk="0" hangingPunct="1">
         <a:spcBef>
-          <a:spcPts val="500"/>
+          <a:spcPts val="1000"/>
         </a:spcBef>
-        <a:buFont typeface="Arial" panose="020B0604020202020204" pitchFamily="34" charset="0"/>
-        <a:buChar char="•"/>
-        <a:defRPr sz="1800" kern="1200">
+        <a:spcAft>
+          <a:spcPts val="0"/>
+        </a:spcAft>
+        <a:buClr>
+          <a:schemeClr val="accent1"/>
+        </a:buClr>
+        <a:buFont typeface="Wingdings 3" charset="2"/>
+        <a:buChar char=""/>
+        <a:defRPr sz="1200" kern="1200">
           <a:solidFill>
-            <a:schemeClr val="tx1"/>
+            <a:schemeClr val="tx1">
+              <a:lumMod val="75000"/>
+              <a:lumOff val="25000"/>
+            </a:schemeClr>
           </a:solidFill>
           <a:latin typeface="+mn-lt"/>
           <a:ea typeface="+mn-ea"/>
           <a:cs typeface="+mn-cs"/>
         </a:defRPr>
       </a:lvl6pPr>
-      <a:lvl7pPr marL="2971800" indent="-228600" algn="l" defTabSz="914400" rtl="0" eaLnBrk="1" latinLnBrk="0" hangingPunct="1">
-        <a:lnSpc>
-          <a:spcPct val="90000"/>
-        </a:lnSpc>
+      <a:lvl7pPr marL="2971800" indent="-228600" algn="l" defTabSz="457200" rtl="0" eaLnBrk="1" latinLnBrk="0" hangingPunct="1">
         <a:spcBef>
-          <a:spcPts val="500"/>
+          <a:spcPts val="1000"/>
         </a:spcBef>
-        <a:buFont typeface="Arial" panose="020B0604020202020204" pitchFamily="34" charset="0"/>
-        <a:buChar char="•"/>
-        <a:defRPr sz="1800" kern="1200">
+        <a:spcAft>
+          <a:spcPts val="0"/>
+        </a:spcAft>
+        <a:buClr>
+          <a:schemeClr val="accent1"/>
+        </a:buClr>
+        <a:buFont typeface="Wingdings 3" charset="2"/>
+        <a:buChar char=""/>
+        <a:defRPr sz="1200" kern="1200">
           <a:solidFill>
-            <a:schemeClr val="tx1"/>
+            <a:schemeClr val="tx1">
+              <a:lumMod val="75000"/>
+              <a:lumOff val="25000"/>
+            </a:schemeClr>
           </a:solidFill>
           <a:latin typeface="+mn-lt"/>
           <a:ea typeface="+mn-ea"/>
           <a:cs typeface="+mn-cs"/>
         </a:defRPr>
       </a:lvl7pPr>
-      <a:lvl8pPr marL="3429000" indent="-228600" algn="l" defTabSz="914400" rtl="0" eaLnBrk="1" latinLnBrk="0" hangingPunct="1">
-        <a:lnSpc>
-          <a:spcPct val="90000"/>
-        </a:lnSpc>
+      <a:lvl8pPr marL="3429000" indent="-228600" algn="l" defTabSz="457200" rtl="0" eaLnBrk="1" latinLnBrk="0" hangingPunct="1">
         <a:spcBef>
-          <a:spcPts val="500"/>
+          <a:spcPts val="1000"/>
         </a:spcBef>
-        <a:buFont typeface="Arial" panose="020B0604020202020204" pitchFamily="34" charset="0"/>
-        <a:buChar char="•"/>
-        <a:defRPr sz="1800" kern="1200">
+        <a:spcAft>
+          <a:spcPts val="0"/>
+        </a:spcAft>
+        <a:buClr>
+          <a:schemeClr val="accent1"/>
+        </a:buClr>
+        <a:buFont typeface="Wingdings 3" charset="2"/>
+        <a:buChar char=""/>
+        <a:defRPr sz="1200" kern="1200">
           <a:solidFill>
-            <a:schemeClr val="tx1"/>
+            <a:schemeClr val="tx1">
+              <a:lumMod val="75000"/>
+              <a:lumOff val="25000"/>
+            </a:schemeClr>
           </a:solidFill>
           <a:latin typeface="+mn-lt"/>
           <a:ea typeface="+mn-ea"/>
           <a:cs typeface="+mn-cs"/>
         </a:defRPr>
       </a:lvl8pPr>
-      <a:lvl9pPr marL="3886200" indent="-228600" algn="l" defTabSz="914400" rtl="0" eaLnBrk="1" latinLnBrk="0" hangingPunct="1">
-        <a:lnSpc>
-          <a:spcPct val="90000"/>
-        </a:lnSpc>
+      <a:lvl9pPr marL="3886200" indent="-228600" algn="l" defTabSz="457200" rtl="0" eaLnBrk="1" latinLnBrk="0" hangingPunct="1">
         <a:spcBef>
-          <a:spcPts val="500"/>
+          <a:spcPts val="1000"/>
         </a:spcBef>
-        <a:buFont typeface="Arial" panose="020B0604020202020204" pitchFamily="34" charset="0"/>
-        <a:buChar char="•"/>
-        <a:defRPr sz="1800" kern="1200">
+        <a:spcAft>
+          <a:spcPts val="0"/>
+        </a:spcAft>
+        <a:buClr>
+          <a:schemeClr val="accent1"/>
+        </a:buClr>
+        <a:buFont typeface="Wingdings 3" charset="2"/>
+        <a:buChar char=""/>
+        <a:defRPr sz="1200" kern="1200">
           <a:solidFill>
-            <a:schemeClr val="tx1"/>
+            <a:schemeClr val="tx1">
+              <a:lumMod val="75000"/>
+              <a:lumOff val="25000"/>
+            </a:schemeClr>
           </a:solidFill>
           <a:latin typeface="+mn-lt"/>
           <a:ea typeface="+mn-ea"/>
@@ -2858,7 +7571,7 @@
       <a:defPPr>
         <a:defRPr lang="en-US"/>
       </a:defPPr>
-      <a:lvl1pPr marL="0" algn="l" defTabSz="914400" rtl="0" eaLnBrk="1" latinLnBrk="0" hangingPunct="1">
+      <a:lvl1pPr marL="0" algn="l" defTabSz="457200" rtl="0" eaLnBrk="1" latinLnBrk="0" hangingPunct="1">
         <a:defRPr sz="1800" kern="1200">
           <a:solidFill>
             <a:schemeClr val="tx1"/>
@@ -2868,7 +7581,7 @@
           <a:cs typeface="+mn-cs"/>
         </a:defRPr>
       </a:lvl1pPr>
-      <a:lvl2pPr marL="457200" algn="l" defTabSz="914400" rtl="0" eaLnBrk="1" latinLnBrk="0" hangingPunct="1">
+      <a:lvl2pPr marL="457200" algn="l" defTabSz="457200" rtl="0" eaLnBrk="1" latinLnBrk="0" hangingPunct="1">
         <a:defRPr sz="1800" kern="1200">
           <a:solidFill>
             <a:schemeClr val="tx1"/>
@@ -2878,7 +7591,7 @@
           <a:cs typeface="+mn-cs"/>
         </a:defRPr>
       </a:lvl2pPr>
-      <a:lvl3pPr marL="914400" algn="l" defTabSz="914400" rtl="0" eaLnBrk="1" latinLnBrk="0" hangingPunct="1">
+      <a:lvl3pPr marL="914400" algn="l" defTabSz="457200" rtl="0" eaLnBrk="1" latinLnBrk="0" hangingPunct="1">
         <a:defRPr sz="1800" kern="1200">
           <a:solidFill>
             <a:schemeClr val="tx1"/>
@@ -2888,7 +7601,7 @@
           <a:cs typeface="+mn-cs"/>
         </a:defRPr>
       </a:lvl3pPr>
-      <a:lvl4pPr marL="1371600" algn="l" defTabSz="914400" rtl="0" eaLnBrk="1" latinLnBrk="0" hangingPunct="1">
+      <a:lvl4pPr marL="1371600" algn="l" defTabSz="457200" rtl="0" eaLnBrk="1" latinLnBrk="0" hangingPunct="1">
         <a:defRPr sz="1800" kern="1200">
           <a:solidFill>
             <a:schemeClr val="tx1"/>
@@ -2898,7 +7611,7 @@
           <a:cs typeface="+mn-cs"/>
         </a:defRPr>
       </a:lvl4pPr>
-      <a:lvl5pPr marL="1828800" algn="l" defTabSz="914400" rtl="0" eaLnBrk="1" latinLnBrk="0" hangingPunct="1">
+      <a:lvl5pPr marL="1828800" algn="l" defTabSz="457200" rtl="0" eaLnBrk="1" latinLnBrk="0" hangingPunct="1">
         <a:defRPr sz="1800" kern="1200">
           <a:solidFill>
             <a:schemeClr val="tx1"/>
@@ -2908,7 +7621,7 @@
           <a:cs typeface="+mn-cs"/>
         </a:defRPr>
       </a:lvl5pPr>
-      <a:lvl6pPr marL="2286000" algn="l" defTabSz="914400" rtl="0" eaLnBrk="1" latinLnBrk="0" hangingPunct="1">
+      <a:lvl6pPr marL="2286000" algn="l" defTabSz="457200" rtl="0" eaLnBrk="1" latinLnBrk="0" hangingPunct="1">
         <a:defRPr sz="1800" kern="1200">
           <a:solidFill>
             <a:schemeClr val="tx1"/>
@@ -2918,7 +7631,7 @@
           <a:cs typeface="+mn-cs"/>
         </a:defRPr>
       </a:lvl6pPr>
-      <a:lvl7pPr marL="2743200" algn="l" defTabSz="914400" rtl="0" eaLnBrk="1" latinLnBrk="0" hangingPunct="1">
+      <a:lvl7pPr marL="2743200" algn="l" defTabSz="457200" rtl="0" eaLnBrk="1" latinLnBrk="0" hangingPunct="1">
         <a:defRPr sz="1800" kern="1200">
           <a:solidFill>
             <a:schemeClr val="tx1"/>
@@ -2928,7 +7641,7 @@
           <a:cs typeface="+mn-cs"/>
         </a:defRPr>
       </a:lvl7pPr>
-      <a:lvl8pPr marL="3200400" algn="l" defTabSz="914400" rtl="0" eaLnBrk="1" latinLnBrk="0" hangingPunct="1">
+      <a:lvl8pPr marL="3200400" algn="l" defTabSz="457200" rtl="0" eaLnBrk="1" latinLnBrk="0" hangingPunct="1">
         <a:defRPr sz="1800" kern="1200">
           <a:solidFill>
             <a:schemeClr val="tx1"/>
@@ -2938,7 +7651,7 @@
           <a:cs typeface="+mn-cs"/>
         </a:defRPr>
       </a:lvl8pPr>
-      <a:lvl9pPr marL="3657600" algn="l" defTabSz="914400" rtl="0" eaLnBrk="1" latinLnBrk="0" hangingPunct="1">
+      <a:lvl9pPr marL="3657600" algn="l" defTabSz="457200" rtl="0" eaLnBrk="1" latinLnBrk="0" hangingPunct="1">
         <a:defRPr sz="1800" kern="1200">
           <a:solidFill>
             <a:schemeClr val="tx1"/>
@@ -2985,7 +7698,15 @@
           <a:bodyPr/>
           <a:lstStyle/>
           <a:p>
-            <a:endParaRPr lang="en-US"/>
+            <a:r>
+              <a:rPr lang="es-ES" dirty="0"/>
+              <a:t>Algoritmos de ordenación paralela con </a:t>
+            </a:r>
+            <a:r>
+              <a:rPr lang="es-ES" dirty="0" err="1"/>
+              <a:t>openmp</a:t>
+            </a:r>
+            <a:endParaRPr lang="en-US" dirty="0"/>
           </a:p>
         </p:txBody>
       </p:sp>
@@ -3004,7 +7725,7 @@
           <a:bodyPr/>
           <a:lstStyle/>
           <a:p>
-            <a:endParaRPr lang="en-US"/>
+            <a:endParaRPr lang="en-US" dirty="0"/>
           </a:p>
         </p:txBody>
       </p:sp>
@@ -3154,7 +7875,7 @@
         <p:spPr/>
         <p:txBody>
           <a:bodyPr>
-            <a:normAutofit fontScale="85000" lnSpcReduction="20000"/>
+            <a:normAutofit fontScale="92500" lnSpcReduction="10000"/>
           </a:bodyPr>
           <a:lstStyle/>
           <a:p>
@@ -3256,8 +7977,12 @@
           <a:lstStyle/>
           <a:p>
             <a:r>
-              <a:rPr lang="es-ES" dirty="0" err="1" smtClean="0"/>
-              <a:t>shell</a:t>
+              <a:rPr lang="es-ES" dirty="0"/>
+              <a:t>S</a:t>
+            </a:r>
+            <a:r>
+              <a:rPr lang="es-ES" dirty="0" smtClean="0"/>
+              <a:t>hell</a:t>
             </a:r>
             <a:endParaRPr lang="en-US" dirty="0"/>
           </a:p>
@@ -3276,7 +8001,7 @@
         <p:spPr/>
         <p:txBody>
           <a:bodyPr>
-            <a:normAutofit fontScale="85000" lnSpcReduction="10000"/>
+            <a:normAutofit fontScale="92500" lnSpcReduction="10000"/>
           </a:bodyPr>
           <a:lstStyle/>
           <a:p>
@@ -3531,7 +8256,11 @@
           <a:bodyPr/>
           <a:lstStyle/>
           <a:p>
-            <a:endParaRPr lang="en-US"/>
+            <a:r>
+              <a:rPr lang="es-ES" dirty="0" smtClean="0"/>
+              <a:t>Figura 3.1</a:t>
+            </a:r>
+            <a:endParaRPr lang="en-US" dirty="0"/>
           </a:p>
         </p:txBody>
       </p:sp>
@@ -3553,15 +8282,14 @@
               </a:ext>
             </a:extLst>
           </a:blip>
-          <a:srcRect/>
           <a:stretch>
             <a:fillRect/>
           </a:stretch>
         </p:blipFill>
         <p:spPr bwMode="auto">
           <a:xfrm>
-            <a:off x="4869714" y="1825625"/>
-            <a:ext cx="2452572" cy="4351338"/>
+            <a:off x="5982133" y="2133600"/>
+            <a:ext cx="2129559" cy="3778250"/>
           </a:xfrm>
           <a:prstGeom prst="rect">
             <a:avLst/>
@@ -3652,7 +8380,7 @@
         <p:spPr/>
         <p:txBody>
           <a:bodyPr>
-            <a:normAutofit fontScale="85000" lnSpcReduction="20000"/>
+            <a:normAutofit fontScale="92500" lnSpcReduction="20000"/>
           </a:bodyPr>
           <a:lstStyle/>
           <a:p>
@@ -3790,7 +8518,19 @@
           <a:bodyPr/>
           <a:lstStyle/>
           <a:p>
-            <a:endParaRPr lang="en-US"/>
+            <a:r>
+              <a:rPr lang="es-ES" dirty="0" err="1" smtClean="0"/>
+              <a:t>Sort</a:t>
+            </a:r>
+            <a:r>
+              <a:rPr lang="es-ES" dirty="0" smtClean="0"/>
+              <a:t> </a:t>
+            </a:r>
+            <a:r>
+              <a:rPr lang="es-ES" dirty="0" err="1" smtClean="0"/>
+              <a:t>insersion</a:t>
+            </a:r>
+            <a:endParaRPr lang="en-US" dirty="0"/>
           </a:p>
         </p:txBody>
       </p:sp>
@@ -3812,15 +8552,14 @@
               </a:ext>
             </a:extLst>
           </a:blip>
-          <a:srcRect/>
           <a:stretch>
             <a:fillRect/>
           </a:stretch>
         </p:blipFill>
         <p:spPr bwMode="auto">
           <a:xfrm>
-            <a:off x="3796821" y="1825625"/>
-            <a:ext cx="4598357" cy="4351338"/>
+            <a:off x="5050545" y="2133600"/>
+            <a:ext cx="3992735" cy="3778250"/>
           </a:xfrm>
           <a:prstGeom prst="rect">
             <a:avLst/>
@@ -3850,10 +8589,82 @@
 </p:sld>
 </file>
 
+<file path=ppt/slides/slide8.xml><?xml version="1.0" encoding="utf-8"?>
+<p:sld xmlns:a="http://schemas.openxmlformats.org/drawingml/2006/main" xmlns:r="http://schemas.openxmlformats.org/officeDocument/2006/relationships" xmlns:p="http://schemas.openxmlformats.org/presentationml/2006/main">
+  <p:cSld>
+    <p:spTree>
+      <p:nvGrpSpPr>
+        <p:cNvPr id="1" name=""/>
+        <p:cNvGrpSpPr/>
+        <p:nvPr/>
+      </p:nvGrpSpPr>
+      <p:grpSpPr>
+        <a:xfrm>
+          <a:off x="0" y="0"/>
+          <a:ext cx="0" cy="0"/>
+          <a:chOff x="0" y="0"/>
+          <a:chExt cx="0" cy="0"/>
+        </a:xfrm>
+      </p:grpSpPr>
+      <p:sp>
+        <p:nvSpPr>
+          <p:cNvPr id="2" name="Título 1"/>
+          <p:cNvSpPr>
+            <a:spLocks noGrp="1"/>
+          </p:cNvSpPr>
+          <p:nvPr>
+            <p:ph type="title"/>
+          </p:nvPr>
+        </p:nvSpPr>
+        <p:spPr/>
+        <p:txBody>
+          <a:bodyPr/>
+          <a:lstStyle/>
+          <a:p>
+            <a:endParaRPr lang="en-US" dirty="0"/>
+          </a:p>
+        </p:txBody>
+      </p:sp>
+      <p:sp>
+        <p:nvSpPr>
+          <p:cNvPr id="3" name="Marcador de contenido 2"/>
+          <p:cNvSpPr>
+            <a:spLocks noGrp="1"/>
+          </p:cNvSpPr>
+          <p:nvPr>
+            <p:ph idx="1"/>
+          </p:nvPr>
+        </p:nvSpPr>
+        <p:spPr/>
+        <p:txBody>
+          <a:bodyPr/>
+          <a:lstStyle/>
+          <a:p>
+            <a:r>
+              <a:rPr lang="es-ES" dirty="0" smtClean="0"/>
+              <a:t>fin</a:t>
+            </a:r>
+            <a:endParaRPr lang="en-US" dirty="0"/>
+          </a:p>
+        </p:txBody>
+      </p:sp>
+    </p:spTree>
+    <p:extLst>
+      <p:ext uri="{BB962C8B-B14F-4D97-AF65-F5344CB8AC3E}">
+        <p14:creationId xmlns:p14="http://schemas.microsoft.com/office/powerpoint/2010/main" val="1271659662"/>
+      </p:ext>
+    </p:extLst>
+  </p:cSld>
+  <p:clrMapOvr>
+    <a:masterClrMapping/>
+  </p:clrMapOvr>
+</p:sld>
+</file>
+
 <file path=ppt/theme/theme1.xml><?xml version="1.0" encoding="utf-8"?>
-<a:theme xmlns:a="http://schemas.openxmlformats.org/drawingml/2006/main" name="Tema de Office">
+<a:theme xmlns:a="http://schemas.openxmlformats.org/drawingml/2006/main" name="Espiral">
   <a:themeElements>
-    <a:clrScheme name="Office">
+    <a:clrScheme name="Espiral">
       <a:dk1>
         <a:sysClr val="windowText" lastClr="000000"/>
       </a:dk1>
@@ -3861,83 +8672,48 @@
         <a:sysClr val="window" lastClr="FFFFFF"/>
       </a:lt1>
       <a:dk2>
-        <a:srgbClr val="44546A"/>
+        <a:srgbClr val="766F54"/>
       </a:dk2>
       <a:lt2>
-        <a:srgbClr val="E7E6E6"/>
+        <a:srgbClr val="E3EACF"/>
       </a:lt2>
       <a:accent1>
-        <a:srgbClr val="5B9BD5"/>
+        <a:srgbClr val="A53010"/>
       </a:accent1>
       <a:accent2>
-        <a:srgbClr val="ED7D31"/>
+        <a:srgbClr val="DE7E18"/>
       </a:accent2>
       <a:accent3>
-        <a:srgbClr val="A5A5A5"/>
+        <a:srgbClr val="9F8351"/>
       </a:accent3>
       <a:accent4>
-        <a:srgbClr val="FFC000"/>
+        <a:srgbClr val="728653"/>
       </a:accent4>
       <a:accent5>
-        <a:srgbClr val="4472C4"/>
+        <a:srgbClr val="92AA4C"/>
       </a:accent5>
       <a:accent6>
-        <a:srgbClr val="70AD47"/>
+        <a:srgbClr val="6AAC91"/>
       </a:accent6>
       <a:hlink>
-        <a:srgbClr val="0563C1"/>
+        <a:srgbClr val="FB4A18"/>
       </a:hlink>
       <a:folHlink>
-        <a:srgbClr val="954F72"/>
+        <a:srgbClr val="FB9318"/>
       </a:folHlink>
     </a:clrScheme>
-    <a:fontScheme name="Office">
+    <a:fontScheme name="Espiral">
       <a:majorFont>
-        <a:latin typeface="Calibri Light" panose="020F0302020204030204"/>
+        <a:latin typeface="Century Gothic" panose="020B0502020202020204"/>
         <a:ea typeface=""/>
         <a:cs typeface=""/>
-        <a:font script="Jpan" typeface="游ゴシック Light"/>
-        <a:font script="Hang" typeface="맑은 고딕"/>
-        <a:font script="Hans" typeface="等线 Light"/>
-        <a:font script="Hant" typeface="新細明體"/>
-        <a:font script="Arab" typeface="Times New Roman"/>
-        <a:font script="Hebr" typeface="Times New Roman"/>
-        <a:font script="Thai" typeface="Angsana New"/>
-        <a:font script="Ethi" typeface="Nyala"/>
-        <a:font script="Beng" typeface="Vrinda"/>
-        <a:font script="Gujr" typeface="Shruti"/>
-        <a:font script="Khmr" typeface="MoolBoran"/>
-        <a:font script="Knda" typeface="Tunga"/>
-        <a:font script="Guru" typeface="Raavi"/>
-        <a:font script="Cans" typeface="Euphemia"/>
-        <a:font script="Cher" typeface="Plantagenet Cherokee"/>
-        <a:font script="Yiii" typeface="Microsoft Yi Baiti"/>
-        <a:font script="Tibt" typeface="Microsoft Himalaya"/>
-        <a:font script="Thaa" typeface="MV Boli"/>
-        <a:font script="Deva" typeface="Mangal"/>
-        <a:font script="Telu" typeface="Gautami"/>
-        <a:font script="Taml" typeface="Latha"/>
-        <a:font script="Syrc" typeface="Estrangelo Edessa"/>
-        <a:font script="Orya" typeface="Kalinga"/>
-        <a:font script="Mlym" typeface="Kartika"/>
-        <a:font script="Laoo" typeface="DokChampa"/>
-        <a:font script="Sinh" typeface="Iskoola Pota"/>
-        <a:font script="Mong" typeface="Mongolian Baiti"/>
-        <a:font script="Viet" typeface="Times New Roman"/>
-        <a:font script="Uigh" typeface="Microsoft Uighur"/>
-        <a:font script="Geor" typeface="Sylfaen"/>
-      </a:majorFont>
-      <a:minorFont>
-        <a:latin typeface="Calibri" panose="020F0502020204030204"/>
-        <a:ea typeface=""/>
-        <a:cs typeface=""/>
-        <a:font script="Jpan" typeface="游ゴシック"/>
-        <a:font script="Hang" typeface="맑은 고딕"/>
-        <a:font script="Hans" typeface="等线"/>
-        <a:font script="Hant" typeface="新細明體"/>
-        <a:font script="Arab" typeface="Arial"/>
-        <a:font script="Hebr" typeface="Arial"/>
-        <a:font script="Thai" typeface="Cordia New"/>
+        <a:font script="Jpan" typeface="メイリオ"/>
+        <a:font script="Hang" typeface="HY중고딕"/>
+        <a:font script="Hans" typeface="幼圆"/>
+        <a:font script="Hant" typeface="微軟正黑體"/>
+        <a:font script="Arab" typeface="Tahoma"/>
+        <a:font script="Hebr" typeface="Gisha"/>
+        <a:font script="Thai" typeface="DilleniaUPC"/>
         <a:font script="Ethi" typeface="Nyala"/>
         <a:font script="Beng" typeface="Vrinda"/>
         <a:font script="Gujr" typeface="Shruti"/>
@@ -3958,13 +8734,121 @@
         <a:font script="Laoo" typeface="DokChampa"/>
         <a:font script="Sinh" typeface="Iskoola Pota"/>
         <a:font script="Mong" typeface="Mongolian Baiti"/>
-        <a:font script="Viet" typeface="Arial"/>
+        <a:font script="Viet" typeface="Tahoma"/>
+        <a:font script="Uigh" typeface="Microsoft Uighur"/>
+        <a:font script="Geor" typeface="Sylfaen"/>
+      </a:majorFont>
+      <a:minorFont>
+        <a:latin typeface="Century Gothic" panose="020B0502020202020204"/>
+        <a:ea typeface=""/>
+        <a:cs typeface=""/>
+        <a:font script="Jpan" typeface="メイリオ"/>
+        <a:font script="Hang" typeface="HY중고딕"/>
+        <a:font script="Hans" typeface="幼圆"/>
+        <a:font script="Hant" typeface="微軟正黑體"/>
+        <a:font script="Arab" typeface="Tahoma"/>
+        <a:font script="Hebr" typeface="Gisha"/>
+        <a:font script="Thai" typeface="DilleniaUPC"/>
+        <a:font script="Ethi" typeface="Nyala"/>
+        <a:font script="Beng" typeface="Vrinda"/>
+        <a:font script="Gujr" typeface="Shruti"/>
+        <a:font script="Khmr" typeface="DaunPenh"/>
+        <a:font script="Knda" typeface="Tunga"/>
+        <a:font script="Guru" typeface="Raavi"/>
+        <a:font script="Cans" typeface="Euphemia"/>
+        <a:font script="Cher" typeface="Plantagenet Cherokee"/>
+        <a:font script="Yiii" typeface="Microsoft Yi Baiti"/>
+        <a:font script="Tibt" typeface="Microsoft Himalaya"/>
+        <a:font script="Thaa" typeface="MV Boli"/>
+        <a:font script="Deva" typeface="Mangal"/>
+        <a:font script="Telu" typeface="Gautami"/>
+        <a:font script="Taml" typeface="Latha"/>
+        <a:font script="Syrc" typeface="Estrangelo Edessa"/>
+        <a:font script="Orya" typeface="Kalinga"/>
+        <a:font script="Mlym" typeface="Kartika"/>
+        <a:font script="Laoo" typeface="DokChampa"/>
+        <a:font script="Sinh" typeface="Iskoola Pota"/>
+        <a:font script="Mong" typeface="Mongolian Baiti"/>
+        <a:font script="Viet" typeface="Tahoma"/>
         <a:font script="Uigh" typeface="Microsoft Uighur"/>
         <a:font script="Geor" typeface="Sylfaen"/>
       </a:minorFont>
     </a:fontScheme>
-    <a:fmtScheme name="Office">
+    <a:fmtScheme name="Espiral">
       <a:fillStyleLst>
+        <a:solidFill>
+          <a:schemeClr val="phClr"/>
+        </a:solidFill>
+        <a:solidFill>
+          <a:schemeClr val="phClr">
+            <a:tint val="70000"/>
+            <a:lumMod val="104000"/>
+          </a:schemeClr>
+        </a:solidFill>
+        <a:gradFill rotWithShape="1">
+          <a:gsLst>
+            <a:gs pos="0">
+              <a:schemeClr val="phClr">
+                <a:tint val="96000"/>
+                <a:lumMod val="104000"/>
+              </a:schemeClr>
+            </a:gs>
+            <a:gs pos="100000">
+              <a:schemeClr val="phClr">
+                <a:shade val="98000"/>
+                <a:lumMod val="94000"/>
+              </a:schemeClr>
+            </a:gs>
+          </a:gsLst>
+          <a:lin ang="5400000" scaled="0"/>
+        </a:gradFill>
+      </a:fillStyleLst>
+      <a:lnStyleLst>
+        <a:ln w="9525" cap="rnd" cmpd="sng" algn="ctr">
+          <a:solidFill>
+            <a:schemeClr val="phClr">
+              <a:shade val="90000"/>
+            </a:schemeClr>
+          </a:solidFill>
+          <a:prstDash val="solid"/>
+        </a:ln>
+        <a:ln w="15875" cap="rnd" cmpd="sng" algn="ctr">
+          <a:solidFill>
+            <a:schemeClr val="phClr"/>
+          </a:solidFill>
+          <a:prstDash val="solid"/>
+        </a:ln>
+        <a:ln w="22225" cap="rnd" cmpd="sng" algn="ctr">
+          <a:solidFill>
+            <a:schemeClr val="phClr"/>
+          </a:solidFill>
+          <a:prstDash val="solid"/>
+        </a:ln>
+      </a:lnStyleLst>
+      <a:effectStyleLst>
+        <a:effectStyle>
+          <a:effectLst/>
+        </a:effectStyle>
+        <a:effectStyle>
+          <a:effectLst>
+            <a:outerShdw blurRad="38100" dist="25400" dir="5400000" rotWithShape="0">
+              <a:srgbClr val="000000">
+                <a:alpha val="25000"/>
+              </a:srgbClr>
+            </a:outerShdw>
+          </a:effectLst>
+        </a:effectStyle>
+        <a:effectStyle>
+          <a:effectLst>
+            <a:outerShdw blurRad="50800" dist="38100" dir="5400000" rotWithShape="0">
+              <a:srgbClr val="000000">
+                <a:alpha val="60000"/>
+              </a:srgbClr>
+            </a:outerShdw>
+          </a:effectLst>
+        </a:effectStyle>
+      </a:effectStyleLst>
+      <a:bgFillStyleLst>
         <a:solidFill>
           <a:schemeClr val="phClr"/>
         </a:solidFill>
@@ -3972,23 +8856,15 @@
           <a:gsLst>
             <a:gs pos="0">
               <a:schemeClr val="phClr">
-                <a:lumMod val="110000"/>
-                <a:satMod val="105000"/>
-                <a:tint val="67000"/>
-              </a:schemeClr>
-            </a:gs>
-            <a:gs pos="50000">
-              <a:schemeClr val="phClr">
-                <a:lumMod val="105000"/>
-                <a:satMod val="103000"/>
-                <a:tint val="73000"/>
+                <a:tint val="90000"/>
+                <a:lumMod val="120000"/>
               </a:schemeClr>
             </a:gs>
             <a:gs pos="100000">
               <a:schemeClr val="phClr">
-                <a:lumMod val="105000"/>
-                <a:satMod val="109000"/>
-                <a:tint val="81000"/>
+                <a:shade val="98000"/>
+                <a:satMod val="120000"/>
+                <a:lumMod val="98000"/>
               </a:schemeClr>
             </a:gs>
           </a:gsLst>
@@ -3998,105 +8874,22 @@
           <a:gsLst>
             <a:gs pos="0">
               <a:schemeClr val="phClr">
-                <a:satMod val="103000"/>
-                <a:lumMod val="102000"/>
-                <a:tint val="94000"/>
-              </a:schemeClr>
-            </a:gs>
-            <a:gs pos="50000">
-              <a:schemeClr val="phClr">
-                <a:satMod val="110000"/>
-                <a:lumMod val="100000"/>
-                <a:shade val="100000"/>
+                <a:tint val="90000"/>
+                <a:satMod val="92000"/>
+                <a:lumMod val="120000"/>
               </a:schemeClr>
             </a:gs>
             <a:gs pos="100000">
               <a:schemeClr val="phClr">
-                <a:lumMod val="99000"/>
+                <a:shade val="98000"/>
                 <a:satMod val="120000"/>
-                <a:shade val="78000"/>
+                <a:lumMod val="98000"/>
               </a:schemeClr>
             </a:gs>
           </a:gsLst>
-          <a:lin ang="5400000" scaled="0"/>
-        </a:gradFill>
-      </a:fillStyleLst>
-      <a:lnStyleLst>
-        <a:ln w="6350" cap="flat" cmpd="sng" algn="ctr">
-          <a:solidFill>
-            <a:schemeClr val="phClr"/>
-          </a:solidFill>
-          <a:prstDash val="solid"/>
-          <a:miter lim="800000"/>
-        </a:ln>
-        <a:ln w="12700" cap="flat" cmpd="sng" algn="ctr">
-          <a:solidFill>
-            <a:schemeClr val="phClr"/>
-          </a:solidFill>
-          <a:prstDash val="solid"/>
-          <a:miter lim="800000"/>
-        </a:ln>
-        <a:ln w="19050" cap="flat" cmpd="sng" algn="ctr">
-          <a:solidFill>
-            <a:schemeClr val="phClr"/>
-          </a:solidFill>
-          <a:prstDash val="solid"/>
-          <a:miter lim="800000"/>
-        </a:ln>
-      </a:lnStyleLst>
-      <a:effectStyleLst>
-        <a:effectStyle>
-          <a:effectLst/>
-        </a:effectStyle>
-        <a:effectStyle>
-          <a:effectLst/>
-        </a:effectStyle>
-        <a:effectStyle>
-          <a:effectLst>
-            <a:outerShdw blurRad="57150" dist="19050" dir="5400000" algn="ctr" rotWithShape="0">
-              <a:srgbClr val="000000">
-                <a:alpha val="63000"/>
-              </a:srgbClr>
-            </a:outerShdw>
-          </a:effectLst>
-        </a:effectStyle>
-      </a:effectStyleLst>
-      <a:bgFillStyleLst>
-        <a:solidFill>
-          <a:schemeClr val="phClr"/>
-        </a:solidFill>
-        <a:solidFill>
-          <a:schemeClr val="phClr">
-            <a:tint val="95000"/>
-            <a:satMod val="170000"/>
-          </a:schemeClr>
-        </a:solidFill>
-        <a:gradFill rotWithShape="1">
-          <a:gsLst>
-            <a:gs pos="0">
-              <a:schemeClr val="phClr">
-                <a:tint val="93000"/>
-                <a:satMod val="150000"/>
-                <a:shade val="98000"/>
-                <a:lumMod val="102000"/>
-              </a:schemeClr>
-            </a:gs>
-            <a:gs pos="50000">
-              <a:schemeClr val="phClr">
-                <a:tint val="98000"/>
-                <a:satMod val="130000"/>
-                <a:shade val="90000"/>
-                <a:lumMod val="103000"/>
-              </a:schemeClr>
-            </a:gs>
-            <a:gs pos="100000">
-              <a:schemeClr val="phClr">
-                <a:shade val="63000"/>
-                <a:satMod val="120000"/>
-              </a:schemeClr>
-            </a:gs>
-          </a:gsLst>
-          <a:lin ang="5400000" scaled="0"/>
+          <a:path path="circle">
+            <a:fillToRect l="50000" t="50000" r="100000" b="100000"/>
+          </a:path>
         </a:gradFill>
       </a:bgFillStyleLst>
     </a:fmtScheme>
@@ -4105,7 +8898,7 @@
   <a:extraClrSchemeLst/>
   <a:extLst>
     <a:ext uri="{05A4C25C-085E-4340-85A3-A5531E510DB2}">
-      <thm15:themeFamily xmlns:thm15="http://schemas.microsoft.com/office/thememl/2012/main" name="Office Theme" id="{62F939B6-93AF-4DB8-9C6B-D6C7DFDC589F}" vid="{4A3C46E8-61CC-4603-A589-7422A47A8E4A}"/>
+      <thm15:themeFamily xmlns:thm15="http://schemas.microsoft.com/office/thememl/2012/main" name="Wisp" id="{7CB32D59-10C0-40DD-B7BD-2E94284A981C}" vid="{24B1A44C-C006-48B2-A4D7-E5549B3D8CD4}"/>
     </a:ext>
   </a:extLst>
 </a:theme>

--- a/21.10/SORTS.pptx
+++ b/21.10/SORTS.pptx
@@ -6,13 +6,14 @@
   </p:sldMasterIdLst>
   <p:sldIdLst>
     <p:sldId id="256" r:id="rId2"/>
-    <p:sldId id="257" r:id="rId3"/>
-    <p:sldId id="258" r:id="rId4"/>
-    <p:sldId id="259" r:id="rId5"/>
-    <p:sldId id="260" r:id="rId6"/>
-    <p:sldId id="261" r:id="rId7"/>
-    <p:sldId id="262" r:id="rId8"/>
-    <p:sldId id="263" r:id="rId9"/>
+    <p:sldId id="264" r:id="rId3"/>
+    <p:sldId id="257" r:id="rId4"/>
+    <p:sldId id="258" r:id="rId5"/>
+    <p:sldId id="259" r:id="rId6"/>
+    <p:sldId id="260" r:id="rId7"/>
+    <p:sldId id="261" r:id="rId8"/>
+    <p:sldId id="262" r:id="rId9"/>
+    <p:sldId id="263" r:id="rId10"/>
   </p:sldIdLst>
   <p:sldSz cx="12192000" cy="6858000"/>
   <p:notesSz cx="6858000" cy="9144000"/>
@@ -7776,11 +7777,7 @@
           <a:p>
             <a:r>
               <a:rPr lang="es-ES" dirty="0" err="1" smtClean="0"/>
-              <a:t>Sort</a:t>
-            </a:r>
-            <a:r>
-              <a:rPr lang="es-ES" dirty="0" smtClean="0"/>
-              <a:t> Burbuja</a:t>
+              <a:t>Presentacion</a:t>
             </a:r>
             <a:endParaRPr lang="en-US" dirty="0"/>
           </a:p>
@@ -7802,17 +7799,17 @@
           <a:lstStyle/>
           <a:p>
             <a:r>
-              <a:rPr lang="es-ES" dirty="0"/>
-              <a:t>Representación animada de ordenación de un conjunto de números mediante el algoritmo burbuja. Comenzando desde el inicio del arreglo, se compara cada par de elementos adyacentes. Si ambos no están ordenados (el segundo es menor que el primero), se intercambian sus posiciones. En cada iteración, un elemento menos necesita ser evaluados (el último), ya que no hay más elementos a su derecha que necesiten ser comparados, puesto que ya están ordenados.</a:t>
-            </a:r>
-            <a:endParaRPr lang="en-US" dirty="0"/>
+              <a:rPr lang="es-AR" dirty="0"/>
+              <a:t>El presente trabajo práctico se propone hacer una revisión formal de los principales algoritmos de ordenamiento, tanto en el ámbito de la programación lineal como el de la programación paralela. El objetivo del trabajo es del de generar un documento que sirva como referencia para el entendimiento de la utilización de la programación paralela en el campo de la Informática.</a:t>
+            </a:r>
+            <a:endParaRPr lang="en-US" u="sng" dirty="0"/>
           </a:p>
         </p:txBody>
       </p:sp>
     </p:spTree>
     <p:extLst>
       <p:ext uri="{BB962C8B-B14F-4D97-AF65-F5344CB8AC3E}">
-        <p14:creationId xmlns:p14="http://schemas.microsoft.com/office/powerpoint/2010/main" val="1819399667"/>
+        <p14:creationId xmlns:p14="http://schemas.microsoft.com/office/powerpoint/2010/main" val="910209186"/>
       </p:ext>
     </p:extLst>
   </p:cSld>
@@ -7855,8 +7852,12 @@
           <a:lstStyle/>
           <a:p>
             <a:r>
+              <a:rPr lang="es-ES" dirty="0" err="1" smtClean="0"/>
+              <a:t>Sort</a:t>
+            </a:r>
+            <a:r>
               <a:rPr lang="es-ES" dirty="0" smtClean="0"/>
-              <a:t>Burbujeo Bidireccional</a:t>
+              <a:t> Burbuja</a:t>
             </a:r>
             <a:endParaRPr lang="en-US" dirty="0"/>
           </a:p>
@@ -7874,59 +7875,13 @@
         </p:nvSpPr>
         <p:spPr/>
         <p:txBody>
-          <a:bodyPr>
-            <a:normAutofit fontScale="92500" lnSpcReduction="10000"/>
-          </a:bodyPr>
+          <a:bodyPr/>
           <a:lstStyle/>
           <a:p>
             <a:r>
               <a:rPr lang="es-ES" dirty="0"/>
-              <a:t>La manera de trabajar de este algoritmo es ir ordenando al mismo tiempo por los dos extremos del vector. De manera que tras la primera iteración, tanto el menor como el mayor elemento estarán en sus posiciones finales. De esta manera se reduce el número de comparaciones aunque la </a:t>
-            </a:r>
-            <a:r>
-              <a:rPr lang="es-ES" dirty="0">
-                <a:hlinkClick r:id="rId2" tooltip="Complejidad computacional"/>
-              </a:rPr>
-              <a:t>complejidad</a:t>
-            </a:r>
-            <a:r>
-              <a:rPr lang="es-ES" dirty="0"/>
-              <a:t> del algoritmo sigue siendo </a:t>
-            </a:r>
-            <a:r>
-              <a:rPr lang="es-ES" dirty="0">
-                <a:hlinkClick r:id="rId3" tooltip="Cota superior asintótica"/>
-              </a:rPr>
-              <a:t>O</a:t>
-            </a:r>
-            <a:r>
-              <a:rPr lang="es-ES" dirty="0"/>
-              <a:t>(</a:t>
-            </a:r>
-            <a:r>
-              <a:rPr lang="es-ES" i="1" dirty="0"/>
-              <a:t>n</a:t>
-            </a:r>
-            <a:r>
-              <a:rPr lang="es-ES" dirty="0"/>
-              <a:t>²).</a:t>
-            </a:r>
-          </a:p>
-          <a:p>
-            <a:r>
-              <a:rPr lang="es-ES" dirty="0"/>
-              <a:t>Hacemos un recorrido ascendente (del primer elemento al último), cogemos el primer elemento y lo comparamos con el siguiente, si el siguiente es menor lo pasamos al puesto anterior, de esta forma al final de la lista nos queda el mayor. Una vez terminada la serie ascendente, hacemos un recorrido descendente (del último elemento al primero) pero esta vez nos quedamos con los menores a los que vamos adelantando posiciones en vez de retrasarlas como hicimos en la serie ascendente. Repetimos las series alternativamente pero reduciendo el ámbito en sus extremos pues ya tendremos allí los valores más bajos y más altos de la lista, hasta que no queden elementos en la serie; en el pseudocódigo de ejemplo: Hasta (</a:t>
-            </a:r>
-            <a:r>
-              <a:rPr lang="es-ES" dirty="0" err="1"/>
-              <a:t>izq</a:t>
-            </a:r>
-            <a:r>
-              <a:rPr lang="es-ES" dirty="0"/>
-              <a:t> &gt; der).</a:t>
-            </a:r>
-          </a:p>
-          <a:p>
+              <a:t>Representación animada de ordenación de un conjunto de números mediante el algoritmo burbuja. Comenzando desde el inicio del arreglo, se compara cada par de elementos adyacentes. Si ambos no están ordenados (el segundo es menor que el primero), se intercambian sus posiciones. En cada iteración, un elemento menos necesita ser evaluados (el último), ya que no hay más elementos a su derecha que necesiten ser comparados, puesto que ya están ordenados.</a:t>
+            </a:r>
             <a:endParaRPr lang="en-US" dirty="0"/>
           </a:p>
         </p:txBody>
@@ -7934,7 +7889,7 @@
     </p:spTree>
     <p:extLst>
       <p:ext uri="{BB962C8B-B14F-4D97-AF65-F5344CB8AC3E}">
-        <p14:creationId xmlns:p14="http://schemas.microsoft.com/office/powerpoint/2010/main" val="1223829005"/>
+        <p14:creationId xmlns:p14="http://schemas.microsoft.com/office/powerpoint/2010/main" val="1819399667"/>
       </p:ext>
     </p:extLst>
   </p:cSld>
@@ -7977,6 +7932,128 @@
           <a:lstStyle/>
           <a:p>
             <a:r>
+              <a:rPr lang="es-ES" dirty="0" smtClean="0"/>
+              <a:t>Burbujeo Bidireccional</a:t>
+            </a:r>
+            <a:endParaRPr lang="en-US" dirty="0"/>
+          </a:p>
+        </p:txBody>
+      </p:sp>
+      <p:sp>
+        <p:nvSpPr>
+          <p:cNvPr id="3" name="Marcador de contenido 2"/>
+          <p:cNvSpPr>
+            <a:spLocks noGrp="1"/>
+          </p:cNvSpPr>
+          <p:nvPr>
+            <p:ph idx="1"/>
+          </p:nvPr>
+        </p:nvSpPr>
+        <p:spPr/>
+        <p:txBody>
+          <a:bodyPr>
+            <a:normAutofit fontScale="92500" lnSpcReduction="10000"/>
+          </a:bodyPr>
+          <a:lstStyle/>
+          <a:p>
+            <a:r>
+              <a:rPr lang="es-ES" dirty="0"/>
+              <a:t>La manera de trabajar de este algoritmo es ir ordenando al mismo tiempo por los dos extremos del vector. De manera que tras la primera iteración, tanto el menor como el mayor elemento estarán en sus posiciones finales. De esta manera se reduce el número de comparaciones aunque la </a:t>
+            </a:r>
+            <a:r>
+              <a:rPr lang="es-ES" dirty="0">
+                <a:hlinkClick r:id="rId2" tooltip="Complejidad computacional"/>
+              </a:rPr>
+              <a:t>complejidad</a:t>
+            </a:r>
+            <a:r>
+              <a:rPr lang="es-ES" dirty="0"/>
+              <a:t> del algoritmo sigue siendo </a:t>
+            </a:r>
+            <a:r>
+              <a:rPr lang="es-ES" dirty="0">
+                <a:hlinkClick r:id="rId3" tooltip="Cota superior asintótica"/>
+              </a:rPr>
+              <a:t>O</a:t>
+            </a:r>
+            <a:r>
+              <a:rPr lang="es-ES" dirty="0"/>
+              <a:t>(</a:t>
+            </a:r>
+            <a:r>
+              <a:rPr lang="es-ES" i="1" dirty="0"/>
+              <a:t>n</a:t>
+            </a:r>
+            <a:r>
+              <a:rPr lang="es-ES" dirty="0"/>
+              <a:t>²).</a:t>
+            </a:r>
+          </a:p>
+          <a:p>
+            <a:r>
+              <a:rPr lang="es-ES" dirty="0"/>
+              <a:t>Hacemos un recorrido ascendente (del primer elemento al último), cogemos el primer elemento y lo comparamos con el siguiente, si el siguiente es menor lo pasamos al puesto anterior, de esta forma al final de la lista nos queda el mayor. Una vez terminada la serie ascendente, hacemos un recorrido descendente (del último elemento al primero) pero esta vez nos quedamos con los menores a los que vamos adelantando posiciones en vez de retrasarlas como hicimos en la serie ascendente. Repetimos las series alternativamente pero reduciendo el ámbito en sus extremos pues ya tendremos allí los valores más bajos y más altos de la lista, hasta que no queden elementos en la serie; en el pseudocódigo de ejemplo: Hasta (</a:t>
+            </a:r>
+            <a:r>
+              <a:rPr lang="es-ES" dirty="0" err="1"/>
+              <a:t>izq</a:t>
+            </a:r>
+            <a:r>
+              <a:rPr lang="es-ES" dirty="0"/>
+              <a:t> &gt; der).</a:t>
+            </a:r>
+          </a:p>
+          <a:p>
+            <a:endParaRPr lang="en-US" dirty="0"/>
+          </a:p>
+        </p:txBody>
+      </p:sp>
+    </p:spTree>
+    <p:extLst>
+      <p:ext uri="{BB962C8B-B14F-4D97-AF65-F5344CB8AC3E}">
+        <p14:creationId xmlns:p14="http://schemas.microsoft.com/office/powerpoint/2010/main" val="1223829005"/>
+      </p:ext>
+    </p:extLst>
+  </p:cSld>
+  <p:clrMapOvr>
+    <a:masterClrMapping/>
+  </p:clrMapOvr>
+</p:sld>
+</file>
+
+<file path=ppt/slides/slide5.xml><?xml version="1.0" encoding="utf-8"?>
+<p:sld xmlns:a="http://schemas.openxmlformats.org/drawingml/2006/main" xmlns:r="http://schemas.openxmlformats.org/officeDocument/2006/relationships" xmlns:p="http://schemas.openxmlformats.org/presentationml/2006/main">
+  <p:cSld>
+    <p:spTree>
+      <p:nvGrpSpPr>
+        <p:cNvPr id="1" name=""/>
+        <p:cNvGrpSpPr/>
+        <p:nvPr/>
+      </p:nvGrpSpPr>
+      <p:grpSpPr>
+        <a:xfrm>
+          <a:off x="0" y="0"/>
+          <a:ext cx="0" cy="0"/>
+          <a:chOff x="0" y="0"/>
+          <a:chExt cx="0" cy="0"/>
+        </a:xfrm>
+      </p:grpSpPr>
+      <p:sp>
+        <p:nvSpPr>
+          <p:cNvPr id="2" name="Título 1"/>
+          <p:cNvSpPr>
+            <a:spLocks noGrp="1"/>
+          </p:cNvSpPr>
+          <p:nvPr>
+            <p:ph type="title"/>
+          </p:nvPr>
+        </p:nvSpPr>
+        <p:spPr/>
+        <p:txBody>
+          <a:bodyPr/>
+          <a:lstStyle/>
+          <a:p>
+            <a:r>
               <a:rPr lang="es-ES" dirty="0"/>
               <a:t>S</a:t>
             </a:r>
@@ -8224,7 +8301,7 @@
 </p:sld>
 </file>
 
-<file path=ppt/slides/slide5.xml><?xml version="1.0" encoding="utf-8"?>
+<file path=ppt/slides/slide6.xml><?xml version="1.0" encoding="utf-8"?>
 <p:sld xmlns:a="http://schemas.openxmlformats.org/drawingml/2006/main" xmlns:r="http://schemas.openxmlformats.org/officeDocument/2006/relationships" xmlns:p="http://schemas.openxmlformats.org/presentationml/2006/main">
   <p:cSld>
     <p:spTree>
@@ -8319,7 +8396,7 @@
 </p:sld>
 </file>
 
-<file path=ppt/slides/slide6.xml><?xml version="1.0" encoding="utf-8"?>
+<file path=ppt/slides/slide7.xml><?xml version="1.0" encoding="utf-8"?>
 <p:sld xmlns:a="http://schemas.openxmlformats.org/drawingml/2006/main" xmlns:r="http://schemas.openxmlformats.org/officeDocument/2006/relationships" xmlns:p="http://schemas.openxmlformats.org/presentationml/2006/main">
   <p:cSld>
     <p:spTree>
@@ -8486,7 +8563,7 @@
 </p:sld>
 </file>
 
-<file path=ppt/slides/slide7.xml><?xml version="1.0" encoding="utf-8"?>
+<file path=ppt/slides/slide8.xml><?xml version="1.0" encoding="utf-8"?>
 <p:sld xmlns:a="http://schemas.openxmlformats.org/drawingml/2006/main" xmlns:r="http://schemas.openxmlformats.org/officeDocument/2006/relationships" xmlns:p="http://schemas.openxmlformats.org/presentationml/2006/main">
   <p:cSld>
     <p:spTree>
@@ -8589,7 +8666,7 @@
 </p:sld>
 </file>
 
-<file path=ppt/slides/slide8.xml><?xml version="1.0" encoding="utf-8"?>
+<file path=ppt/slides/slide9.xml><?xml version="1.0" encoding="utf-8"?>
 <p:sld xmlns:a="http://schemas.openxmlformats.org/drawingml/2006/main" xmlns:r="http://schemas.openxmlformats.org/officeDocument/2006/relationships" xmlns:p="http://schemas.openxmlformats.org/presentationml/2006/main">
   <p:cSld>
     <p:spTree>
